--- a/Sprint 3/Abgabe-Dateien/Unternehmen_Präsentation.pptx
+++ b/Sprint 3/Abgabe-Dateien/Unternehmen_Präsentation.pptx
@@ -838,7 +838,7 @@
           <a:p>
             <a:fld id="{C02FA18B-CDC5-4D54-8389-595747D46EF2}" type="datetimeFigureOut">
               <a:rPr lang="de-DE" smtClean="0"/>
-              <a:t>04.07.2021</a:t>
+              <a:t>06.07.2021</a:t>
             </a:fld>
             <a:endParaRPr lang="de-DE"/>
           </a:p>
@@ -1089,7 +1089,7 @@
           <a:p>
             <a:fld id="{C02FA18B-CDC5-4D54-8389-595747D46EF2}" type="datetimeFigureOut">
               <a:rPr lang="de-DE" smtClean="0"/>
-              <a:t>04.07.2021</a:t>
+              <a:t>06.07.2021</a:t>
             </a:fld>
             <a:endParaRPr lang="de-DE"/>
           </a:p>
@@ -1403,7 +1403,7 @@
           <a:p>
             <a:fld id="{C02FA18B-CDC5-4D54-8389-595747D46EF2}" type="datetimeFigureOut">
               <a:rPr lang="de-DE" smtClean="0"/>
-              <a:t>04.07.2021</a:t>
+              <a:t>06.07.2021</a:t>
             </a:fld>
             <a:endParaRPr lang="de-DE"/>
           </a:p>
@@ -1744,7 +1744,7 @@
           <a:p>
             <a:fld id="{C02FA18B-CDC5-4D54-8389-595747D46EF2}" type="datetimeFigureOut">
               <a:rPr lang="de-DE" smtClean="0"/>
-              <a:t>04.07.2021</a:t>
+              <a:t>06.07.2021</a:t>
             </a:fld>
             <a:endParaRPr lang="de-DE"/>
           </a:p>
@@ -2058,7 +2058,7 @@
           <a:p>
             <a:fld id="{C02FA18B-CDC5-4D54-8389-595747D46EF2}" type="datetimeFigureOut">
               <a:rPr lang="de-DE" smtClean="0"/>
-              <a:t>04.07.2021</a:t>
+              <a:t>06.07.2021</a:t>
             </a:fld>
             <a:endParaRPr lang="de-DE"/>
           </a:p>
@@ -2451,7 +2451,7 @@
           <a:p>
             <a:fld id="{C02FA18B-CDC5-4D54-8389-595747D46EF2}" type="datetimeFigureOut">
               <a:rPr lang="de-DE" smtClean="0"/>
-              <a:t>04.07.2021</a:t>
+              <a:t>06.07.2021</a:t>
             </a:fld>
             <a:endParaRPr lang="de-DE"/>
           </a:p>
@@ -2621,7 +2621,7 @@
           <a:p>
             <a:fld id="{C02FA18B-CDC5-4D54-8389-595747D46EF2}" type="datetimeFigureOut">
               <a:rPr lang="de-DE" smtClean="0"/>
-              <a:t>04.07.2021</a:t>
+              <a:t>06.07.2021</a:t>
             </a:fld>
             <a:endParaRPr lang="de-DE"/>
           </a:p>
@@ -2801,7 +2801,7 @@
           <a:p>
             <a:fld id="{C02FA18B-CDC5-4D54-8389-595747D46EF2}" type="datetimeFigureOut">
               <a:rPr lang="de-DE" smtClean="0"/>
-              <a:t>04.07.2021</a:t>
+              <a:t>06.07.2021</a:t>
             </a:fld>
             <a:endParaRPr lang="de-DE"/>
           </a:p>
@@ -2977,7 +2977,7 @@
           <a:p>
             <a:fld id="{C02FA18B-CDC5-4D54-8389-595747D46EF2}" type="datetimeFigureOut">
               <a:rPr lang="de-DE" smtClean="0"/>
-              <a:t>04.07.2021</a:t>
+              <a:t>06.07.2021</a:t>
             </a:fld>
             <a:endParaRPr lang="de-DE"/>
           </a:p>
@@ -3224,7 +3224,7 @@
           <a:p>
             <a:fld id="{C02FA18B-CDC5-4D54-8389-595747D46EF2}" type="datetimeFigureOut">
               <a:rPr lang="de-DE" smtClean="0"/>
-              <a:t>04.07.2021</a:t>
+              <a:t>06.07.2021</a:t>
             </a:fld>
             <a:endParaRPr lang="de-DE"/>
           </a:p>
@@ -3456,7 +3456,7 @@
           <a:p>
             <a:fld id="{C02FA18B-CDC5-4D54-8389-595747D46EF2}" type="datetimeFigureOut">
               <a:rPr lang="de-DE" smtClean="0"/>
-              <a:t>04.07.2021</a:t>
+              <a:t>06.07.2021</a:t>
             </a:fld>
             <a:endParaRPr lang="de-DE"/>
           </a:p>
@@ -3830,7 +3830,7 @@
           <a:p>
             <a:fld id="{C02FA18B-CDC5-4D54-8389-595747D46EF2}" type="datetimeFigureOut">
               <a:rPr lang="de-DE" smtClean="0"/>
-              <a:t>04.07.2021</a:t>
+              <a:t>06.07.2021</a:t>
             </a:fld>
             <a:endParaRPr lang="de-DE"/>
           </a:p>
@@ -3953,7 +3953,7 @@
           <a:p>
             <a:fld id="{C02FA18B-CDC5-4D54-8389-595747D46EF2}" type="datetimeFigureOut">
               <a:rPr lang="de-DE" smtClean="0"/>
-              <a:t>04.07.2021</a:t>
+              <a:t>06.07.2021</a:t>
             </a:fld>
             <a:endParaRPr lang="de-DE"/>
           </a:p>
@@ -4048,7 +4048,7 @@
           <a:p>
             <a:fld id="{C02FA18B-CDC5-4D54-8389-595747D46EF2}" type="datetimeFigureOut">
               <a:rPr lang="de-DE" smtClean="0"/>
-              <a:t>04.07.2021</a:t>
+              <a:t>06.07.2021</a:t>
             </a:fld>
             <a:endParaRPr lang="de-DE"/>
           </a:p>
@@ -4303,7 +4303,7 @@
           <a:p>
             <a:fld id="{C02FA18B-CDC5-4D54-8389-595747D46EF2}" type="datetimeFigureOut">
               <a:rPr lang="de-DE" smtClean="0"/>
-              <a:t>04.07.2021</a:t>
+              <a:t>06.07.2021</a:t>
             </a:fld>
             <a:endParaRPr lang="de-DE"/>
           </a:p>
@@ -4566,7 +4566,7 @@
           <a:p>
             <a:fld id="{C02FA18B-CDC5-4D54-8389-595747D46EF2}" type="datetimeFigureOut">
               <a:rPr lang="de-DE" smtClean="0"/>
-              <a:t>04.07.2021</a:t>
+              <a:t>06.07.2021</a:t>
             </a:fld>
             <a:endParaRPr lang="de-DE"/>
           </a:p>
@@ -5309,7 +5309,7 @@
           <a:p>
             <a:fld id="{C02FA18B-CDC5-4D54-8389-595747D46EF2}" type="datetimeFigureOut">
               <a:rPr lang="de-DE" smtClean="0"/>
-              <a:t>04.07.2021</a:t>
+              <a:t>06.07.2021</a:t>
             </a:fld>
             <a:endParaRPr lang="de-DE"/>
           </a:p>
@@ -7979,476 +7979,6 @@
       </p:sp>
       <p:sp>
         <p:nvSpPr>
-          <p:cNvPr id="36" name="Untertitel 2">
-            <a:extLst>
-              <a:ext uri="{FF2B5EF4-FFF2-40B4-BE49-F238E27FC236}">
-                <a16:creationId xmlns:a16="http://schemas.microsoft.com/office/drawing/2014/main" id="{A1E2309B-BC7E-4F14-B20E-E7EFC42C7967}"/>
-              </a:ext>
-            </a:extLst>
-          </p:cNvPr>
-          <p:cNvSpPr txBox="1">
-            <a:spLocks/>
-          </p:cNvSpPr>
-          <p:nvPr/>
-        </p:nvSpPr>
-        <p:spPr>
-          <a:xfrm>
-            <a:off x="4832779" y="4612019"/>
-            <a:ext cx="3863229" cy="4096122"/>
-          </a:xfrm>
-          <a:prstGeom prst="rect">
-            <a:avLst/>
-          </a:prstGeom>
-        </p:spPr>
-        <p:txBody>
-          <a:bodyPr vert="horz" lIns="91440" tIns="45720" rIns="91440" bIns="45720" rtlCol="0" anchor="t">
-            <a:normAutofit/>
-          </a:bodyPr>
-          <a:lstStyle>
-            <a:lvl1pPr marL="0" indent="0" algn="r" defTabSz="457200" rtl="0" eaLnBrk="1" latinLnBrk="0" hangingPunct="1">
-              <a:spcBef>
-                <a:spcPts val="1000"/>
-              </a:spcBef>
-              <a:spcAft>
-                <a:spcPts val="0"/>
-              </a:spcAft>
-              <a:buClr>
-                <a:schemeClr val="accent1"/>
-              </a:buClr>
-              <a:buSzPct val="80000"/>
-              <a:buFont typeface="Wingdings 3" charset="2"/>
-              <a:buNone/>
-              <a:defRPr sz="1800" kern="1200">
-                <a:solidFill>
-                  <a:schemeClr val="tx1">
-                    <a:lumMod val="50000"/>
-                    <a:lumOff val="50000"/>
-                  </a:schemeClr>
-                </a:solidFill>
-                <a:latin typeface="+mn-lt"/>
-                <a:ea typeface="+mn-ea"/>
-                <a:cs typeface="+mn-cs"/>
-              </a:defRPr>
-            </a:lvl1pPr>
-            <a:lvl2pPr marL="457200" indent="0" algn="ctr" defTabSz="457200" rtl="0" eaLnBrk="1" latinLnBrk="0" hangingPunct="1">
-              <a:spcBef>
-                <a:spcPts val="1000"/>
-              </a:spcBef>
-              <a:spcAft>
-                <a:spcPts val="0"/>
-              </a:spcAft>
-              <a:buClr>
-                <a:schemeClr val="accent1"/>
-              </a:buClr>
-              <a:buSzPct val="80000"/>
-              <a:buFont typeface="Wingdings 3" charset="2"/>
-              <a:buNone/>
-              <a:defRPr sz="1600" kern="1200">
-                <a:solidFill>
-                  <a:schemeClr val="tx1">
-                    <a:tint val="75000"/>
-                  </a:schemeClr>
-                </a:solidFill>
-                <a:latin typeface="+mn-lt"/>
-                <a:ea typeface="+mn-ea"/>
-                <a:cs typeface="+mn-cs"/>
-              </a:defRPr>
-            </a:lvl2pPr>
-            <a:lvl3pPr marL="914400" indent="0" algn="ctr" defTabSz="457200" rtl="0" eaLnBrk="1" latinLnBrk="0" hangingPunct="1">
-              <a:spcBef>
-                <a:spcPts val="1000"/>
-              </a:spcBef>
-              <a:spcAft>
-                <a:spcPts val="0"/>
-              </a:spcAft>
-              <a:buClr>
-                <a:schemeClr val="accent1"/>
-              </a:buClr>
-              <a:buSzPct val="80000"/>
-              <a:buFont typeface="Wingdings 3" charset="2"/>
-              <a:buNone/>
-              <a:defRPr sz="1400" kern="1200">
-                <a:solidFill>
-                  <a:schemeClr val="tx1">
-                    <a:tint val="75000"/>
-                  </a:schemeClr>
-                </a:solidFill>
-                <a:latin typeface="+mn-lt"/>
-                <a:ea typeface="+mn-ea"/>
-                <a:cs typeface="+mn-cs"/>
-              </a:defRPr>
-            </a:lvl3pPr>
-            <a:lvl4pPr marL="1371600" indent="0" algn="ctr" defTabSz="457200" rtl="0" eaLnBrk="1" latinLnBrk="0" hangingPunct="1">
-              <a:spcBef>
-                <a:spcPts val="1000"/>
-              </a:spcBef>
-              <a:spcAft>
-                <a:spcPts val="0"/>
-              </a:spcAft>
-              <a:buClr>
-                <a:schemeClr val="accent1"/>
-              </a:buClr>
-              <a:buSzPct val="80000"/>
-              <a:buFont typeface="Wingdings 3" charset="2"/>
-              <a:buNone/>
-              <a:defRPr sz="1200" kern="1200">
-                <a:solidFill>
-                  <a:schemeClr val="tx1">
-                    <a:tint val="75000"/>
-                  </a:schemeClr>
-                </a:solidFill>
-                <a:latin typeface="+mn-lt"/>
-                <a:ea typeface="+mn-ea"/>
-                <a:cs typeface="+mn-cs"/>
-              </a:defRPr>
-            </a:lvl4pPr>
-            <a:lvl5pPr marL="1828800" indent="0" algn="ctr" defTabSz="457200" rtl="0" eaLnBrk="1" latinLnBrk="0" hangingPunct="1">
-              <a:spcBef>
-                <a:spcPts val="1000"/>
-              </a:spcBef>
-              <a:spcAft>
-                <a:spcPts val="0"/>
-              </a:spcAft>
-              <a:buClr>
-                <a:schemeClr val="accent1"/>
-              </a:buClr>
-              <a:buSzPct val="80000"/>
-              <a:buFont typeface="Wingdings 3" charset="2"/>
-              <a:buNone/>
-              <a:defRPr sz="1200" kern="1200">
-                <a:solidFill>
-                  <a:schemeClr val="tx1">
-                    <a:tint val="75000"/>
-                  </a:schemeClr>
-                </a:solidFill>
-                <a:latin typeface="+mn-lt"/>
-                <a:ea typeface="+mn-ea"/>
-                <a:cs typeface="+mn-cs"/>
-              </a:defRPr>
-            </a:lvl5pPr>
-            <a:lvl6pPr marL="2286000" indent="0" algn="ctr" defTabSz="457200" rtl="0" eaLnBrk="1" latinLnBrk="0" hangingPunct="1">
-              <a:spcBef>
-                <a:spcPts val="1000"/>
-              </a:spcBef>
-              <a:spcAft>
-                <a:spcPts val="0"/>
-              </a:spcAft>
-              <a:buClr>
-                <a:schemeClr val="accent1"/>
-              </a:buClr>
-              <a:buSzPct val="80000"/>
-              <a:buFont typeface="Wingdings 3" charset="2"/>
-              <a:buNone/>
-              <a:defRPr sz="1200" kern="1200">
-                <a:solidFill>
-                  <a:schemeClr val="tx1">
-                    <a:tint val="75000"/>
-                  </a:schemeClr>
-                </a:solidFill>
-                <a:latin typeface="+mn-lt"/>
-                <a:ea typeface="+mn-ea"/>
-                <a:cs typeface="+mn-cs"/>
-              </a:defRPr>
-            </a:lvl6pPr>
-            <a:lvl7pPr marL="2743200" indent="0" algn="ctr" defTabSz="457200" rtl="0" eaLnBrk="1" latinLnBrk="0" hangingPunct="1">
-              <a:spcBef>
-                <a:spcPts val="1000"/>
-              </a:spcBef>
-              <a:spcAft>
-                <a:spcPts val="0"/>
-              </a:spcAft>
-              <a:buClr>
-                <a:schemeClr val="accent1"/>
-              </a:buClr>
-              <a:buSzPct val="80000"/>
-              <a:buFont typeface="Wingdings 3" charset="2"/>
-              <a:buNone/>
-              <a:defRPr sz="1200" kern="1200">
-                <a:solidFill>
-                  <a:schemeClr val="tx1">
-                    <a:tint val="75000"/>
-                  </a:schemeClr>
-                </a:solidFill>
-                <a:latin typeface="+mn-lt"/>
-                <a:ea typeface="+mn-ea"/>
-                <a:cs typeface="+mn-cs"/>
-              </a:defRPr>
-            </a:lvl7pPr>
-            <a:lvl8pPr marL="3200400" indent="0" algn="ctr" defTabSz="457200" rtl="0" eaLnBrk="1" latinLnBrk="0" hangingPunct="1">
-              <a:spcBef>
-                <a:spcPts val="1000"/>
-              </a:spcBef>
-              <a:spcAft>
-                <a:spcPts val="0"/>
-              </a:spcAft>
-              <a:buClr>
-                <a:schemeClr val="accent1"/>
-              </a:buClr>
-              <a:buSzPct val="80000"/>
-              <a:buFont typeface="Wingdings 3" charset="2"/>
-              <a:buNone/>
-              <a:defRPr sz="1200" kern="1200">
-                <a:solidFill>
-                  <a:schemeClr val="tx1">
-                    <a:tint val="75000"/>
-                  </a:schemeClr>
-                </a:solidFill>
-                <a:latin typeface="+mn-lt"/>
-                <a:ea typeface="+mn-ea"/>
-                <a:cs typeface="+mn-cs"/>
-              </a:defRPr>
-            </a:lvl8pPr>
-            <a:lvl9pPr marL="3657600" indent="0" algn="ctr" defTabSz="457200" rtl="0" eaLnBrk="1" latinLnBrk="0" hangingPunct="1">
-              <a:spcBef>
-                <a:spcPts val="1000"/>
-              </a:spcBef>
-              <a:spcAft>
-                <a:spcPts val="0"/>
-              </a:spcAft>
-              <a:buClr>
-                <a:schemeClr val="accent1"/>
-              </a:buClr>
-              <a:buSzPct val="80000"/>
-              <a:buFont typeface="Wingdings 3" charset="2"/>
-              <a:buNone/>
-              <a:defRPr sz="1200" kern="1200">
-                <a:solidFill>
-                  <a:schemeClr val="tx1">
-                    <a:tint val="75000"/>
-                  </a:schemeClr>
-                </a:solidFill>
-                <a:latin typeface="+mn-lt"/>
-                <a:ea typeface="+mn-ea"/>
-                <a:cs typeface="+mn-cs"/>
-              </a:defRPr>
-            </a:lvl9pPr>
-          </a:lstStyle>
-          <a:p>
-            <a:pPr algn="l"/>
-            <a:r>
-              <a:rPr lang="de-DE" u="sng" dirty="0" smtClean="0">
-                <a:solidFill>
-                  <a:schemeClr val="tx1">
-                    <a:lumMod val="65000"/>
-                    <a:lumOff val="35000"/>
-                  </a:schemeClr>
-                </a:solidFill>
-              </a:rPr>
-              <a:t>Button:</a:t>
-            </a:r>
-            <a:endParaRPr lang="de-DE" dirty="0" smtClean="0">
-              <a:solidFill>
-                <a:schemeClr val="tx1">
-                  <a:lumMod val="65000"/>
-                  <a:lumOff val="35000"/>
-                </a:schemeClr>
-              </a:solidFill>
-            </a:endParaRPr>
-          </a:p>
-          <a:p>
-            <a:pPr marL="285750" indent="-285750" algn="l">
-              <a:buFont typeface="Arial" panose="020B0604020202020204" pitchFamily="34" charset="0"/>
-              <a:buChar char="•"/>
-            </a:pPr>
-            <a:r>
-              <a:rPr lang="de-DE" dirty="0" smtClean="0"/>
-              <a:t>Exit</a:t>
-            </a:r>
-          </a:p>
-          <a:p>
-            <a:pPr marL="285750" indent="-285750" algn="l">
-              <a:buFont typeface="Arial" panose="020B0604020202020204" pitchFamily="34" charset="0"/>
-              <a:buChar char="•"/>
-            </a:pPr>
-            <a:r>
-              <a:rPr lang="de-DE" dirty="0" smtClean="0"/>
-              <a:t>Berechnen</a:t>
-            </a:r>
-          </a:p>
-          <a:p>
-            <a:pPr marL="285750" indent="-285750" algn="l">
-              <a:buFont typeface="Arial" panose="020B0604020202020204" pitchFamily="34" charset="0"/>
-              <a:buChar char="•"/>
-            </a:pPr>
-            <a:r>
-              <a:rPr lang="de-DE" dirty="0" smtClean="0"/>
-              <a:t>Zurück</a:t>
-            </a:r>
-          </a:p>
-          <a:p>
-            <a:pPr marL="285750" indent="-285750" algn="l">
-              <a:buFont typeface="Arial" panose="020B0604020202020204" pitchFamily="34" charset="0"/>
-              <a:buChar char="•"/>
-            </a:pPr>
-            <a:r>
-              <a:rPr lang="de-DE" dirty="0" smtClean="0"/>
-              <a:t>Catia-Part erzeugen</a:t>
-            </a:r>
-          </a:p>
-        </p:txBody>
-      </p:sp>
-      <p:sp>
-        <p:nvSpPr>
-          <p:cNvPr id="37" name="L-Form 36"/>
-          <p:cNvSpPr/>
-          <p:nvPr/>
-        </p:nvSpPr>
-        <p:spPr>
-          <a:xfrm rot="18846658">
-            <a:off x="7546482" y="5016212"/>
-            <a:ext cx="371123" cy="198452"/>
-          </a:xfrm>
-          <a:prstGeom prst="corner">
-            <a:avLst/>
-          </a:prstGeom>
-        </p:spPr>
-        <p:style>
-          <a:lnRef idx="2">
-            <a:schemeClr val="accent1">
-              <a:shade val="50000"/>
-            </a:schemeClr>
-          </a:lnRef>
-          <a:fillRef idx="1">
-            <a:schemeClr val="accent1"/>
-          </a:fillRef>
-          <a:effectRef idx="0">
-            <a:schemeClr val="accent1"/>
-          </a:effectRef>
-          <a:fontRef idx="minor">
-            <a:schemeClr val="lt1"/>
-          </a:fontRef>
-        </p:style>
-        <p:txBody>
-          <a:bodyPr rtlCol="0" anchor="ctr"/>
-          <a:lstStyle/>
-          <a:p>
-            <a:pPr algn="ctr"/>
-            <a:endParaRPr lang="de-DE"/>
-          </a:p>
-        </p:txBody>
-      </p:sp>
-      <p:sp>
-        <p:nvSpPr>
-          <p:cNvPr id="38" name="L-Form 37"/>
-          <p:cNvSpPr/>
-          <p:nvPr/>
-        </p:nvSpPr>
-        <p:spPr>
-          <a:xfrm rot="18846658">
-            <a:off x="7546480" y="5420810"/>
-            <a:ext cx="371123" cy="198452"/>
-          </a:xfrm>
-          <a:prstGeom prst="corner">
-            <a:avLst/>
-          </a:prstGeom>
-        </p:spPr>
-        <p:style>
-          <a:lnRef idx="2">
-            <a:schemeClr val="accent1">
-              <a:shade val="50000"/>
-            </a:schemeClr>
-          </a:lnRef>
-          <a:fillRef idx="1">
-            <a:schemeClr val="accent1"/>
-          </a:fillRef>
-          <a:effectRef idx="0">
-            <a:schemeClr val="accent1"/>
-          </a:effectRef>
-          <a:fontRef idx="minor">
-            <a:schemeClr val="lt1"/>
-          </a:fontRef>
-        </p:style>
-        <p:txBody>
-          <a:bodyPr rtlCol="0" anchor="ctr"/>
-          <a:lstStyle/>
-          <a:p>
-            <a:pPr algn="ctr"/>
-            <a:endParaRPr lang="de-DE"/>
-          </a:p>
-        </p:txBody>
-      </p:sp>
-      <p:sp>
-        <p:nvSpPr>
-          <p:cNvPr id="39" name="L-Form 38"/>
-          <p:cNvSpPr/>
-          <p:nvPr/>
-        </p:nvSpPr>
-        <p:spPr>
-          <a:xfrm rot="18846658">
-            <a:off x="7546479" y="5839375"/>
-            <a:ext cx="371123" cy="198452"/>
-          </a:xfrm>
-          <a:prstGeom prst="corner">
-            <a:avLst/>
-          </a:prstGeom>
-        </p:spPr>
-        <p:style>
-          <a:lnRef idx="2">
-            <a:schemeClr val="accent1">
-              <a:shade val="50000"/>
-            </a:schemeClr>
-          </a:lnRef>
-          <a:fillRef idx="1">
-            <a:schemeClr val="accent1"/>
-          </a:fillRef>
-          <a:effectRef idx="0">
-            <a:schemeClr val="accent1"/>
-          </a:effectRef>
-          <a:fontRef idx="minor">
-            <a:schemeClr val="lt1"/>
-          </a:fontRef>
-        </p:style>
-        <p:txBody>
-          <a:bodyPr rtlCol="0" anchor="ctr"/>
-          <a:lstStyle/>
-          <a:p>
-            <a:pPr algn="ctr"/>
-            <a:endParaRPr lang="de-DE"/>
-          </a:p>
-        </p:txBody>
-      </p:sp>
-      <p:sp>
-        <p:nvSpPr>
-          <p:cNvPr id="40" name="L-Form 39"/>
-          <p:cNvSpPr/>
-          <p:nvPr/>
-        </p:nvSpPr>
-        <p:spPr>
-          <a:xfrm rot="18846658">
-            <a:off x="7546480" y="6257942"/>
-            <a:ext cx="371123" cy="198452"/>
-          </a:xfrm>
-          <a:prstGeom prst="corner">
-            <a:avLst/>
-          </a:prstGeom>
-        </p:spPr>
-        <p:style>
-          <a:lnRef idx="2">
-            <a:schemeClr val="accent1">
-              <a:shade val="50000"/>
-            </a:schemeClr>
-          </a:lnRef>
-          <a:fillRef idx="1">
-            <a:schemeClr val="accent1"/>
-          </a:fillRef>
-          <a:effectRef idx="0">
-            <a:schemeClr val="accent1"/>
-          </a:effectRef>
-          <a:fontRef idx="minor">
-            <a:schemeClr val="lt1"/>
-          </a:fontRef>
-        </p:style>
-        <p:txBody>
-          <a:bodyPr rtlCol="0" anchor="ctr"/>
-          <a:lstStyle/>
-          <a:p>
-            <a:pPr algn="ctr"/>
-            <a:endParaRPr lang="de-DE"/>
-          </a:p>
-        </p:txBody>
-      </p:sp>
-      <p:sp>
-        <p:nvSpPr>
           <p:cNvPr id="41" name="Textfeld 40"/>
           <p:cNvSpPr txBox="1"/>
           <p:nvPr/>
@@ -8926,7 +8456,7 @@
                             </p:stCondLst>
                             <p:childTnLst>
                               <p:par>
-                                <p:cTn id="31" presetID="1" presetClass="entr" presetSubtype="0" fill="hold" grpId="0" nodeType="clickEffect">
+                                <p:cTn id="31" presetID="42" presetClass="entr" presetSubtype="0" fill="hold" grpId="0" nodeType="clickEffect">
                                   <p:stCondLst>
                                     <p:cond delay="0"/>
                                   </p:stCondLst>
@@ -8934,51 +8464,6 @@
                                     <p:set>
                                       <p:cBhvr>
                                         <p:cTn id="32" dur="1" fill="hold">
-                                          <p:stCondLst>
-                                            <p:cond delay="0"/>
-                                          </p:stCondLst>
-                                        </p:cTn>
-                                        <p:tgtEl>
-                                          <p:spTgt spid="36"/>
-                                        </p:tgtEl>
-                                        <p:attrNameLst>
-                                          <p:attrName>style.visibility</p:attrName>
-                                        </p:attrNameLst>
-                                      </p:cBhvr>
-                                      <p:to>
-                                        <p:strVal val="visible"/>
-                                      </p:to>
-                                    </p:set>
-                                  </p:childTnLst>
-                                </p:cTn>
-                              </p:par>
-                            </p:childTnLst>
-                          </p:cTn>
-                        </p:par>
-                      </p:childTnLst>
-                    </p:cTn>
-                  </p:par>
-                  <p:par>
-                    <p:cTn id="33" fill="hold">
-                      <p:stCondLst>
-                        <p:cond delay="indefinite"/>
-                      </p:stCondLst>
-                      <p:childTnLst>
-                        <p:par>
-                          <p:cTn id="34" fill="hold">
-                            <p:stCondLst>
-                              <p:cond delay="0"/>
-                            </p:stCondLst>
-                            <p:childTnLst>
-                              <p:par>
-                                <p:cTn id="35" presetID="42" presetClass="entr" presetSubtype="0" fill="hold" grpId="0" nodeType="clickEffect">
-                                  <p:stCondLst>
-                                    <p:cond delay="0"/>
-                                  </p:stCondLst>
-                                  <p:childTnLst>
-                                    <p:set>
-                                      <p:cBhvr>
-                                        <p:cTn id="36" dur="1" fill="hold">
                                           <p:stCondLst>
                                             <p:cond delay="0"/>
                                           </p:stCondLst>
@@ -8996,7 +8481,7 @@
                                     </p:set>
                                     <p:animEffect transition="in" filter="fade">
                                       <p:cBhvr>
-                                        <p:cTn id="37" dur="500"/>
+                                        <p:cTn id="33" dur="500"/>
                                         <p:tgtEl>
                                           <p:spTgt spid="7"/>
                                         </p:tgtEl>
@@ -9004,7 +8489,7 @@
                                     </p:animEffect>
                                     <p:anim calcmode="lin" valueType="num">
                                       <p:cBhvr>
-                                        <p:cTn id="38" dur="500" fill="hold"/>
+                                        <p:cTn id="34" dur="500" fill="hold"/>
                                         <p:tgtEl>
                                           <p:spTgt spid="7"/>
                                         </p:tgtEl>
@@ -9027,7 +8512,7 @@
                                     </p:anim>
                                     <p:anim calcmode="lin" valueType="num">
                                       <p:cBhvr>
-                                        <p:cTn id="39" dur="500" fill="hold"/>
+                                        <p:cTn id="35" dur="500" fill="hold"/>
                                         <p:tgtEl>
                                           <p:spTgt spid="7"/>
                                         </p:tgtEl>
@@ -9052,14 +8537,14 @@
                                 </p:cTn>
                               </p:par>
                               <p:par>
-                                <p:cTn id="40" presetID="42" presetClass="entr" presetSubtype="0" fill="hold" grpId="0" nodeType="withEffect">
+                                <p:cTn id="36" presetID="42" presetClass="entr" presetSubtype="0" fill="hold" grpId="0" nodeType="withEffect">
                                   <p:stCondLst>
                                     <p:cond delay="0"/>
                                   </p:stCondLst>
                                   <p:childTnLst>
                                     <p:set>
                                       <p:cBhvr>
-                                        <p:cTn id="41" dur="1" fill="hold">
+                                        <p:cTn id="37" dur="1" fill="hold">
                                           <p:stCondLst>
                                             <p:cond delay="0"/>
                                           </p:stCondLst>
@@ -9077,7 +8562,7 @@
                                     </p:set>
                                     <p:animEffect transition="in" filter="fade">
                                       <p:cBhvr>
-                                        <p:cTn id="42" dur="500"/>
+                                        <p:cTn id="38" dur="500"/>
                                         <p:tgtEl>
                                           <p:spTgt spid="20"/>
                                         </p:tgtEl>
@@ -9085,7 +8570,7 @@
                                     </p:animEffect>
                                     <p:anim calcmode="lin" valueType="num">
                                       <p:cBhvr>
-                                        <p:cTn id="43" dur="500" fill="hold"/>
+                                        <p:cTn id="39" dur="500" fill="hold"/>
                                         <p:tgtEl>
                                           <p:spTgt spid="20"/>
                                         </p:tgtEl>
@@ -9108,7 +8593,7 @@
                                     </p:anim>
                                     <p:anim calcmode="lin" valueType="num">
                                       <p:cBhvr>
-                                        <p:cTn id="44" dur="500" fill="hold"/>
+                                        <p:cTn id="40" dur="500" fill="hold"/>
                                         <p:tgtEl>
                                           <p:spTgt spid="20"/>
                                         </p:tgtEl>
@@ -9133,14 +8618,14 @@
                                 </p:cTn>
                               </p:par>
                               <p:par>
-                                <p:cTn id="45" presetID="42" presetClass="entr" presetSubtype="0" fill="hold" grpId="0" nodeType="withEffect">
+                                <p:cTn id="41" presetID="42" presetClass="entr" presetSubtype="0" fill="hold" grpId="0" nodeType="withEffect">
                                   <p:stCondLst>
                                     <p:cond delay="0"/>
                                   </p:stCondLst>
                                   <p:childTnLst>
                                     <p:set>
                                       <p:cBhvr>
-                                        <p:cTn id="46" dur="1" fill="hold">
+                                        <p:cTn id="42" dur="1" fill="hold">
                                           <p:stCondLst>
                                             <p:cond delay="0"/>
                                           </p:stCondLst>
@@ -9158,7 +8643,7 @@
                                     </p:set>
                                     <p:animEffect transition="in" filter="fade">
                                       <p:cBhvr>
-                                        <p:cTn id="47" dur="500"/>
+                                        <p:cTn id="43" dur="500"/>
                                         <p:tgtEl>
                                           <p:spTgt spid="21"/>
                                         </p:tgtEl>
@@ -9166,7 +8651,7 @@
                                     </p:animEffect>
                                     <p:anim calcmode="lin" valueType="num">
                                       <p:cBhvr>
-                                        <p:cTn id="48" dur="500" fill="hold"/>
+                                        <p:cTn id="44" dur="500" fill="hold"/>
                                         <p:tgtEl>
                                           <p:spTgt spid="21"/>
                                         </p:tgtEl>
@@ -9189,7 +8674,7 @@
                                     </p:anim>
                                     <p:anim calcmode="lin" valueType="num">
                                       <p:cBhvr>
-                                        <p:cTn id="49" dur="500" fill="hold"/>
+                                        <p:cTn id="45" dur="500" fill="hold"/>
                                         <p:tgtEl>
                                           <p:spTgt spid="21"/>
                                         </p:tgtEl>
@@ -9214,14 +8699,14 @@
                                 </p:cTn>
                               </p:par>
                               <p:par>
-                                <p:cTn id="50" presetID="42" presetClass="entr" presetSubtype="0" fill="hold" grpId="0" nodeType="withEffect">
+                                <p:cTn id="46" presetID="42" presetClass="entr" presetSubtype="0" fill="hold" grpId="0" nodeType="withEffect">
                                   <p:stCondLst>
                                     <p:cond delay="0"/>
                                   </p:stCondLst>
                                   <p:childTnLst>
                                     <p:set>
                                       <p:cBhvr>
-                                        <p:cTn id="51" dur="1" fill="hold">
+                                        <p:cTn id="47" dur="1" fill="hold">
                                           <p:stCondLst>
                                             <p:cond delay="0"/>
                                           </p:stCondLst>
@@ -9239,7 +8724,7 @@
                                     </p:set>
                                     <p:animEffect transition="in" filter="fade">
                                       <p:cBhvr>
-                                        <p:cTn id="52" dur="500"/>
+                                        <p:cTn id="48" dur="500"/>
                                         <p:tgtEl>
                                           <p:spTgt spid="22"/>
                                         </p:tgtEl>
@@ -9247,7 +8732,7 @@
                                     </p:animEffect>
                                     <p:anim calcmode="lin" valueType="num">
                                       <p:cBhvr>
-                                        <p:cTn id="53" dur="500" fill="hold"/>
+                                        <p:cTn id="49" dur="500" fill="hold"/>
                                         <p:tgtEl>
                                           <p:spTgt spid="22"/>
                                         </p:tgtEl>
@@ -9270,7 +8755,7 @@
                                     </p:anim>
                                     <p:anim calcmode="lin" valueType="num">
                                       <p:cBhvr>
-                                        <p:cTn id="54" dur="500" fill="hold"/>
+                                        <p:cTn id="50" dur="500" fill="hold"/>
                                         <p:tgtEl>
                                           <p:spTgt spid="22"/>
                                         </p:tgtEl>
@@ -9295,14 +8780,14 @@
                                 </p:cTn>
                               </p:par>
                               <p:par>
-                                <p:cTn id="55" presetID="42" presetClass="entr" presetSubtype="0" fill="hold" grpId="0" nodeType="withEffect">
+                                <p:cTn id="51" presetID="42" presetClass="entr" presetSubtype="0" fill="hold" grpId="0" nodeType="withEffect">
                                   <p:stCondLst>
                                     <p:cond delay="0"/>
                                   </p:stCondLst>
                                   <p:childTnLst>
                                     <p:set>
                                       <p:cBhvr>
-                                        <p:cTn id="56" dur="1" fill="hold">
+                                        <p:cTn id="52" dur="1" fill="hold">
                                           <p:stCondLst>
                                             <p:cond delay="0"/>
                                           </p:stCondLst>
@@ -9320,7 +8805,7 @@
                                     </p:set>
                                     <p:animEffect transition="in" filter="fade">
                                       <p:cBhvr>
-                                        <p:cTn id="57" dur="500"/>
+                                        <p:cTn id="53" dur="500"/>
                                         <p:tgtEl>
                                           <p:spTgt spid="23"/>
                                         </p:tgtEl>
@@ -9328,7 +8813,7 @@
                                     </p:animEffect>
                                     <p:anim calcmode="lin" valueType="num">
                                       <p:cBhvr>
-                                        <p:cTn id="58" dur="500" fill="hold"/>
+                                        <p:cTn id="54" dur="500" fill="hold"/>
                                         <p:tgtEl>
                                           <p:spTgt spid="23"/>
                                         </p:tgtEl>
@@ -9351,7 +8836,7 @@
                                     </p:anim>
                                     <p:anim calcmode="lin" valueType="num">
                                       <p:cBhvr>
-                                        <p:cTn id="59" dur="500" fill="hold"/>
+                                        <p:cTn id="55" dur="500" fill="hold"/>
                                         <p:tgtEl>
                                           <p:spTgt spid="23"/>
                                         </p:tgtEl>
@@ -9376,14 +8861,14 @@
                                 </p:cTn>
                               </p:par>
                               <p:par>
-                                <p:cTn id="60" presetID="42" presetClass="entr" presetSubtype="0" fill="hold" grpId="0" nodeType="withEffect">
+                                <p:cTn id="56" presetID="42" presetClass="entr" presetSubtype="0" fill="hold" grpId="0" nodeType="withEffect">
                                   <p:stCondLst>
                                     <p:cond delay="0"/>
                                   </p:stCondLst>
                                   <p:childTnLst>
                                     <p:set>
                                       <p:cBhvr>
-                                        <p:cTn id="61" dur="1" fill="hold">
+                                        <p:cTn id="57" dur="1" fill="hold">
                                           <p:stCondLst>
                                             <p:cond delay="0"/>
                                           </p:stCondLst>
@@ -9401,7 +8886,7 @@
                                     </p:set>
                                     <p:animEffect transition="in" filter="fade">
                                       <p:cBhvr>
-                                        <p:cTn id="62" dur="500"/>
+                                        <p:cTn id="58" dur="500"/>
                                         <p:tgtEl>
                                           <p:spTgt spid="24"/>
                                         </p:tgtEl>
@@ -9409,7 +8894,7 @@
                                     </p:animEffect>
                                     <p:anim calcmode="lin" valueType="num">
                                       <p:cBhvr>
-                                        <p:cTn id="63" dur="500" fill="hold"/>
+                                        <p:cTn id="59" dur="500" fill="hold"/>
                                         <p:tgtEl>
                                           <p:spTgt spid="24"/>
                                         </p:tgtEl>
@@ -9432,7 +8917,7 @@
                                     </p:anim>
                                     <p:anim calcmode="lin" valueType="num">
                                       <p:cBhvr>
-                                        <p:cTn id="64" dur="500" fill="hold"/>
+                                        <p:cTn id="60" dur="500" fill="hold"/>
                                         <p:tgtEl>
                                           <p:spTgt spid="24"/>
                                         </p:tgtEl>
@@ -9457,14 +8942,14 @@
                                 </p:cTn>
                               </p:par>
                               <p:par>
-                                <p:cTn id="65" presetID="42" presetClass="entr" presetSubtype="0" fill="hold" grpId="0" nodeType="withEffect">
+                                <p:cTn id="61" presetID="42" presetClass="entr" presetSubtype="0" fill="hold" grpId="0" nodeType="withEffect">
                                   <p:stCondLst>
                                     <p:cond delay="0"/>
                                   </p:stCondLst>
                                   <p:childTnLst>
                                     <p:set>
                                       <p:cBhvr>
-                                        <p:cTn id="66" dur="1" fill="hold">
+                                        <p:cTn id="62" dur="1" fill="hold">
                                           <p:stCondLst>
                                             <p:cond delay="0"/>
                                           </p:stCondLst>
@@ -9482,7 +8967,7 @@
                                     </p:set>
                                     <p:animEffect transition="in" filter="fade">
                                       <p:cBhvr>
-                                        <p:cTn id="67" dur="500"/>
+                                        <p:cTn id="63" dur="500"/>
                                         <p:tgtEl>
                                           <p:spTgt spid="25"/>
                                         </p:tgtEl>
@@ -9490,7 +8975,7 @@
                                     </p:animEffect>
                                     <p:anim calcmode="lin" valueType="num">
                                       <p:cBhvr>
-                                        <p:cTn id="68" dur="500" fill="hold"/>
+                                        <p:cTn id="64" dur="500" fill="hold"/>
                                         <p:tgtEl>
                                           <p:spTgt spid="25"/>
                                         </p:tgtEl>
@@ -9513,7 +8998,7 @@
                                     </p:anim>
                                     <p:anim calcmode="lin" valueType="num">
                                       <p:cBhvr>
-                                        <p:cTn id="69" dur="500" fill="hold"/>
+                                        <p:cTn id="65" dur="500" fill="hold"/>
                                         <p:tgtEl>
                                           <p:spTgt spid="25"/>
                                         </p:tgtEl>
@@ -9538,14 +9023,14 @@
                                 </p:cTn>
                               </p:par>
                               <p:par>
-                                <p:cTn id="70" presetID="42" presetClass="entr" presetSubtype="0" fill="hold" grpId="0" nodeType="withEffect">
+                                <p:cTn id="66" presetID="42" presetClass="entr" presetSubtype="0" fill="hold" grpId="0" nodeType="withEffect">
                                   <p:stCondLst>
                                     <p:cond delay="0"/>
                                   </p:stCondLst>
                                   <p:childTnLst>
                                     <p:set>
                                       <p:cBhvr>
-                                        <p:cTn id="71" dur="1" fill="hold">
+                                        <p:cTn id="67" dur="1" fill="hold">
                                           <p:stCondLst>
                                             <p:cond delay="0"/>
                                           </p:stCondLst>
@@ -9563,7 +9048,7 @@
                                     </p:set>
                                     <p:animEffect transition="in" filter="fade">
                                       <p:cBhvr>
-                                        <p:cTn id="72" dur="500"/>
+                                        <p:cTn id="68" dur="500"/>
                                         <p:tgtEl>
                                           <p:spTgt spid="26"/>
                                         </p:tgtEl>
@@ -9571,7 +9056,7 @@
                                     </p:animEffect>
                                     <p:anim calcmode="lin" valueType="num">
                                       <p:cBhvr>
-                                        <p:cTn id="73" dur="500" fill="hold"/>
+                                        <p:cTn id="69" dur="500" fill="hold"/>
                                         <p:tgtEl>
                                           <p:spTgt spid="26"/>
                                         </p:tgtEl>
@@ -9594,7 +9079,7 @@
                                     </p:anim>
                                     <p:anim calcmode="lin" valueType="num">
                                       <p:cBhvr>
-                                        <p:cTn id="74" dur="500" fill="hold"/>
+                                        <p:cTn id="70" dur="500" fill="hold"/>
                                         <p:tgtEl>
                                           <p:spTgt spid="26"/>
                                         </p:tgtEl>
@@ -9619,14 +9104,14 @@
                                 </p:cTn>
                               </p:par>
                               <p:par>
-                                <p:cTn id="75" presetID="42" presetClass="entr" presetSubtype="0" fill="hold" grpId="0" nodeType="withEffect">
+                                <p:cTn id="71" presetID="42" presetClass="entr" presetSubtype="0" fill="hold" grpId="0" nodeType="withEffect">
                                   <p:stCondLst>
                                     <p:cond delay="0"/>
                                   </p:stCondLst>
                                   <p:childTnLst>
                                     <p:set>
                                       <p:cBhvr>
-                                        <p:cTn id="76" dur="1" fill="hold">
+                                        <p:cTn id="72" dur="1" fill="hold">
                                           <p:stCondLst>
                                             <p:cond delay="0"/>
                                           </p:stCondLst>
@@ -9644,7 +9129,7 @@
                                     </p:set>
                                     <p:animEffect transition="in" filter="fade">
                                       <p:cBhvr>
-                                        <p:cTn id="77" dur="500"/>
+                                        <p:cTn id="73" dur="500"/>
                                         <p:tgtEl>
                                           <p:spTgt spid="27"/>
                                         </p:tgtEl>
@@ -9652,7 +9137,7 @@
                                     </p:animEffect>
                                     <p:anim calcmode="lin" valueType="num">
                                       <p:cBhvr>
-                                        <p:cTn id="78" dur="500" fill="hold"/>
+                                        <p:cTn id="74" dur="500" fill="hold"/>
                                         <p:tgtEl>
                                           <p:spTgt spid="27"/>
                                         </p:tgtEl>
@@ -9675,7 +9160,7 @@
                                     </p:anim>
                                     <p:anim calcmode="lin" valueType="num">
                                       <p:cBhvr>
-                                        <p:cTn id="79" dur="500" fill="hold"/>
+                                        <p:cTn id="75" dur="500" fill="hold"/>
                                         <p:tgtEl>
                                           <p:spTgt spid="27"/>
                                         </p:tgtEl>
@@ -9700,14 +9185,14 @@
                                 </p:cTn>
                               </p:par>
                               <p:par>
-                                <p:cTn id="80" presetID="42" presetClass="entr" presetSubtype="0" fill="hold" grpId="0" nodeType="withEffect">
+                                <p:cTn id="76" presetID="42" presetClass="entr" presetSubtype="0" fill="hold" grpId="0" nodeType="withEffect">
                                   <p:stCondLst>
                                     <p:cond delay="0"/>
                                   </p:stCondLst>
                                   <p:childTnLst>
                                     <p:set>
                                       <p:cBhvr>
-                                        <p:cTn id="81" dur="1" fill="hold">
+                                        <p:cTn id="77" dur="1" fill="hold">
                                           <p:stCondLst>
                                             <p:cond delay="0"/>
                                           </p:stCondLst>
@@ -9725,7 +9210,7 @@
                                     </p:set>
                                     <p:animEffect transition="in" filter="fade">
                                       <p:cBhvr>
-                                        <p:cTn id="82" dur="500"/>
+                                        <p:cTn id="78" dur="500"/>
                                         <p:tgtEl>
                                           <p:spTgt spid="28"/>
                                         </p:tgtEl>
@@ -9733,7 +9218,7 @@
                                     </p:animEffect>
                                     <p:anim calcmode="lin" valueType="num">
                                       <p:cBhvr>
-                                        <p:cTn id="83" dur="500" fill="hold"/>
+                                        <p:cTn id="79" dur="500" fill="hold"/>
                                         <p:tgtEl>
                                           <p:spTgt spid="28"/>
                                         </p:tgtEl>
@@ -9756,7 +9241,7 @@
                                     </p:anim>
                                     <p:anim calcmode="lin" valueType="num">
                                       <p:cBhvr>
-                                        <p:cTn id="84" dur="500" fill="hold"/>
+                                        <p:cTn id="80" dur="500" fill="hold"/>
                                         <p:tgtEl>
                                           <p:spTgt spid="28"/>
                                         </p:tgtEl>
@@ -9781,14 +9266,14 @@
                                 </p:cTn>
                               </p:par>
                               <p:par>
-                                <p:cTn id="85" presetID="42" presetClass="entr" presetSubtype="0" fill="hold" grpId="0" nodeType="withEffect">
+                                <p:cTn id="81" presetID="42" presetClass="entr" presetSubtype="0" fill="hold" grpId="0" nodeType="withEffect">
                                   <p:stCondLst>
                                     <p:cond delay="0"/>
                                   </p:stCondLst>
                                   <p:childTnLst>
                                     <p:set>
                                       <p:cBhvr>
-                                        <p:cTn id="86" dur="1" fill="hold">
+                                        <p:cTn id="82" dur="1" fill="hold">
                                           <p:stCondLst>
                                             <p:cond delay="0"/>
                                           </p:stCondLst>
@@ -9806,7 +9291,7 @@
                                     </p:set>
                                     <p:animEffect transition="in" filter="fade">
                                       <p:cBhvr>
-                                        <p:cTn id="87" dur="500"/>
+                                        <p:cTn id="83" dur="500"/>
                                         <p:tgtEl>
                                           <p:spTgt spid="29"/>
                                         </p:tgtEl>
@@ -9814,7 +9299,7 @@
                                     </p:animEffect>
                                     <p:anim calcmode="lin" valueType="num">
                                       <p:cBhvr>
-                                        <p:cTn id="88" dur="500" fill="hold"/>
+                                        <p:cTn id="84" dur="500" fill="hold"/>
                                         <p:tgtEl>
                                           <p:spTgt spid="29"/>
                                         </p:tgtEl>
@@ -9837,7 +9322,7 @@
                                     </p:anim>
                                     <p:anim calcmode="lin" valueType="num">
                                       <p:cBhvr>
-                                        <p:cTn id="89" dur="500" fill="hold"/>
+                                        <p:cTn id="85" dur="500" fill="hold"/>
                                         <p:tgtEl>
                                           <p:spTgt spid="29"/>
                                         </p:tgtEl>
@@ -9862,14 +9347,14 @@
                                 </p:cTn>
                               </p:par>
                               <p:par>
-                                <p:cTn id="90" presetID="42" presetClass="entr" presetSubtype="0" fill="hold" grpId="0" nodeType="withEffect">
+                                <p:cTn id="86" presetID="42" presetClass="entr" presetSubtype="0" fill="hold" grpId="0" nodeType="withEffect">
                                   <p:stCondLst>
                                     <p:cond delay="0"/>
                                   </p:stCondLst>
                                   <p:childTnLst>
                                     <p:set>
                                       <p:cBhvr>
-                                        <p:cTn id="91" dur="1" fill="hold">
+                                        <p:cTn id="87" dur="1" fill="hold">
                                           <p:stCondLst>
                                             <p:cond delay="0"/>
                                           </p:stCondLst>
@@ -9887,7 +9372,7 @@
                                     </p:set>
                                     <p:animEffect transition="in" filter="fade">
                                       <p:cBhvr>
-                                        <p:cTn id="92" dur="500"/>
+                                        <p:cTn id="88" dur="500"/>
                                         <p:tgtEl>
                                           <p:spTgt spid="30"/>
                                         </p:tgtEl>
@@ -9895,7 +9380,7 @@
                                     </p:animEffect>
                                     <p:anim calcmode="lin" valueType="num">
                                       <p:cBhvr>
-                                        <p:cTn id="93" dur="500" fill="hold"/>
+                                        <p:cTn id="89" dur="500" fill="hold"/>
                                         <p:tgtEl>
                                           <p:spTgt spid="30"/>
                                         </p:tgtEl>
@@ -9918,7 +9403,7 @@
                                     </p:anim>
                                     <p:anim calcmode="lin" valueType="num">
                                       <p:cBhvr>
-                                        <p:cTn id="94" dur="500" fill="hold"/>
+                                        <p:cTn id="90" dur="500" fill="hold"/>
                                         <p:tgtEl>
                                           <p:spTgt spid="30"/>
                                         </p:tgtEl>
@@ -9943,14 +9428,14 @@
                                 </p:cTn>
                               </p:par>
                               <p:par>
-                                <p:cTn id="95" presetID="42" presetClass="entr" presetSubtype="0" fill="hold" grpId="0" nodeType="withEffect">
+                                <p:cTn id="91" presetID="42" presetClass="entr" presetSubtype="0" fill="hold" grpId="0" nodeType="withEffect">
                                   <p:stCondLst>
                                     <p:cond delay="0"/>
                                   </p:stCondLst>
                                   <p:childTnLst>
                                     <p:set>
                                       <p:cBhvr>
-                                        <p:cTn id="96" dur="1" fill="hold">
+                                        <p:cTn id="92" dur="1" fill="hold">
                                           <p:stCondLst>
                                             <p:cond delay="0"/>
                                           </p:stCondLst>
@@ -9968,7 +9453,7 @@
                                     </p:set>
                                     <p:animEffect transition="in" filter="fade">
                                       <p:cBhvr>
-                                        <p:cTn id="97" dur="500"/>
+                                        <p:cTn id="93" dur="500"/>
                                         <p:tgtEl>
                                           <p:spTgt spid="31"/>
                                         </p:tgtEl>
@@ -9976,7 +9461,7 @@
                                     </p:animEffect>
                                     <p:anim calcmode="lin" valueType="num">
                                       <p:cBhvr>
-                                        <p:cTn id="98" dur="500" fill="hold"/>
+                                        <p:cTn id="94" dur="500" fill="hold"/>
                                         <p:tgtEl>
                                           <p:spTgt spid="31"/>
                                         </p:tgtEl>
@@ -9999,7 +9484,7 @@
                                     </p:anim>
                                     <p:anim calcmode="lin" valueType="num">
                                       <p:cBhvr>
-                                        <p:cTn id="99" dur="500" fill="hold"/>
+                                        <p:cTn id="95" dur="500" fill="hold"/>
                                         <p:tgtEl>
                                           <p:spTgt spid="31"/>
                                         </p:tgtEl>
@@ -10024,14 +9509,14 @@
                                 </p:cTn>
                               </p:par>
                               <p:par>
-                                <p:cTn id="100" presetID="42" presetClass="entr" presetSubtype="0" fill="hold" grpId="0" nodeType="withEffect">
+                                <p:cTn id="96" presetID="42" presetClass="entr" presetSubtype="0" fill="hold" grpId="0" nodeType="withEffect">
                                   <p:stCondLst>
                                     <p:cond delay="0"/>
                                   </p:stCondLst>
                                   <p:childTnLst>
                                     <p:set>
                                       <p:cBhvr>
-                                        <p:cTn id="101" dur="1" fill="hold">
+                                        <p:cTn id="97" dur="1" fill="hold">
                                           <p:stCondLst>
                                             <p:cond delay="0"/>
                                           </p:stCondLst>
@@ -10049,7 +9534,7 @@
                                     </p:set>
                                     <p:animEffect transition="in" filter="fade">
                                       <p:cBhvr>
-                                        <p:cTn id="102" dur="500"/>
+                                        <p:cTn id="98" dur="500"/>
                                         <p:tgtEl>
                                           <p:spTgt spid="32"/>
                                         </p:tgtEl>
@@ -10057,7 +9542,7 @@
                                     </p:animEffect>
                                     <p:anim calcmode="lin" valueType="num">
                                       <p:cBhvr>
-                                        <p:cTn id="103" dur="500" fill="hold"/>
+                                        <p:cTn id="99" dur="500" fill="hold"/>
                                         <p:tgtEl>
                                           <p:spTgt spid="32"/>
                                         </p:tgtEl>
@@ -10080,7 +9565,7 @@
                                     </p:anim>
                                     <p:anim calcmode="lin" valueType="num">
                                       <p:cBhvr>
-                                        <p:cTn id="104" dur="500" fill="hold"/>
+                                        <p:cTn id="100" dur="500" fill="hold"/>
                                         <p:tgtEl>
                                           <p:spTgt spid="32"/>
                                         </p:tgtEl>
@@ -10105,14 +9590,14 @@
                                 </p:cTn>
                               </p:par>
                               <p:par>
-                                <p:cTn id="105" presetID="42" presetClass="entr" presetSubtype="0" fill="hold" grpId="0" nodeType="withEffect">
+                                <p:cTn id="101" presetID="42" presetClass="entr" presetSubtype="0" fill="hold" grpId="0" nodeType="withEffect">
                                   <p:stCondLst>
                                     <p:cond delay="0"/>
                                   </p:stCondLst>
                                   <p:childTnLst>
                                     <p:set>
                                       <p:cBhvr>
-                                        <p:cTn id="106" dur="1" fill="hold">
+                                        <p:cTn id="102" dur="1" fill="hold">
                                           <p:stCondLst>
                                             <p:cond delay="0"/>
                                           </p:stCondLst>
@@ -10130,7 +9615,7 @@
                                     </p:set>
                                     <p:animEffect transition="in" filter="fade">
                                       <p:cBhvr>
-                                        <p:cTn id="107" dur="500"/>
+                                        <p:cTn id="103" dur="500"/>
                                         <p:tgtEl>
                                           <p:spTgt spid="33"/>
                                         </p:tgtEl>
@@ -10138,7 +9623,7 @@
                                     </p:animEffect>
                                     <p:anim calcmode="lin" valueType="num">
                                       <p:cBhvr>
-                                        <p:cTn id="108" dur="500" fill="hold"/>
+                                        <p:cTn id="104" dur="500" fill="hold"/>
                                         <p:tgtEl>
                                           <p:spTgt spid="33"/>
                                         </p:tgtEl>
@@ -10161,7 +9646,7 @@
                                     </p:anim>
                                     <p:anim calcmode="lin" valueType="num">
                                       <p:cBhvr>
-                                        <p:cTn id="109" dur="500" fill="hold"/>
+                                        <p:cTn id="105" dur="500" fill="hold"/>
                                         <p:tgtEl>
                                           <p:spTgt spid="33"/>
                                         </p:tgtEl>
@@ -10186,14 +9671,14 @@
                                 </p:cTn>
                               </p:par>
                               <p:par>
-                                <p:cTn id="110" presetID="42" presetClass="entr" presetSubtype="0" fill="hold" grpId="0" nodeType="withEffect">
+                                <p:cTn id="106" presetID="42" presetClass="entr" presetSubtype="0" fill="hold" grpId="0" nodeType="withEffect">
                                   <p:stCondLst>
                                     <p:cond delay="0"/>
                                   </p:stCondLst>
                                   <p:childTnLst>
                                     <p:set>
                                       <p:cBhvr>
-                                        <p:cTn id="111" dur="1" fill="hold">
+                                        <p:cTn id="107" dur="1" fill="hold">
                                           <p:stCondLst>
                                             <p:cond delay="0"/>
                                           </p:stCondLst>
@@ -10211,7 +9696,7 @@
                                     </p:set>
                                     <p:animEffect transition="in" filter="fade">
                                       <p:cBhvr>
-                                        <p:cTn id="112" dur="500"/>
+                                        <p:cTn id="108" dur="500"/>
                                         <p:tgtEl>
                                           <p:spTgt spid="35"/>
                                         </p:tgtEl>
@@ -10219,7 +9704,7 @@
                                     </p:animEffect>
                                     <p:anim calcmode="lin" valueType="num">
                                       <p:cBhvr>
-                                        <p:cTn id="113" dur="500" fill="hold"/>
+                                        <p:cTn id="109" dur="500" fill="hold"/>
                                         <p:tgtEl>
                                           <p:spTgt spid="35"/>
                                         </p:tgtEl>
@@ -10242,7 +9727,7 @@
                                     </p:anim>
                                     <p:anim calcmode="lin" valueType="num">
                                       <p:cBhvr>
-                                        <p:cTn id="114" dur="500" fill="hold"/>
+                                        <p:cTn id="110" dur="500" fill="hold"/>
                                         <p:tgtEl>
                                           <p:spTgt spid="35"/>
                                         </p:tgtEl>
@@ -10267,14 +9752,14 @@
                                 </p:cTn>
                               </p:par>
                               <p:par>
-                                <p:cTn id="115" presetID="42" presetClass="entr" presetSubtype="0" fill="hold" grpId="0" nodeType="withEffect">
+                                <p:cTn id="111" presetID="42" presetClass="entr" presetSubtype="0" fill="hold" grpId="0" nodeType="withEffect">
                                   <p:stCondLst>
                                     <p:cond delay="0"/>
                                   </p:stCondLst>
                                   <p:childTnLst>
                                     <p:set>
                                       <p:cBhvr>
-                                        <p:cTn id="116" dur="1" fill="hold">
+                                        <p:cTn id="112" dur="1" fill="hold">
                                           <p:stCondLst>
                                             <p:cond delay="0"/>
                                           </p:stCondLst>
@@ -10292,7 +9777,7 @@
                                     </p:set>
                                     <p:animEffect transition="in" filter="fade">
                                       <p:cBhvr>
-                                        <p:cTn id="117" dur="500"/>
+                                        <p:cTn id="113" dur="500"/>
                                         <p:tgtEl>
                                           <p:spTgt spid="34"/>
                                         </p:tgtEl>
@@ -10300,7 +9785,7 @@
                                     </p:animEffect>
                                     <p:anim calcmode="lin" valueType="num">
                                       <p:cBhvr>
-                                        <p:cTn id="118" dur="500" fill="hold"/>
+                                        <p:cTn id="114" dur="500" fill="hold"/>
                                         <p:tgtEl>
                                           <p:spTgt spid="34"/>
                                         </p:tgtEl>
@@ -10323,333 +9808,9 @@
                                     </p:anim>
                                     <p:anim calcmode="lin" valueType="num">
                                       <p:cBhvr>
-                                        <p:cTn id="119" dur="500" fill="hold"/>
+                                        <p:cTn id="115" dur="500" fill="hold"/>
                                         <p:tgtEl>
                                           <p:spTgt spid="34"/>
-                                        </p:tgtEl>
-                                        <p:attrNameLst>
-                                          <p:attrName>ppt_y</p:attrName>
-                                        </p:attrNameLst>
-                                      </p:cBhvr>
-                                      <p:tavLst>
-                                        <p:tav tm="0">
-                                          <p:val>
-                                            <p:strVal val="#ppt_y+.1"/>
-                                          </p:val>
-                                        </p:tav>
-                                        <p:tav tm="100000">
-                                          <p:val>
-                                            <p:strVal val="#ppt_y"/>
-                                          </p:val>
-                                        </p:tav>
-                                      </p:tavLst>
-                                    </p:anim>
-                                  </p:childTnLst>
-                                </p:cTn>
-                              </p:par>
-                              <p:par>
-                                <p:cTn id="120" presetID="42" presetClass="entr" presetSubtype="0" fill="hold" grpId="0" nodeType="withEffect">
-                                  <p:stCondLst>
-                                    <p:cond delay="0"/>
-                                  </p:stCondLst>
-                                  <p:childTnLst>
-                                    <p:set>
-                                      <p:cBhvr>
-                                        <p:cTn id="121" dur="1" fill="hold">
-                                          <p:stCondLst>
-                                            <p:cond delay="0"/>
-                                          </p:stCondLst>
-                                        </p:cTn>
-                                        <p:tgtEl>
-                                          <p:spTgt spid="37"/>
-                                        </p:tgtEl>
-                                        <p:attrNameLst>
-                                          <p:attrName>style.visibility</p:attrName>
-                                        </p:attrNameLst>
-                                      </p:cBhvr>
-                                      <p:to>
-                                        <p:strVal val="visible"/>
-                                      </p:to>
-                                    </p:set>
-                                    <p:animEffect transition="in" filter="fade">
-                                      <p:cBhvr>
-                                        <p:cTn id="122" dur="500"/>
-                                        <p:tgtEl>
-                                          <p:spTgt spid="37"/>
-                                        </p:tgtEl>
-                                      </p:cBhvr>
-                                    </p:animEffect>
-                                    <p:anim calcmode="lin" valueType="num">
-                                      <p:cBhvr>
-                                        <p:cTn id="123" dur="500" fill="hold"/>
-                                        <p:tgtEl>
-                                          <p:spTgt spid="37"/>
-                                        </p:tgtEl>
-                                        <p:attrNameLst>
-                                          <p:attrName>ppt_x</p:attrName>
-                                        </p:attrNameLst>
-                                      </p:cBhvr>
-                                      <p:tavLst>
-                                        <p:tav tm="0">
-                                          <p:val>
-                                            <p:strVal val="#ppt_x"/>
-                                          </p:val>
-                                        </p:tav>
-                                        <p:tav tm="100000">
-                                          <p:val>
-                                            <p:strVal val="#ppt_x"/>
-                                          </p:val>
-                                        </p:tav>
-                                      </p:tavLst>
-                                    </p:anim>
-                                    <p:anim calcmode="lin" valueType="num">
-                                      <p:cBhvr>
-                                        <p:cTn id="124" dur="500" fill="hold"/>
-                                        <p:tgtEl>
-                                          <p:spTgt spid="37"/>
-                                        </p:tgtEl>
-                                        <p:attrNameLst>
-                                          <p:attrName>ppt_y</p:attrName>
-                                        </p:attrNameLst>
-                                      </p:cBhvr>
-                                      <p:tavLst>
-                                        <p:tav tm="0">
-                                          <p:val>
-                                            <p:strVal val="#ppt_y+.1"/>
-                                          </p:val>
-                                        </p:tav>
-                                        <p:tav tm="100000">
-                                          <p:val>
-                                            <p:strVal val="#ppt_y"/>
-                                          </p:val>
-                                        </p:tav>
-                                      </p:tavLst>
-                                    </p:anim>
-                                  </p:childTnLst>
-                                </p:cTn>
-                              </p:par>
-                              <p:par>
-                                <p:cTn id="125" presetID="42" presetClass="entr" presetSubtype="0" fill="hold" grpId="0" nodeType="withEffect">
-                                  <p:stCondLst>
-                                    <p:cond delay="0"/>
-                                  </p:stCondLst>
-                                  <p:childTnLst>
-                                    <p:set>
-                                      <p:cBhvr>
-                                        <p:cTn id="126" dur="1" fill="hold">
-                                          <p:stCondLst>
-                                            <p:cond delay="0"/>
-                                          </p:stCondLst>
-                                        </p:cTn>
-                                        <p:tgtEl>
-                                          <p:spTgt spid="38"/>
-                                        </p:tgtEl>
-                                        <p:attrNameLst>
-                                          <p:attrName>style.visibility</p:attrName>
-                                        </p:attrNameLst>
-                                      </p:cBhvr>
-                                      <p:to>
-                                        <p:strVal val="visible"/>
-                                      </p:to>
-                                    </p:set>
-                                    <p:animEffect transition="in" filter="fade">
-                                      <p:cBhvr>
-                                        <p:cTn id="127" dur="500"/>
-                                        <p:tgtEl>
-                                          <p:spTgt spid="38"/>
-                                        </p:tgtEl>
-                                      </p:cBhvr>
-                                    </p:animEffect>
-                                    <p:anim calcmode="lin" valueType="num">
-                                      <p:cBhvr>
-                                        <p:cTn id="128" dur="500" fill="hold"/>
-                                        <p:tgtEl>
-                                          <p:spTgt spid="38"/>
-                                        </p:tgtEl>
-                                        <p:attrNameLst>
-                                          <p:attrName>ppt_x</p:attrName>
-                                        </p:attrNameLst>
-                                      </p:cBhvr>
-                                      <p:tavLst>
-                                        <p:tav tm="0">
-                                          <p:val>
-                                            <p:strVal val="#ppt_x"/>
-                                          </p:val>
-                                        </p:tav>
-                                        <p:tav tm="100000">
-                                          <p:val>
-                                            <p:strVal val="#ppt_x"/>
-                                          </p:val>
-                                        </p:tav>
-                                      </p:tavLst>
-                                    </p:anim>
-                                    <p:anim calcmode="lin" valueType="num">
-                                      <p:cBhvr>
-                                        <p:cTn id="129" dur="500" fill="hold"/>
-                                        <p:tgtEl>
-                                          <p:spTgt spid="38"/>
-                                        </p:tgtEl>
-                                        <p:attrNameLst>
-                                          <p:attrName>ppt_y</p:attrName>
-                                        </p:attrNameLst>
-                                      </p:cBhvr>
-                                      <p:tavLst>
-                                        <p:tav tm="0">
-                                          <p:val>
-                                            <p:strVal val="#ppt_y+.1"/>
-                                          </p:val>
-                                        </p:tav>
-                                        <p:tav tm="100000">
-                                          <p:val>
-                                            <p:strVal val="#ppt_y"/>
-                                          </p:val>
-                                        </p:tav>
-                                      </p:tavLst>
-                                    </p:anim>
-                                  </p:childTnLst>
-                                </p:cTn>
-                              </p:par>
-                              <p:par>
-                                <p:cTn id="130" presetID="42" presetClass="entr" presetSubtype="0" fill="hold" grpId="0" nodeType="withEffect">
-                                  <p:stCondLst>
-                                    <p:cond delay="0"/>
-                                  </p:stCondLst>
-                                  <p:childTnLst>
-                                    <p:set>
-                                      <p:cBhvr>
-                                        <p:cTn id="131" dur="1" fill="hold">
-                                          <p:stCondLst>
-                                            <p:cond delay="0"/>
-                                          </p:stCondLst>
-                                        </p:cTn>
-                                        <p:tgtEl>
-                                          <p:spTgt spid="39"/>
-                                        </p:tgtEl>
-                                        <p:attrNameLst>
-                                          <p:attrName>style.visibility</p:attrName>
-                                        </p:attrNameLst>
-                                      </p:cBhvr>
-                                      <p:to>
-                                        <p:strVal val="visible"/>
-                                      </p:to>
-                                    </p:set>
-                                    <p:animEffect transition="in" filter="fade">
-                                      <p:cBhvr>
-                                        <p:cTn id="132" dur="500"/>
-                                        <p:tgtEl>
-                                          <p:spTgt spid="39"/>
-                                        </p:tgtEl>
-                                      </p:cBhvr>
-                                    </p:animEffect>
-                                    <p:anim calcmode="lin" valueType="num">
-                                      <p:cBhvr>
-                                        <p:cTn id="133" dur="500" fill="hold"/>
-                                        <p:tgtEl>
-                                          <p:spTgt spid="39"/>
-                                        </p:tgtEl>
-                                        <p:attrNameLst>
-                                          <p:attrName>ppt_x</p:attrName>
-                                        </p:attrNameLst>
-                                      </p:cBhvr>
-                                      <p:tavLst>
-                                        <p:tav tm="0">
-                                          <p:val>
-                                            <p:strVal val="#ppt_x"/>
-                                          </p:val>
-                                        </p:tav>
-                                        <p:tav tm="100000">
-                                          <p:val>
-                                            <p:strVal val="#ppt_x"/>
-                                          </p:val>
-                                        </p:tav>
-                                      </p:tavLst>
-                                    </p:anim>
-                                    <p:anim calcmode="lin" valueType="num">
-                                      <p:cBhvr>
-                                        <p:cTn id="134" dur="500" fill="hold"/>
-                                        <p:tgtEl>
-                                          <p:spTgt spid="39"/>
-                                        </p:tgtEl>
-                                        <p:attrNameLst>
-                                          <p:attrName>ppt_y</p:attrName>
-                                        </p:attrNameLst>
-                                      </p:cBhvr>
-                                      <p:tavLst>
-                                        <p:tav tm="0">
-                                          <p:val>
-                                            <p:strVal val="#ppt_y+.1"/>
-                                          </p:val>
-                                        </p:tav>
-                                        <p:tav tm="100000">
-                                          <p:val>
-                                            <p:strVal val="#ppt_y"/>
-                                          </p:val>
-                                        </p:tav>
-                                      </p:tavLst>
-                                    </p:anim>
-                                  </p:childTnLst>
-                                </p:cTn>
-                              </p:par>
-                              <p:par>
-                                <p:cTn id="135" presetID="42" presetClass="entr" presetSubtype="0" fill="hold" grpId="0" nodeType="withEffect">
-                                  <p:stCondLst>
-                                    <p:cond delay="0"/>
-                                  </p:stCondLst>
-                                  <p:childTnLst>
-                                    <p:set>
-                                      <p:cBhvr>
-                                        <p:cTn id="136" dur="1" fill="hold">
-                                          <p:stCondLst>
-                                            <p:cond delay="0"/>
-                                          </p:stCondLst>
-                                        </p:cTn>
-                                        <p:tgtEl>
-                                          <p:spTgt spid="40"/>
-                                        </p:tgtEl>
-                                        <p:attrNameLst>
-                                          <p:attrName>style.visibility</p:attrName>
-                                        </p:attrNameLst>
-                                      </p:cBhvr>
-                                      <p:to>
-                                        <p:strVal val="visible"/>
-                                      </p:to>
-                                    </p:set>
-                                    <p:animEffect transition="in" filter="fade">
-                                      <p:cBhvr>
-                                        <p:cTn id="137" dur="500"/>
-                                        <p:tgtEl>
-                                          <p:spTgt spid="40"/>
-                                        </p:tgtEl>
-                                      </p:cBhvr>
-                                    </p:animEffect>
-                                    <p:anim calcmode="lin" valueType="num">
-                                      <p:cBhvr>
-                                        <p:cTn id="138" dur="500" fill="hold"/>
-                                        <p:tgtEl>
-                                          <p:spTgt spid="40"/>
-                                        </p:tgtEl>
-                                        <p:attrNameLst>
-                                          <p:attrName>ppt_x</p:attrName>
-                                        </p:attrNameLst>
-                                      </p:cBhvr>
-                                      <p:tavLst>
-                                        <p:tav tm="0">
-                                          <p:val>
-                                            <p:strVal val="#ppt_x"/>
-                                          </p:val>
-                                        </p:tav>
-                                        <p:tav tm="100000">
-                                          <p:val>
-                                            <p:strVal val="#ppt_x"/>
-                                          </p:val>
-                                        </p:tav>
-                                      </p:tavLst>
-                                    </p:anim>
-                                    <p:anim calcmode="lin" valueType="num">
-                                      <p:cBhvr>
-                                        <p:cTn id="139" dur="500" fill="hold"/>
-                                        <p:tgtEl>
-                                          <p:spTgt spid="40"/>
                                         </p:tgtEl>
                                         <p:attrNameLst>
                                           <p:attrName>ppt_y</p:attrName>
@@ -10675,20 +9836,20 @@
                           </p:cTn>
                         </p:par>
                         <p:par>
-                          <p:cTn id="140" fill="hold">
+                          <p:cTn id="116" fill="hold">
                             <p:stCondLst>
                               <p:cond delay="500"/>
                             </p:stCondLst>
                             <p:childTnLst>
                               <p:par>
-                                <p:cTn id="141" presetID="42" presetClass="entr" presetSubtype="0" fill="hold" grpId="0" nodeType="afterEffect">
+                                <p:cTn id="117" presetID="42" presetClass="entr" presetSubtype="0" fill="hold" grpId="0" nodeType="afterEffect">
                                   <p:stCondLst>
                                     <p:cond delay="0"/>
                                   </p:stCondLst>
                                   <p:childTnLst>
                                     <p:set>
                                       <p:cBhvr>
-                                        <p:cTn id="142" dur="1" fill="hold">
+                                        <p:cTn id="118" dur="1" fill="hold">
                                           <p:stCondLst>
                                             <p:cond delay="0"/>
                                           </p:stCondLst>
@@ -10706,7 +9867,7 @@
                                     </p:set>
                                     <p:animEffect transition="in" filter="fade">
                                       <p:cBhvr>
-                                        <p:cTn id="143" dur="1000"/>
+                                        <p:cTn id="119" dur="1000"/>
                                         <p:tgtEl>
                                           <p:spTgt spid="8"/>
                                         </p:tgtEl>
@@ -10714,7 +9875,7 @@
                                     </p:animEffect>
                                     <p:anim calcmode="lin" valueType="num">
                                       <p:cBhvr>
-                                        <p:cTn id="144" dur="1000" fill="hold"/>
+                                        <p:cTn id="120" dur="1000" fill="hold"/>
                                         <p:tgtEl>
                                           <p:spTgt spid="8"/>
                                         </p:tgtEl>
@@ -10737,7 +9898,7 @@
                                     </p:anim>
                                     <p:anim calcmode="lin" valueType="num">
                                       <p:cBhvr>
-                                        <p:cTn id="145" dur="1000" fill="hold"/>
+                                        <p:cTn id="121" dur="1000" fill="hold"/>
                                         <p:tgtEl>
                                           <p:spTgt spid="8"/>
                                         </p:tgtEl>
@@ -10810,11 +9971,6 @@
       <p:bldP spid="33" grpId="0" animBg="1"/>
       <p:bldP spid="34" grpId="0" animBg="1"/>
       <p:bldP spid="35" grpId="0" animBg="1"/>
-      <p:bldP spid="36" grpId="0"/>
-      <p:bldP spid="37" grpId="0" animBg="1"/>
-      <p:bldP spid="38" grpId="0" animBg="1"/>
-      <p:bldP spid="39" grpId="0" animBg="1"/>
-      <p:bldP spid="40" grpId="0" animBg="1"/>
     </p:bldLst>
   </p:timing>
 </p:sld>
@@ -10853,7 +10009,7 @@
                 <a16:creationId xmlns:a16="http://schemas.microsoft.com/office/drawing/2014/main" id="{90A61547-2555-4DE2-A37F-A53E54917441}"/>
               </a:ext>
               <a:ext uri="{C183D7F6-B498-43B3-948B-1728B52AA6E4}">
-                <adec:decorative xmlns:adec="http://schemas.microsoft.com/office/drawing/2017/decorative" xmlns="" val="1"/>
+                <adec:decorative xmlns="" xmlns:adec="http://schemas.microsoft.com/office/drawing/2017/decorative" val="1"/>
               </a:ext>
             </a:extLst>
           </p:cNvPr>
@@ -10884,7 +10040,7 @@
                   <a16:creationId xmlns:a16="http://schemas.microsoft.com/office/drawing/2014/main" id="{5C2447E0-8F0D-479C-94E4-82BC8EB68C0C}"/>
                 </a:ext>
                 <a:ext uri="{C183D7F6-B498-43B3-948B-1728B52AA6E4}">
-                  <adec:decorative xmlns:adec="http://schemas.microsoft.com/office/drawing/2017/decorative" xmlns="" val="1"/>
+                  <adec:decorative xmlns="" xmlns:adec="http://schemas.microsoft.com/office/drawing/2017/decorative" val="1"/>
                 </a:ext>
               </a:extLst>
             </p:cNvPr>
@@ -10936,7 +10092,7 @@
                   <a16:creationId xmlns:a16="http://schemas.microsoft.com/office/drawing/2014/main" id="{1F943397-DCDD-44CB-BBA9-9510B7698DD2}"/>
                 </a:ext>
                 <a:ext uri="{C183D7F6-B498-43B3-948B-1728B52AA6E4}">
-                  <adec:decorative xmlns:adec="http://schemas.microsoft.com/office/drawing/2017/decorative" xmlns="" val="1"/>
+                  <adec:decorative xmlns="" xmlns:adec="http://schemas.microsoft.com/office/drawing/2017/decorative" val="1"/>
                 </a:ext>
               </a:extLst>
             </p:cNvPr>
@@ -10988,7 +10144,7 @@
                   <a16:creationId xmlns:a16="http://schemas.microsoft.com/office/drawing/2014/main" id="{E2630ADC-31DB-4C48-AC4A-DAAE5A7B8EA6}"/>
                 </a:ext>
                 <a:ext uri="{C183D7F6-B498-43B3-948B-1728B52AA6E4}">
-                  <adec:decorative xmlns:adec="http://schemas.microsoft.com/office/drawing/2017/decorative" xmlns="" val="1"/>
+                  <adec:decorative xmlns="" xmlns:adec="http://schemas.microsoft.com/office/drawing/2017/decorative" val="1"/>
                 </a:ext>
               </a:extLst>
             </p:cNvPr>
@@ -11066,7 +10222,7 @@
                   <a16:creationId xmlns:a16="http://schemas.microsoft.com/office/drawing/2014/main" id="{2CA5C44E-F54E-47E0-8989-4D8686B33C80}"/>
                 </a:ext>
                 <a:ext uri="{C183D7F6-B498-43B3-948B-1728B52AA6E4}">
-                  <adec:decorative xmlns:adec="http://schemas.microsoft.com/office/drawing/2017/decorative" xmlns="" val="1"/>
+                  <adec:decorative xmlns="" xmlns:adec="http://schemas.microsoft.com/office/drawing/2017/decorative" val="1"/>
                 </a:ext>
               </a:extLst>
             </p:cNvPr>
@@ -11144,7 +10300,7 @@
                   <a16:creationId xmlns:a16="http://schemas.microsoft.com/office/drawing/2014/main" id="{FF54E15E-830B-4375-A239-4C51954DEAEC}"/>
                 </a:ext>
                 <a:ext uri="{C183D7F6-B498-43B3-948B-1728B52AA6E4}">
-                  <adec:decorative xmlns:adec="http://schemas.microsoft.com/office/drawing/2017/decorative" xmlns="" val="1"/>
+                  <adec:decorative xmlns="" xmlns:adec="http://schemas.microsoft.com/office/drawing/2017/decorative" val="1"/>
                 </a:ext>
               </a:extLst>
             </p:cNvPr>
@@ -11200,7 +10356,7 @@
                   <a16:creationId xmlns:a16="http://schemas.microsoft.com/office/drawing/2014/main" id="{CB37E322-FF7E-4872-BD6B-50A48CBEA5CE}"/>
                 </a:ext>
                 <a:ext uri="{C183D7F6-B498-43B3-948B-1728B52AA6E4}">
-                  <adec:decorative xmlns:adec="http://schemas.microsoft.com/office/drawing/2017/decorative" xmlns="" val="1"/>
+                  <adec:decorative xmlns="" xmlns:adec="http://schemas.microsoft.com/office/drawing/2017/decorative" val="1"/>
                 </a:ext>
               </a:extLst>
             </p:cNvPr>
@@ -11279,7 +10435,7 @@
                   <a16:creationId xmlns:a16="http://schemas.microsoft.com/office/drawing/2014/main" id="{710D0C1E-D2F8-45B2-AE14-1AC8E976F7A2}"/>
                 </a:ext>
                 <a:ext uri="{C183D7F6-B498-43B3-948B-1728B52AA6E4}">
-                  <adec:decorative xmlns:adec="http://schemas.microsoft.com/office/drawing/2017/decorative" xmlns="" val="1"/>
+                  <adec:decorative xmlns="" xmlns:adec="http://schemas.microsoft.com/office/drawing/2017/decorative" val="1"/>
                 </a:ext>
               </a:extLst>
             </p:cNvPr>
@@ -11359,7 +10515,7 @@
                   <a16:creationId xmlns:a16="http://schemas.microsoft.com/office/drawing/2014/main" id="{3216331B-17D0-4167-ABD2-B2198058C2D2}"/>
                 </a:ext>
                 <a:ext uri="{C183D7F6-B498-43B3-948B-1728B52AA6E4}">
-                  <adec:decorative xmlns:adec="http://schemas.microsoft.com/office/drawing/2017/decorative" xmlns="" val="1"/>
+                  <adec:decorative xmlns="" xmlns:adec="http://schemas.microsoft.com/office/drawing/2017/decorative" val="1"/>
                 </a:ext>
               </a:extLst>
             </p:cNvPr>
@@ -11437,7 +10593,7 @@
                   <a16:creationId xmlns:a16="http://schemas.microsoft.com/office/drawing/2014/main" id="{A53A7A96-3806-4BB3-91DE-6EED48AC787E}"/>
                 </a:ext>
                 <a:ext uri="{C183D7F6-B498-43B3-948B-1728B52AA6E4}">
-                  <adec:decorative xmlns:adec="http://schemas.microsoft.com/office/drawing/2017/decorative" xmlns="" val="1"/>
+                  <adec:decorative xmlns="" xmlns:adec="http://schemas.microsoft.com/office/drawing/2017/decorative" val="1"/>
                 </a:ext>
               </a:extLst>
             </p:cNvPr>
@@ -11493,7 +10649,7 @@
                   <a16:creationId xmlns:a16="http://schemas.microsoft.com/office/drawing/2014/main" id="{F8C2B86C-EE71-466E-8991-503F9C9C1B22}"/>
                 </a:ext>
                 <a:ext uri="{C183D7F6-B498-43B3-948B-1728B52AA6E4}">
-                  <adec:decorative xmlns:adec="http://schemas.microsoft.com/office/drawing/2017/decorative" xmlns="" val="1"/>
+                  <adec:decorative xmlns="" xmlns:adec="http://schemas.microsoft.com/office/drawing/2017/decorative" val="1"/>
                 </a:ext>
               </a:extLst>
             </p:cNvPr>
@@ -12381,6 +11537,13 @@
   <p:clrMapOvr>
     <a:masterClrMapping/>
   </p:clrMapOvr>
+  <p:timing>
+    <p:tnLst>
+      <p:par>
+        <p:cTn id="1" dur="indefinite" restart="never" nodeType="tmRoot"/>
+      </p:par>
+    </p:tnLst>
+  </p:timing>
 </p:sld>
 </file>
 

--- a/Sprint 3/Abgabe-Dateien/Unternehmen_Präsentation.pptx
+++ b/Sprint 3/Abgabe-Dateien/Unternehmen_Präsentation.pptx
@@ -6,10 +6,11 @@
   </p:sldMasterIdLst>
   <p:sldIdLst>
     <p:sldId id="260" r:id="rId2"/>
-    <p:sldId id="259" r:id="rId3"/>
-    <p:sldId id="256" r:id="rId4"/>
-    <p:sldId id="257" r:id="rId5"/>
-    <p:sldId id="261" r:id="rId6"/>
+    <p:sldId id="262" r:id="rId3"/>
+    <p:sldId id="259" r:id="rId4"/>
+    <p:sldId id="256" r:id="rId5"/>
+    <p:sldId id="257" r:id="rId6"/>
+    <p:sldId id="261" r:id="rId7"/>
   </p:sldIdLst>
   <p:sldSz cx="12192000" cy="6858000"/>
   <p:notesSz cx="6858000" cy="9144000"/>
@@ -114,6 +115,3593 @@
     </p:ext>
   </p:extLst>
 </p:presentation>
+</file>
+
+<file path=ppt/diagrams/colors1.xml><?xml version="1.0" encoding="utf-8"?>
+<dgm:colorsDef xmlns:dgm="http://schemas.openxmlformats.org/drawingml/2006/diagram" xmlns:a="http://schemas.openxmlformats.org/drawingml/2006/main" uniqueId="urn:microsoft.com/office/officeart/2005/8/colors/accent1_2">
+  <dgm:title val=""/>
+  <dgm:desc val=""/>
+  <dgm:catLst>
+    <dgm:cat type="accent1" pri="11200"/>
+  </dgm:catLst>
+  <dgm:styleLbl name="node0">
+    <dgm:fillClrLst meth="repeat">
+      <a:schemeClr val="accent1"/>
+    </dgm:fillClrLst>
+    <dgm:linClrLst meth="repeat">
+      <a:schemeClr val="lt1"/>
+    </dgm:linClrLst>
+    <dgm:effectClrLst/>
+    <dgm:txLinClrLst/>
+    <dgm:txFillClrLst/>
+    <dgm:txEffectClrLst/>
+  </dgm:styleLbl>
+  <dgm:styleLbl name="alignNode1">
+    <dgm:fillClrLst meth="repeat">
+      <a:schemeClr val="accent1"/>
+    </dgm:fillClrLst>
+    <dgm:linClrLst meth="repeat">
+      <a:schemeClr val="accent1"/>
+    </dgm:linClrLst>
+    <dgm:effectClrLst/>
+    <dgm:txLinClrLst/>
+    <dgm:txFillClrLst/>
+    <dgm:txEffectClrLst/>
+  </dgm:styleLbl>
+  <dgm:styleLbl name="node1">
+    <dgm:fillClrLst meth="repeat">
+      <a:schemeClr val="accent1"/>
+    </dgm:fillClrLst>
+    <dgm:linClrLst meth="repeat">
+      <a:schemeClr val="lt1"/>
+    </dgm:linClrLst>
+    <dgm:effectClrLst/>
+    <dgm:txLinClrLst/>
+    <dgm:txFillClrLst/>
+    <dgm:txEffectClrLst/>
+  </dgm:styleLbl>
+  <dgm:styleLbl name="lnNode1">
+    <dgm:fillClrLst meth="repeat">
+      <a:schemeClr val="accent1"/>
+    </dgm:fillClrLst>
+    <dgm:linClrLst meth="repeat">
+      <a:schemeClr val="lt1"/>
+    </dgm:linClrLst>
+    <dgm:effectClrLst/>
+    <dgm:txLinClrLst/>
+    <dgm:txFillClrLst/>
+    <dgm:txEffectClrLst/>
+  </dgm:styleLbl>
+  <dgm:styleLbl name="vennNode1">
+    <dgm:fillClrLst meth="repeat">
+      <a:schemeClr val="accent1">
+        <a:alpha val="50000"/>
+      </a:schemeClr>
+    </dgm:fillClrLst>
+    <dgm:linClrLst meth="repeat">
+      <a:schemeClr val="lt1"/>
+    </dgm:linClrLst>
+    <dgm:effectClrLst/>
+    <dgm:txLinClrLst/>
+    <dgm:txFillClrLst/>
+    <dgm:txEffectClrLst/>
+  </dgm:styleLbl>
+  <dgm:styleLbl name="node2">
+    <dgm:fillClrLst meth="repeat">
+      <a:schemeClr val="accent1"/>
+    </dgm:fillClrLst>
+    <dgm:linClrLst meth="repeat">
+      <a:schemeClr val="lt1"/>
+    </dgm:linClrLst>
+    <dgm:effectClrLst/>
+    <dgm:txLinClrLst/>
+    <dgm:txFillClrLst/>
+    <dgm:txEffectClrLst/>
+  </dgm:styleLbl>
+  <dgm:styleLbl name="node3">
+    <dgm:fillClrLst meth="repeat">
+      <a:schemeClr val="accent1"/>
+    </dgm:fillClrLst>
+    <dgm:linClrLst meth="repeat">
+      <a:schemeClr val="lt1"/>
+    </dgm:linClrLst>
+    <dgm:effectClrLst/>
+    <dgm:txLinClrLst/>
+    <dgm:txFillClrLst/>
+    <dgm:txEffectClrLst/>
+  </dgm:styleLbl>
+  <dgm:styleLbl name="node4">
+    <dgm:fillClrLst meth="repeat">
+      <a:schemeClr val="accent1"/>
+    </dgm:fillClrLst>
+    <dgm:linClrLst meth="repeat">
+      <a:schemeClr val="lt1"/>
+    </dgm:linClrLst>
+    <dgm:effectClrLst/>
+    <dgm:txLinClrLst/>
+    <dgm:txFillClrLst/>
+    <dgm:txEffectClrLst/>
+  </dgm:styleLbl>
+  <dgm:styleLbl name="fgImgPlace1">
+    <dgm:fillClrLst meth="repeat">
+      <a:schemeClr val="accent1">
+        <a:tint val="50000"/>
+      </a:schemeClr>
+    </dgm:fillClrLst>
+    <dgm:linClrLst meth="repeat">
+      <a:schemeClr val="lt1"/>
+    </dgm:linClrLst>
+    <dgm:effectClrLst/>
+    <dgm:txLinClrLst/>
+    <dgm:txFillClrLst meth="repeat">
+      <a:schemeClr val="lt1"/>
+    </dgm:txFillClrLst>
+    <dgm:txEffectClrLst/>
+  </dgm:styleLbl>
+  <dgm:styleLbl name="alignImgPlace1">
+    <dgm:fillClrLst meth="repeat">
+      <a:schemeClr val="accent1">
+        <a:tint val="50000"/>
+      </a:schemeClr>
+    </dgm:fillClrLst>
+    <dgm:linClrLst meth="repeat">
+      <a:schemeClr val="lt1"/>
+    </dgm:linClrLst>
+    <dgm:effectClrLst/>
+    <dgm:txLinClrLst/>
+    <dgm:txFillClrLst meth="repeat">
+      <a:schemeClr val="lt1"/>
+    </dgm:txFillClrLst>
+    <dgm:txEffectClrLst/>
+  </dgm:styleLbl>
+  <dgm:styleLbl name="bgImgPlace1">
+    <dgm:fillClrLst meth="repeat">
+      <a:schemeClr val="accent1">
+        <a:tint val="50000"/>
+      </a:schemeClr>
+    </dgm:fillClrLst>
+    <dgm:linClrLst meth="repeat">
+      <a:schemeClr val="lt1"/>
+    </dgm:linClrLst>
+    <dgm:effectClrLst/>
+    <dgm:txLinClrLst/>
+    <dgm:txFillClrLst meth="repeat">
+      <a:schemeClr val="lt1"/>
+    </dgm:txFillClrLst>
+    <dgm:txEffectClrLst/>
+  </dgm:styleLbl>
+  <dgm:styleLbl name="sibTrans2D1">
+    <dgm:fillClrLst meth="repeat">
+      <a:schemeClr val="accent1">
+        <a:tint val="60000"/>
+      </a:schemeClr>
+    </dgm:fillClrLst>
+    <dgm:linClrLst meth="repeat">
+      <a:schemeClr val="accent1">
+        <a:tint val="60000"/>
+      </a:schemeClr>
+    </dgm:linClrLst>
+    <dgm:effectClrLst/>
+    <dgm:txLinClrLst/>
+    <dgm:txFillClrLst/>
+    <dgm:txEffectClrLst/>
+  </dgm:styleLbl>
+  <dgm:styleLbl name="fgSibTrans2D1">
+    <dgm:fillClrLst meth="repeat">
+      <a:schemeClr val="accent1">
+        <a:tint val="60000"/>
+      </a:schemeClr>
+    </dgm:fillClrLst>
+    <dgm:linClrLst meth="repeat">
+      <a:schemeClr val="accent1">
+        <a:tint val="60000"/>
+      </a:schemeClr>
+    </dgm:linClrLst>
+    <dgm:effectClrLst/>
+    <dgm:txLinClrLst/>
+    <dgm:txFillClrLst/>
+    <dgm:txEffectClrLst/>
+  </dgm:styleLbl>
+  <dgm:styleLbl name="bgSibTrans2D1">
+    <dgm:fillClrLst meth="repeat">
+      <a:schemeClr val="accent1">
+        <a:tint val="60000"/>
+      </a:schemeClr>
+    </dgm:fillClrLst>
+    <dgm:linClrLst meth="repeat">
+      <a:schemeClr val="accent1">
+        <a:tint val="60000"/>
+      </a:schemeClr>
+    </dgm:linClrLst>
+    <dgm:effectClrLst/>
+    <dgm:txLinClrLst/>
+    <dgm:txFillClrLst/>
+    <dgm:txEffectClrLst/>
+  </dgm:styleLbl>
+  <dgm:styleLbl name="sibTrans1D1">
+    <dgm:fillClrLst meth="repeat">
+      <a:schemeClr val="accent1"/>
+    </dgm:fillClrLst>
+    <dgm:linClrLst meth="repeat">
+      <a:schemeClr val="accent1"/>
+    </dgm:linClrLst>
+    <dgm:effectClrLst/>
+    <dgm:txLinClrLst/>
+    <dgm:txFillClrLst meth="repeat">
+      <a:schemeClr val="tx1"/>
+    </dgm:txFillClrLst>
+    <dgm:txEffectClrLst/>
+  </dgm:styleLbl>
+  <dgm:styleLbl name="callout">
+    <dgm:fillClrLst meth="repeat">
+      <a:schemeClr val="accent1"/>
+    </dgm:fillClrLst>
+    <dgm:linClrLst meth="repeat">
+      <a:schemeClr val="accent1">
+        <a:tint val="50000"/>
+      </a:schemeClr>
+    </dgm:linClrLst>
+    <dgm:effectClrLst/>
+    <dgm:txLinClrLst/>
+    <dgm:txFillClrLst meth="repeat">
+      <a:schemeClr val="tx1"/>
+    </dgm:txFillClrLst>
+    <dgm:txEffectClrLst/>
+  </dgm:styleLbl>
+  <dgm:styleLbl name="asst0">
+    <dgm:fillClrLst meth="repeat">
+      <a:schemeClr val="accent1"/>
+    </dgm:fillClrLst>
+    <dgm:linClrLst meth="repeat">
+      <a:schemeClr val="lt1"/>
+    </dgm:linClrLst>
+    <dgm:effectClrLst/>
+    <dgm:txLinClrLst/>
+    <dgm:txFillClrLst/>
+    <dgm:txEffectClrLst/>
+  </dgm:styleLbl>
+  <dgm:styleLbl name="asst1">
+    <dgm:fillClrLst meth="repeat">
+      <a:schemeClr val="accent1"/>
+    </dgm:fillClrLst>
+    <dgm:linClrLst meth="repeat">
+      <a:schemeClr val="lt1"/>
+    </dgm:linClrLst>
+    <dgm:effectClrLst/>
+    <dgm:txLinClrLst/>
+    <dgm:txFillClrLst/>
+    <dgm:txEffectClrLst/>
+  </dgm:styleLbl>
+  <dgm:styleLbl name="asst2">
+    <dgm:fillClrLst meth="repeat">
+      <a:schemeClr val="accent1"/>
+    </dgm:fillClrLst>
+    <dgm:linClrLst meth="repeat">
+      <a:schemeClr val="lt1"/>
+    </dgm:linClrLst>
+    <dgm:effectClrLst/>
+    <dgm:txLinClrLst/>
+    <dgm:txFillClrLst/>
+    <dgm:txEffectClrLst/>
+  </dgm:styleLbl>
+  <dgm:styleLbl name="asst3">
+    <dgm:fillClrLst meth="repeat">
+      <a:schemeClr val="accent1"/>
+    </dgm:fillClrLst>
+    <dgm:linClrLst meth="repeat">
+      <a:schemeClr val="lt1"/>
+    </dgm:linClrLst>
+    <dgm:effectClrLst/>
+    <dgm:txLinClrLst/>
+    <dgm:txFillClrLst/>
+    <dgm:txEffectClrLst/>
+  </dgm:styleLbl>
+  <dgm:styleLbl name="asst4">
+    <dgm:fillClrLst meth="repeat">
+      <a:schemeClr val="accent1"/>
+    </dgm:fillClrLst>
+    <dgm:linClrLst meth="repeat">
+      <a:schemeClr val="lt1"/>
+    </dgm:linClrLst>
+    <dgm:effectClrLst/>
+    <dgm:txLinClrLst/>
+    <dgm:txFillClrLst/>
+    <dgm:txEffectClrLst/>
+  </dgm:styleLbl>
+  <dgm:styleLbl name="parChTrans2D1">
+    <dgm:fillClrLst meth="repeat">
+      <a:schemeClr val="accent1">
+        <a:tint val="60000"/>
+      </a:schemeClr>
+    </dgm:fillClrLst>
+    <dgm:linClrLst meth="repeat">
+      <a:schemeClr val="accent1">
+        <a:tint val="60000"/>
+      </a:schemeClr>
+    </dgm:linClrLst>
+    <dgm:effectClrLst/>
+    <dgm:txLinClrLst/>
+    <dgm:txFillClrLst meth="repeat">
+      <a:schemeClr val="lt1"/>
+    </dgm:txFillClrLst>
+    <dgm:txEffectClrLst/>
+  </dgm:styleLbl>
+  <dgm:styleLbl name="parChTrans2D2">
+    <dgm:fillClrLst meth="repeat">
+      <a:schemeClr val="accent1"/>
+    </dgm:fillClrLst>
+    <dgm:linClrLst meth="repeat">
+      <a:schemeClr val="accent1"/>
+    </dgm:linClrLst>
+    <dgm:effectClrLst/>
+    <dgm:txLinClrLst/>
+    <dgm:txFillClrLst meth="repeat">
+      <a:schemeClr val="lt1"/>
+    </dgm:txFillClrLst>
+    <dgm:txEffectClrLst/>
+  </dgm:styleLbl>
+  <dgm:styleLbl name="parChTrans2D3">
+    <dgm:fillClrLst meth="repeat">
+      <a:schemeClr val="accent1"/>
+    </dgm:fillClrLst>
+    <dgm:linClrLst meth="repeat">
+      <a:schemeClr val="accent1"/>
+    </dgm:linClrLst>
+    <dgm:effectClrLst/>
+    <dgm:txLinClrLst/>
+    <dgm:txFillClrLst meth="repeat">
+      <a:schemeClr val="lt1"/>
+    </dgm:txFillClrLst>
+    <dgm:txEffectClrLst/>
+  </dgm:styleLbl>
+  <dgm:styleLbl name="parChTrans2D4">
+    <dgm:fillClrLst meth="repeat">
+      <a:schemeClr val="accent1"/>
+    </dgm:fillClrLst>
+    <dgm:linClrLst meth="repeat">
+      <a:schemeClr val="accent1"/>
+    </dgm:linClrLst>
+    <dgm:effectClrLst/>
+    <dgm:txLinClrLst/>
+    <dgm:txFillClrLst meth="repeat">
+      <a:schemeClr val="lt1"/>
+    </dgm:txFillClrLst>
+    <dgm:txEffectClrLst/>
+  </dgm:styleLbl>
+  <dgm:styleLbl name="parChTrans1D1">
+    <dgm:fillClrLst meth="repeat">
+      <a:schemeClr val="accent1"/>
+    </dgm:fillClrLst>
+    <dgm:linClrLst meth="repeat">
+      <a:schemeClr val="accent1">
+        <a:shade val="60000"/>
+      </a:schemeClr>
+    </dgm:linClrLst>
+    <dgm:effectClrLst/>
+    <dgm:txLinClrLst/>
+    <dgm:txFillClrLst meth="repeat">
+      <a:schemeClr val="tx1"/>
+    </dgm:txFillClrLst>
+    <dgm:txEffectClrLst/>
+  </dgm:styleLbl>
+  <dgm:styleLbl name="parChTrans1D2">
+    <dgm:fillClrLst meth="repeat">
+      <a:schemeClr val="accent1"/>
+    </dgm:fillClrLst>
+    <dgm:linClrLst meth="repeat">
+      <a:schemeClr val="accent1">
+        <a:shade val="60000"/>
+      </a:schemeClr>
+    </dgm:linClrLst>
+    <dgm:effectClrLst/>
+    <dgm:txLinClrLst/>
+    <dgm:txFillClrLst meth="repeat">
+      <a:schemeClr val="tx1"/>
+    </dgm:txFillClrLst>
+    <dgm:txEffectClrLst/>
+  </dgm:styleLbl>
+  <dgm:styleLbl name="parChTrans1D3">
+    <dgm:fillClrLst meth="repeat">
+      <a:schemeClr val="accent1"/>
+    </dgm:fillClrLst>
+    <dgm:linClrLst meth="repeat">
+      <a:schemeClr val="accent1">
+        <a:shade val="80000"/>
+      </a:schemeClr>
+    </dgm:linClrLst>
+    <dgm:effectClrLst/>
+    <dgm:txLinClrLst/>
+    <dgm:txFillClrLst meth="repeat">
+      <a:schemeClr val="tx1"/>
+    </dgm:txFillClrLst>
+    <dgm:txEffectClrLst/>
+  </dgm:styleLbl>
+  <dgm:styleLbl name="parChTrans1D4">
+    <dgm:fillClrLst meth="repeat">
+      <a:schemeClr val="accent1"/>
+    </dgm:fillClrLst>
+    <dgm:linClrLst meth="repeat">
+      <a:schemeClr val="accent1">
+        <a:shade val="80000"/>
+      </a:schemeClr>
+    </dgm:linClrLst>
+    <dgm:effectClrLst/>
+    <dgm:txLinClrLst/>
+    <dgm:txFillClrLst meth="repeat">
+      <a:schemeClr val="tx1"/>
+    </dgm:txFillClrLst>
+    <dgm:txEffectClrLst/>
+  </dgm:styleLbl>
+  <dgm:styleLbl name="fgAcc1">
+    <dgm:fillClrLst meth="repeat">
+      <a:schemeClr val="lt1">
+        <a:alpha val="90000"/>
+      </a:schemeClr>
+    </dgm:fillClrLst>
+    <dgm:linClrLst meth="repeat">
+      <a:schemeClr val="accent1"/>
+    </dgm:linClrLst>
+    <dgm:effectClrLst/>
+    <dgm:txLinClrLst/>
+    <dgm:txFillClrLst meth="repeat">
+      <a:schemeClr val="dk1"/>
+    </dgm:txFillClrLst>
+    <dgm:txEffectClrLst/>
+  </dgm:styleLbl>
+  <dgm:styleLbl name="conFgAcc1">
+    <dgm:fillClrLst meth="repeat">
+      <a:schemeClr val="lt1">
+        <a:alpha val="90000"/>
+      </a:schemeClr>
+    </dgm:fillClrLst>
+    <dgm:linClrLst meth="repeat">
+      <a:schemeClr val="accent1"/>
+    </dgm:linClrLst>
+    <dgm:effectClrLst/>
+    <dgm:txLinClrLst/>
+    <dgm:txFillClrLst meth="repeat">
+      <a:schemeClr val="dk1"/>
+    </dgm:txFillClrLst>
+    <dgm:txEffectClrLst/>
+  </dgm:styleLbl>
+  <dgm:styleLbl name="alignAcc1">
+    <dgm:fillClrLst meth="repeat">
+      <a:schemeClr val="lt1">
+        <a:alpha val="90000"/>
+      </a:schemeClr>
+    </dgm:fillClrLst>
+    <dgm:linClrLst meth="repeat">
+      <a:schemeClr val="accent1"/>
+    </dgm:linClrLst>
+    <dgm:effectClrLst/>
+    <dgm:txLinClrLst/>
+    <dgm:txFillClrLst meth="repeat">
+      <a:schemeClr val="dk1"/>
+    </dgm:txFillClrLst>
+    <dgm:txEffectClrLst/>
+  </dgm:styleLbl>
+  <dgm:styleLbl name="trAlignAcc1">
+    <dgm:fillClrLst meth="repeat">
+      <a:schemeClr val="lt1">
+        <a:alpha val="40000"/>
+      </a:schemeClr>
+    </dgm:fillClrLst>
+    <dgm:linClrLst meth="repeat">
+      <a:schemeClr val="accent1"/>
+    </dgm:linClrLst>
+    <dgm:effectClrLst/>
+    <dgm:txLinClrLst/>
+    <dgm:txFillClrLst meth="repeat">
+      <a:schemeClr val="dk1"/>
+    </dgm:txFillClrLst>
+    <dgm:txEffectClrLst/>
+  </dgm:styleLbl>
+  <dgm:styleLbl name="bgAcc1">
+    <dgm:fillClrLst meth="repeat">
+      <a:schemeClr val="lt1">
+        <a:alpha val="90000"/>
+      </a:schemeClr>
+    </dgm:fillClrLst>
+    <dgm:linClrLst meth="repeat">
+      <a:schemeClr val="accent1"/>
+    </dgm:linClrLst>
+    <dgm:effectClrLst/>
+    <dgm:txLinClrLst/>
+    <dgm:txFillClrLst meth="repeat">
+      <a:schemeClr val="dk1"/>
+    </dgm:txFillClrLst>
+    <dgm:txEffectClrLst/>
+  </dgm:styleLbl>
+  <dgm:styleLbl name="solidFgAcc1">
+    <dgm:fillClrLst meth="repeat">
+      <a:schemeClr val="lt1"/>
+    </dgm:fillClrLst>
+    <dgm:linClrLst meth="repeat">
+      <a:schemeClr val="accent1"/>
+    </dgm:linClrLst>
+    <dgm:effectClrLst/>
+    <dgm:txLinClrLst/>
+    <dgm:txFillClrLst meth="repeat">
+      <a:schemeClr val="dk1"/>
+    </dgm:txFillClrLst>
+    <dgm:txEffectClrLst/>
+  </dgm:styleLbl>
+  <dgm:styleLbl name="solidAlignAcc1">
+    <dgm:fillClrLst meth="repeat">
+      <a:schemeClr val="lt1"/>
+    </dgm:fillClrLst>
+    <dgm:linClrLst meth="repeat">
+      <a:schemeClr val="accent1"/>
+    </dgm:linClrLst>
+    <dgm:effectClrLst/>
+    <dgm:txLinClrLst/>
+    <dgm:txFillClrLst meth="repeat">
+      <a:schemeClr val="dk1"/>
+    </dgm:txFillClrLst>
+    <dgm:txEffectClrLst/>
+  </dgm:styleLbl>
+  <dgm:styleLbl name="solidBgAcc1">
+    <dgm:fillClrLst meth="repeat">
+      <a:schemeClr val="lt1"/>
+    </dgm:fillClrLst>
+    <dgm:linClrLst meth="repeat">
+      <a:schemeClr val="accent1"/>
+    </dgm:linClrLst>
+    <dgm:effectClrLst/>
+    <dgm:txLinClrLst/>
+    <dgm:txFillClrLst meth="repeat">
+      <a:schemeClr val="dk1"/>
+    </dgm:txFillClrLst>
+    <dgm:txEffectClrLst/>
+  </dgm:styleLbl>
+  <dgm:styleLbl name="fgAccFollowNode1">
+    <dgm:fillClrLst meth="repeat">
+      <a:schemeClr val="accent1">
+        <a:alpha val="90000"/>
+        <a:tint val="40000"/>
+      </a:schemeClr>
+    </dgm:fillClrLst>
+    <dgm:linClrLst meth="repeat">
+      <a:schemeClr val="accent1">
+        <a:alpha val="90000"/>
+        <a:tint val="40000"/>
+      </a:schemeClr>
+    </dgm:linClrLst>
+    <dgm:effectClrLst/>
+    <dgm:txLinClrLst/>
+    <dgm:txFillClrLst meth="repeat">
+      <a:schemeClr val="dk1"/>
+    </dgm:txFillClrLst>
+    <dgm:txEffectClrLst/>
+  </dgm:styleLbl>
+  <dgm:styleLbl name="alignAccFollowNode1">
+    <dgm:fillClrLst meth="repeat">
+      <a:schemeClr val="accent1">
+        <a:alpha val="90000"/>
+        <a:tint val="40000"/>
+      </a:schemeClr>
+    </dgm:fillClrLst>
+    <dgm:linClrLst meth="repeat">
+      <a:schemeClr val="accent1">
+        <a:alpha val="90000"/>
+        <a:tint val="40000"/>
+      </a:schemeClr>
+    </dgm:linClrLst>
+    <dgm:effectClrLst/>
+    <dgm:txLinClrLst/>
+    <dgm:txFillClrLst meth="repeat">
+      <a:schemeClr val="dk1"/>
+    </dgm:txFillClrLst>
+    <dgm:txEffectClrLst/>
+  </dgm:styleLbl>
+  <dgm:styleLbl name="bgAccFollowNode1">
+    <dgm:fillClrLst meth="repeat">
+      <a:schemeClr val="accent1">
+        <a:alpha val="90000"/>
+        <a:tint val="40000"/>
+      </a:schemeClr>
+    </dgm:fillClrLst>
+    <dgm:linClrLst meth="repeat">
+      <a:schemeClr val="accent1">
+        <a:alpha val="90000"/>
+        <a:tint val="40000"/>
+      </a:schemeClr>
+    </dgm:linClrLst>
+    <dgm:effectClrLst/>
+    <dgm:txLinClrLst/>
+    <dgm:txFillClrLst meth="repeat">
+      <a:schemeClr val="dk1"/>
+    </dgm:txFillClrLst>
+    <dgm:txEffectClrLst/>
+  </dgm:styleLbl>
+  <dgm:styleLbl name="fgAcc0">
+    <dgm:fillClrLst meth="repeat">
+      <a:schemeClr val="lt1">
+        <a:alpha val="90000"/>
+      </a:schemeClr>
+    </dgm:fillClrLst>
+    <dgm:linClrLst meth="repeat">
+      <a:schemeClr val="accent1"/>
+    </dgm:linClrLst>
+    <dgm:effectClrLst/>
+    <dgm:txLinClrLst/>
+    <dgm:txFillClrLst meth="repeat">
+      <a:schemeClr val="dk1"/>
+    </dgm:txFillClrLst>
+    <dgm:txEffectClrLst/>
+  </dgm:styleLbl>
+  <dgm:styleLbl name="fgAcc2">
+    <dgm:fillClrLst meth="repeat">
+      <a:schemeClr val="lt1">
+        <a:alpha val="90000"/>
+      </a:schemeClr>
+    </dgm:fillClrLst>
+    <dgm:linClrLst meth="repeat">
+      <a:schemeClr val="accent1"/>
+    </dgm:linClrLst>
+    <dgm:effectClrLst/>
+    <dgm:txLinClrLst/>
+    <dgm:txFillClrLst meth="repeat">
+      <a:schemeClr val="dk1"/>
+    </dgm:txFillClrLst>
+    <dgm:txEffectClrLst/>
+  </dgm:styleLbl>
+  <dgm:styleLbl name="fgAcc3">
+    <dgm:fillClrLst meth="repeat">
+      <a:schemeClr val="lt1">
+        <a:alpha val="90000"/>
+      </a:schemeClr>
+    </dgm:fillClrLst>
+    <dgm:linClrLst meth="repeat">
+      <a:schemeClr val="accent1"/>
+    </dgm:linClrLst>
+    <dgm:effectClrLst/>
+    <dgm:txLinClrLst/>
+    <dgm:txFillClrLst meth="repeat">
+      <a:schemeClr val="dk1"/>
+    </dgm:txFillClrLst>
+    <dgm:txEffectClrLst/>
+  </dgm:styleLbl>
+  <dgm:styleLbl name="fgAcc4">
+    <dgm:fillClrLst meth="repeat">
+      <a:schemeClr val="lt1">
+        <a:alpha val="90000"/>
+      </a:schemeClr>
+    </dgm:fillClrLst>
+    <dgm:linClrLst meth="repeat">
+      <a:schemeClr val="accent1"/>
+    </dgm:linClrLst>
+    <dgm:effectClrLst/>
+    <dgm:txLinClrLst/>
+    <dgm:txFillClrLst meth="repeat">
+      <a:schemeClr val="dk1"/>
+    </dgm:txFillClrLst>
+    <dgm:txEffectClrLst/>
+  </dgm:styleLbl>
+  <dgm:styleLbl name="bgShp">
+    <dgm:fillClrLst meth="repeat">
+      <a:schemeClr val="accent1">
+        <a:tint val="40000"/>
+      </a:schemeClr>
+    </dgm:fillClrLst>
+    <dgm:linClrLst meth="repeat">
+      <a:schemeClr val="accent1"/>
+    </dgm:linClrLst>
+    <dgm:effectClrLst/>
+    <dgm:txLinClrLst/>
+    <dgm:txFillClrLst meth="repeat">
+      <a:schemeClr val="dk1"/>
+    </dgm:txFillClrLst>
+    <dgm:txEffectClrLst/>
+  </dgm:styleLbl>
+  <dgm:styleLbl name="dkBgShp">
+    <dgm:fillClrLst meth="repeat">
+      <a:schemeClr val="accent1">
+        <a:shade val="80000"/>
+      </a:schemeClr>
+    </dgm:fillClrLst>
+    <dgm:linClrLst meth="repeat">
+      <a:schemeClr val="accent1"/>
+    </dgm:linClrLst>
+    <dgm:effectClrLst/>
+    <dgm:txLinClrLst/>
+    <dgm:txFillClrLst meth="repeat">
+      <a:schemeClr val="lt1"/>
+    </dgm:txFillClrLst>
+    <dgm:txEffectClrLst/>
+  </dgm:styleLbl>
+  <dgm:styleLbl name="trBgShp">
+    <dgm:fillClrLst meth="repeat">
+      <a:schemeClr val="accent1">
+        <a:tint val="50000"/>
+        <a:alpha val="40000"/>
+      </a:schemeClr>
+    </dgm:fillClrLst>
+    <dgm:linClrLst meth="repeat">
+      <a:schemeClr val="accent1"/>
+    </dgm:linClrLst>
+    <dgm:effectClrLst/>
+    <dgm:txLinClrLst/>
+    <dgm:txFillClrLst meth="repeat">
+      <a:schemeClr val="lt1"/>
+    </dgm:txFillClrLst>
+    <dgm:txEffectClrLst/>
+  </dgm:styleLbl>
+  <dgm:styleLbl name="fgShp">
+    <dgm:fillClrLst meth="repeat">
+      <a:schemeClr val="accent1">
+        <a:tint val="60000"/>
+      </a:schemeClr>
+    </dgm:fillClrLst>
+    <dgm:linClrLst meth="repeat">
+      <a:schemeClr val="lt1"/>
+    </dgm:linClrLst>
+    <dgm:effectClrLst/>
+    <dgm:txLinClrLst/>
+    <dgm:txFillClrLst meth="repeat">
+      <a:schemeClr val="dk1"/>
+    </dgm:txFillClrLst>
+    <dgm:txEffectClrLst/>
+  </dgm:styleLbl>
+  <dgm:styleLbl name="revTx">
+    <dgm:fillClrLst meth="repeat">
+      <a:schemeClr val="lt1">
+        <a:alpha val="0"/>
+      </a:schemeClr>
+    </dgm:fillClrLst>
+    <dgm:linClrLst meth="repeat">
+      <a:schemeClr val="dk1">
+        <a:alpha val="0"/>
+      </a:schemeClr>
+    </dgm:linClrLst>
+    <dgm:effectClrLst/>
+    <dgm:txLinClrLst/>
+    <dgm:txFillClrLst meth="repeat">
+      <a:schemeClr val="tx1"/>
+    </dgm:txFillClrLst>
+    <dgm:txEffectClrLst/>
+  </dgm:styleLbl>
+</dgm:colorsDef>
+</file>
+
+<file path=ppt/diagrams/data1.xml><?xml version="1.0" encoding="utf-8"?>
+<dgm:dataModel xmlns:dgm="http://schemas.openxmlformats.org/drawingml/2006/diagram" xmlns:a="http://schemas.openxmlformats.org/drawingml/2006/main">
+  <dgm:ptLst>
+    <dgm:pt modelId="{7F382428-B4C5-442B-9671-1049B282AFAC}" type="doc">
+      <dgm:prSet loTypeId="urn:microsoft.com/office/officeart/2005/8/layout/process3" loCatId="process" qsTypeId="urn:microsoft.com/office/officeart/2005/8/quickstyle/simple1" qsCatId="simple" csTypeId="urn:microsoft.com/office/officeart/2005/8/colors/accent1_2" csCatId="accent1" phldr="1"/>
+      <dgm:spPr/>
+      <dgm:t>
+        <a:bodyPr/>
+        <a:lstStyle/>
+        <a:p>
+          <a:endParaRPr lang="de-DE"/>
+        </a:p>
+      </dgm:t>
+    </dgm:pt>
+    <dgm:pt modelId="{B5430D07-62CF-4917-A27A-B72053666000}">
+      <dgm:prSet phldrT="[Text]" custT="1"/>
+      <dgm:spPr/>
+      <dgm:t>
+        <a:bodyPr/>
+        <a:lstStyle/>
+        <a:p>
+          <a:r>
+            <a:rPr lang="de-DE" sz="1800" dirty="0"/>
+            <a:t>01.04. – 22.04.</a:t>
+          </a:r>
+        </a:p>
+      </dgm:t>
+    </dgm:pt>
+    <dgm:pt modelId="{132D6AC1-DFE0-4A50-B04C-52B3022AF06B}" type="parTrans" cxnId="{93713A22-62F3-47AF-9D18-3C0249C2BAB0}">
+      <dgm:prSet/>
+      <dgm:spPr/>
+      <dgm:t>
+        <a:bodyPr/>
+        <a:lstStyle/>
+        <a:p>
+          <a:endParaRPr lang="de-DE"/>
+        </a:p>
+      </dgm:t>
+    </dgm:pt>
+    <dgm:pt modelId="{952DE956-8688-4084-9CDF-2348581B76A9}" type="sibTrans" cxnId="{93713A22-62F3-47AF-9D18-3C0249C2BAB0}">
+      <dgm:prSet/>
+      <dgm:spPr/>
+      <dgm:t>
+        <a:bodyPr/>
+        <a:lstStyle/>
+        <a:p>
+          <a:endParaRPr lang="de-DE"/>
+        </a:p>
+      </dgm:t>
+    </dgm:pt>
+    <dgm:pt modelId="{374E8742-135C-4C69-B756-D73DFC888AE6}">
+      <dgm:prSet phldrT="[Text]" custT="1"/>
+      <dgm:spPr/>
+      <dgm:t>
+        <a:bodyPr/>
+        <a:lstStyle/>
+        <a:p>
+          <a:r>
+            <a:rPr lang="de-DE" sz="1800" dirty="0"/>
+            <a:t>22.04. – 12.05. </a:t>
+          </a:r>
+        </a:p>
+      </dgm:t>
+    </dgm:pt>
+    <dgm:pt modelId="{D1604348-3D1C-4235-A7FA-12A3D1D05D8F}" type="parTrans" cxnId="{A3B6AC38-24CC-43DE-9C02-C93FB24294D9}">
+      <dgm:prSet/>
+      <dgm:spPr/>
+      <dgm:t>
+        <a:bodyPr/>
+        <a:lstStyle/>
+        <a:p>
+          <a:endParaRPr lang="de-DE"/>
+        </a:p>
+      </dgm:t>
+    </dgm:pt>
+    <dgm:pt modelId="{56263F9F-CACA-44BD-B953-5EA9A58E4DF3}" type="sibTrans" cxnId="{A3B6AC38-24CC-43DE-9C02-C93FB24294D9}">
+      <dgm:prSet/>
+      <dgm:spPr/>
+      <dgm:t>
+        <a:bodyPr/>
+        <a:lstStyle/>
+        <a:p>
+          <a:endParaRPr lang="de-DE"/>
+        </a:p>
+      </dgm:t>
+    </dgm:pt>
+    <dgm:pt modelId="{0ED94E6F-DBDB-4261-A5CA-E0D0B7B6E97C}">
+      <dgm:prSet phldrT="[Text]" custT="1"/>
+      <dgm:spPr/>
+      <dgm:t>
+        <a:bodyPr/>
+        <a:lstStyle/>
+        <a:p>
+          <a:r>
+            <a:rPr lang="de-DE" sz="1800" dirty="0"/>
+            <a:t>12.05. - 02.06. </a:t>
+          </a:r>
+        </a:p>
+      </dgm:t>
+    </dgm:pt>
+    <dgm:pt modelId="{44A817CC-28F5-403A-BE40-C25E866386D6}" type="parTrans" cxnId="{7F4C7DF7-CEEB-4772-8014-05B360776457}">
+      <dgm:prSet/>
+      <dgm:spPr/>
+      <dgm:t>
+        <a:bodyPr/>
+        <a:lstStyle/>
+        <a:p>
+          <a:endParaRPr lang="de-DE"/>
+        </a:p>
+      </dgm:t>
+    </dgm:pt>
+    <dgm:pt modelId="{4CDFC8A4-6AAC-4E9B-863D-FF22E401C29A}" type="sibTrans" cxnId="{7F4C7DF7-CEEB-4772-8014-05B360776457}">
+      <dgm:prSet/>
+      <dgm:spPr/>
+      <dgm:t>
+        <a:bodyPr/>
+        <a:lstStyle/>
+        <a:p>
+          <a:endParaRPr lang="de-DE"/>
+        </a:p>
+      </dgm:t>
+    </dgm:pt>
+    <dgm:pt modelId="{08BA899B-CA8C-4BEE-9F5A-8E48070B5A9A}">
+      <dgm:prSet phldrT="[Text]" custT="1"/>
+      <dgm:spPr/>
+      <dgm:t>
+        <a:bodyPr/>
+        <a:lstStyle/>
+        <a:p>
+          <a:r>
+            <a:rPr lang="de-DE" sz="1400" b="1" noProof="0" dirty="0"/>
+            <a:t>CATIA - Anbindung</a:t>
+          </a:r>
+          <a:endParaRPr lang="en-US" sz="1400" b="1" noProof="0" dirty="0"/>
+        </a:p>
+      </dgm:t>
+    </dgm:pt>
+    <dgm:pt modelId="{01C64025-ECB5-401F-B713-66497327DA4B}" type="parTrans" cxnId="{38C3D897-632B-4805-B9A4-2022C1969C48}">
+      <dgm:prSet/>
+      <dgm:spPr/>
+      <dgm:t>
+        <a:bodyPr/>
+        <a:lstStyle/>
+        <a:p>
+          <a:endParaRPr lang="de-DE"/>
+        </a:p>
+      </dgm:t>
+    </dgm:pt>
+    <dgm:pt modelId="{803191A5-7690-4526-92B9-2CE25DDF00E9}" type="sibTrans" cxnId="{38C3D897-632B-4805-B9A4-2022C1969C48}">
+      <dgm:prSet/>
+      <dgm:spPr/>
+      <dgm:t>
+        <a:bodyPr/>
+        <a:lstStyle/>
+        <a:p>
+          <a:endParaRPr lang="de-DE"/>
+        </a:p>
+      </dgm:t>
+    </dgm:pt>
+    <dgm:pt modelId="{4E481898-88DA-4E78-8B72-B6B86A06287D}">
+      <dgm:prSet phldrT="[Text]" custT="1"/>
+      <dgm:spPr/>
+      <dgm:t>
+        <a:bodyPr/>
+        <a:lstStyle/>
+        <a:p>
+          <a:r>
+            <a:rPr lang="de-DE" sz="1400" noProof="0" dirty="0"/>
+            <a:t>Graphische Schnittstelle</a:t>
+          </a:r>
+          <a:endParaRPr lang="en-US" sz="1400" noProof="0" dirty="0"/>
+        </a:p>
+      </dgm:t>
+    </dgm:pt>
+    <dgm:pt modelId="{B92AB517-6664-4177-8EA9-6A92C261417C}" type="parTrans" cxnId="{101EE1AD-421D-4B66-9A0B-0C38A923C961}">
+      <dgm:prSet/>
+      <dgm:spPr/>
+      <dgm:t>
+        <a:bodyPr/>
+        <a:lstStyle/>
+        <a:p>
+          <a:endParaRPr lang="de-DE"/>
+        </a:p>
+      </dgm:t>
+    </dgm:pt>
+    <dgm:pt modelId="{68D4CEF3-8635-4AFC-933C-6B17B6D8E7DA}" type="sibTrans" cxnId="{101EE1AD-421D-4B66-9A0B-0C38A923C961}">
+      <dgm:prSet/>
+      <dgm:spPr/>
+      <dgm:t>
+        <a:bodyPr/>
+        <a:lstStyle/>
+        <a:p>
+          <a:endParaRPr lang="de-DE"/>
+        </a:p>
+      </dgm:t>
+    </dgm:pt>
+    <dgm:pt modelId="{75A37478-8D8D-4BAE-8F2A-446655F11514}">
+      <dgm:prSet phldrT="[Text]" custT="1"/>
+      <dgm:spPr/>
+      <dgm:t>
+        <a:bodyPr/>
+        <a:lstStyle/>
+        <a:p>
+          <a:r>
+            <a:rPr lang="de-DE" sz="1400" noProof="0" dirty="0" err="1"/>
+            <a:t>Hello</a:t>
+          </a:r>
+          <a:r>
+            <a:rPr lang="de-DE" sz="1400" noProof="0" dirty="0"/>
+            <a:t> World</a:t>
+          </a:r>
+          <a:endParaRPr lang="en-US" sz="1400" noProof="0" dirty="0"/>
+        </a:p>
+      </dgm:t>
+    </dgm:pt>
+    <dgm:pt modelId="{CA508F6C-E9F0-4885-AE40-4EA3092B360C}" type="parTrans" cxnId="{35820DA9-A6A7-47EA-B247-874E719F4615}">
+      <dgm:prSet/>
+      <dgm:spPr/>
+      <dgm:t>
+        <a:bodyPr/>
+        <a:lstStyle/>
+        <a:p>
+          <a:endParaRPr lang="de-DE"/>
+        </a:p>
+      </dgm:t>
+    </dgm:pt>
+    <dgm:pt modelId="{32C10AB8-5B47-4DBF-BA93-FE18118253D4}" type="sibTrans" cxnId="{35820DA9-A6A7-47EA-B247-874E719F4615}">
+      <dgm:prSet/>
+      <dgm:spPr/>
+      <dgm:t>
+        <a:bodyPr/>
+        <a:lstStyle/>
+        <a:p>
+          <a:endParaRPr lang="de-DE"/>
+        </a:p>
+      </dgm:t>
+    </dgm:pt>
+    <dgm:pt modelId="{9ED165AB-40B7-4909-9966-F473FC12429C}">
+      <dgm:prSet custT="1"/>
+      <dgm:spPr/>
+      <dgm:t>
+        <a:bodyPr/>
+        <a:lstStyle/>
+        <a:p>
+          <a:r>
+            <a:rPr lang="de-DE" sz="1400" noProof="0" dirty="0"/>
+            <a:t>Berechnungen</a:t>
+          </a:r>
+        </a:p>
+      </dgm:t>
+    </dgm:pt>
+    <dgm:pt modelId="{F6507FF1-A9CC-41E8-BD54-BD3006E7574E}" type="parTrans" cxnId="{62EB56A6-40BE-4F46-BBAE-B85DD27E15AA}">
+      <dgm:prSet/>
+      <dgm:spPr/>
+      <dgm:t>
+        <a:bodyPr/>
+        <a:lstStyle/>
+        <a:p>
+          <a:endParaRPr lang="de-DE"/>
+        </a:p>
+      </dgm:t>
+    </dgm:pt>
+    <dgm:pt modelId="{82BBAFBA-6428-4F66-93AA-B4A2A2868E0A}" type="sibTrans" cxnId="{62EB56A6-40BE-4F46-BBAE-B85DD27E15AA}">
+      <dgm:prSet/>
+      <dgm:spPr/>
+      <dgm:t>
+        <a:bodyPr/>
+        <a:lstStyle/>
+        <a:p>
+          <a:endParaRPr lang="de-DE"/>
+        </a:p>
+      </dgm:t>
+    </dgm:pt>
+    <dgm:pt modelId="{765A03CC-6F00-4BF7-9B25-DA4684FDFBCC}">
+      <dgm:prSet custT="1"/>
+      <dgm:spPr/>
+      <dgm:t>
+        <a:bodyPr/>
+        <a:lstStyle/>
+        <a:p>
+          <a:r>
+            <a:rPr lang="de-DE" sz="1400" b="1" noProof="0" dirty="0"/>
+            <a:t>Machbarkeit</a:t>
+          </a:r>
+        </a:p>
+      </dgm:t>
+    </dgm:pt>
+    <dgm:pt modelId="{20A0D653-7E1A-4EF9-A1D5-04B132F78880}" type="parTrans" cxnId="{292F732A-94CF-4852-B1F3-23081D8A9212}">
+      <dgm:prSet/>
+      <dgm:spPr/>
+      <dgm:t>
+        <a:bodyPr/>
+        <a:lstStyle/>
+        <a:p>
+          <a:endParaRPr lang="de-DE"/>
+        </a:p>
+      </dgm:t>
+    </dgm:pt>
+    <dgm:pt modelId="{6E1D91BA-743F-4A01-9F01-7570F59D7435}" type="sibTrans" cxnId="{292F732A-94CF-4852-B1F3-23081D8A9212}">
+      <dgm:prSet/>
+      <dgm:spPr/>
+      <dgm:t>
+        <a:bodyPr/>
+        <a:lstStyle/>
+        <a:p>
+          <a:endParaRPr lang="de-DE"/>
+        </a:p>
+      </dgm:t>
+    </dgm:pt>
+    <dgm:pt modelId="{2FE56883-0AF8-45AA-8C6B-5E0F75477491}">
+      <dgm:prSet custT="1"/>
+      <dgm:spPr/>
+      <dgm:t>
+        <a:bodyPr/>
+        <a:lstStyle/>
+        <a:p>
+          <a:r>
+            <a:rPr lang="de-DE" sz="1400" b="1" noProof="0" dirty="0"/>
+            <a:t>Prototype</a:t>
+          </a:r>
+        </a:p>
+      </dgm:t>
+    </dgm:pt>
+    <dgm:pt modelId="{7BA80FF1-486B-4A9C-932A-AD9FE93AFDAF}" type="parTrans" cxnId="{2BC17FFD-B1CB-4BC7-AE04-CD0E88EE715F}">
+      <dgm:prSet/>
+      <dgm:spPr/>
+      <dgm:t>
+        <a:bodyPr/>
+        <a:lstStyle/>
+        <a:p>
+          <a:endParaRPr lang="de-DE"/>
+        </a:p>
+      </dgm:t>
+    </dgm:pt>
+    <dgm:pt modelId="{810C0F20-BED0-47B3-B490-F931EC88DCA6}" type="sibTrans" cxnId="{2BC17FFD-B1CB-4BC7-AE04-CD0E88EE715F}">
+      <dgm:prSet/>
+      <dgm:spPr/>
+      <dgm:t>
+        <a:bodyPr/>
+        <a:lstStyle/>
+        <a:p>
+          <a:endParaRPr lang="de-DE"/>
+        </a:p>
+      </dgm:t>
+    </dgm:pt>
+    <dgm:pt modelId="{8FFDC979-66E7-451B-B214-F46497D2DA22}">
+      <dgm:prSet custT="1"/>
+      <dgm:spPr/>
+      <dgm:t>
+        <a:bodyPr/>
+        <a:lstStyle/>
+        <a:p>
+          <a:r>
+            <a:rPr lang="de-DE" sz="1400" b="1" noProof="0" dirty="0"/>
+            <a:t>Lösung</a:t>
+          </a:r>
+        </a:p>
+      </dgm:t>
+    </dgm:pt>
+    <dgm:pt modelId="{EC52D101-E526-4177-A7CD-E77A28EEF9B4}" type="parTrans" cxnId="{12DB79A4-1978-4BD3-AEEC-CE0976B65046}">
+      <dgm:prSet/>
+      <dgm:spPr/>
+      <dgm:t>
+        <a:bodyPr/>
+        <a:lstStyle/>
+        <a:p>
+          <a:endParaRPr lang="de-DE"/>
+        </a:p>
+      </dgm:t>
+    </dgm:pt>
+    <dgm:pt modelId="{8825A95A-384D-4062-9113-C71AAFABEF85}" type="sibTrans" cxnId="{12DB79A4-1978-4BD3-AEEC-CE0976B65046}">
+      <dgm:prSet/>
+      <dgm:spPr/>
+      <dgm:t>
+        <a:bodyPr/>
+        <a:lstStyle/>
+        <a:p>
+          <a:endParaRPr lang="de-DE"/>
+        </a:p>
+      </dgm:t>
+    </dgm:pt>
+    <dgm:pt modelId="{EA2CF54E-60D6-405F-B76C-F48889B993DC}">
+      <dgm:prSet custT="1"/>
+      <dgm:spPr/>
+      <dgm:t>
+        <a:bodyPr/>
+        <a:lstStyle/>
+        <a:p>
+          <a:r>
+            <a:rPr lang="de-DE" sz="1400" b="0" noProof="0" dirty="0"/>
+            <a:t>Release 1 </a:t>
+          </a:r>
+        </a:p>
+      </dgm:t>
+    </dgm:pt>
+    <dgm:pt modelId="{54743D08-A36B-4E24-8637-F12EDE0125D3}" type="parTrans" cxnId="{DBB7CDF6-516B-4FC2-A0A5-C942481381E4}">
+      <dgm:prSet/>
+      <dgm:spPr/>
+      <dgm:t>
+        <a:bodyPr/>
+        <a:lstStyle/>
+        <a:p>
+          <a:endParaRPr lang="de-DE"/>
+        </a:p>
+      </dgm:t>
+    </dgm:pt>
+    <dgm:pt modelId="{EE429985-64D5-48F5-9BA6-C1B1D4A344B7}" type="sibTrans" cxnId="{DBB7CDF6-516B-4FC2-A0A5-C942481381E4}">
+      <dgm:prSet/>
+      <dgm:spPr/>
+      <dgm:t>
+        <a:bodyPr/>
+        <a:lstStyle/>
+        <a:p>
+          <a:endParaRPr lang="de-DE"/>
+        </a:p>
+      </dgm:t>
+    </dgm:pt>
+    <dgm:pt modelId="{FC3F6073-D20B-4F34-A52B-9D46F529979C}">
+      <dgm:prSet custT="1"/>
+      <dgm:spPr/>
+      <dgm:t>
+        <a:bodyPr/>
+        <a:lstStyle/>
+        <a:p>
+          <a:r>
+            <a:rPr lang="de-DE" sz="1400" b="0" noProof="0" dirty="0"/>
+            <a:t>Release 2</a:t>
+          </a:r>
+        </a:p>
+      </dgm:t>
+    </dgm:pt>
+    <dgm:pt modelId="{5E351843-70DB-4A0F-8AD7-F761D7E8D3CA}" type="parTrans" cxnId="{6C0A5070-FA8A-4888-B871-DC181BED5621}">
+      <dgm:prSet/>
+      <dgm:spPr/>
+      <dgm:t>
+        <a:bodyPr/>
+        <a:lstStyle/>
+        <a:p>
+          <a:endParaRPr lang="de-DE"/>
+        </a:p>
+      </dgm:t>
+    </dgm:pt>
+    <dgm:pt modelId="{EB48241A-A22C-42FB-9E7E-CC43D9F33212}" type="sibTrans" cxnId="{6C0A5070-FA8A-4888-B871-DC181BED5621}">
+      <dgm:prSet/>
+      <dgm:spPr/>
+      <dgm:t>
+        <a:bodyPr/>
+        <a:lstStyle/>
+        <a:p>
+          <a:endParaRPr lang="de-DE"/>
+        </a:p>
+      </dgm:t>
+    </dgm:pt>
+    <dgm:pt modelId="{D104D30B-BBB1-4A42-B97F-B3E0A796187D}">
+      <dgm:prSet custT="1"/>
+      <dgm:spPr/>
+      <dgm:t>
+        <a:bodyPr/>
+        <a:lstStyle/>
+        <a:p>
+          <a:r>
+            <a:rPr lang="de-DE" sz="1400" b="0" noProof="0" dirty="0"/>
+            <a:t>Release 3</a:t>
+          </a:r>
+        </a:p>
+      </dgm:t>
+    </dgm:pt>
+    <dgm:pt modelId="{BF589060-6561-4FB7-9CB0-7D6B7139D595}" type="parTrans" cxnId="{7D697DA0-BBDC-4772-B5D1-2C443D03AD55}">
+      <dgm:prSet/>
+      <dgm:spPr/>
+      <dgm:t>
+        <a:bodyPr/>
+        <a:lstStyle/>
+        <a:p>
+          <a:endParaRPr lang="de-DE"/>
+        </a:p>
+      </dgm:t>
+    </dgm:pt>
+    <dgm:pt modelId="{98BCC63C-58E2-4037-BDEC-20CA3EFD92AB}" type="sibTrans" cxnId="{7D697DA0-BBDC-4772-B5D1-2C443D03AD55}">
+      <dgm:prSet/>
+      <dgm:spPr/>
+      <dgm:t>
+        <a:bodyPr/>
+        <a:lstStyle/>
+        <a:p>
+          <a:endParaRPr lang="de-DE"/>
+        </a:p>
+      </dgm:t>
+    </dgm:pt>
+    <dgm:pt modelId="{1EC521D0-8A95-4D65-846F-31A074C12305}" type="pres">
+      <dgm:prSet presAssocID="{7F382428-B4C5-442B-9671-1049B282AFAC}" presName="linearFlow" presStyleCnt="0">
+        <dgm:presLayoutVars>
+          <dgm:dir/>
+          <dgm:animLvl val="lvl"/>
+          <dgm:resizeHandles val="exact"/>
+        </dgm:presLayoutVars>
+      </dgm:prSet>
+      <dgm:spPr/>
+      <dgm:t>
+        <a:bodyPr/>
+        <a:lstStyle/>
+        <a:p>
+          <a:endParaRPr lang="de-DE"/>
+        </a:p>
+      </dgm:t>
+    </dgm:pt>
+    <dgm:pt modelId="{1B377D22-9E64-4EDC-BA82-939A68A0E886}" type="pres">
+      <dgm:prSet presAssocID="{B5430D07-62CF-4917-A27A-B72053666000}" presName="composite" presStyleCnt="0"/>
+      <dgm:spPr/>
+    </dgm:pt>
+    <dgm:pt modelId="{5C9273C3-7996-4DB4-9CBB-ACB06912C462}" type="pres">
+      <dgm:prSet presAssocID="{B5430D07-62CF-4917-A27A-B72053666000}" presName="parTx" presStyleLbl="node1" presStyleIdx="0" presStyleCnt="3">
+        <dgm:presLayoutVars>
+          <dgm:chMax val="0"/>
+          <dgm:chPref val="0"/>
+          <dgm:bulletEnabled val="1"/>
+        </dgm:presLayoutVars>
+      </dgm:prSet>
+      <dgm:spPr/>
+      <dgm:t>
+        <a:bodyPr/>
+        <a:lstStyle/>
+        <a:p>
+          <a:endParaRPr lang="de-DE"/>
+        </a:p>
+      </dgm:t>
+    </dgm:pt>
+    <dgm:pt modelId="{9B352A88-B6C2-4850-B9E5-4EA167007F26}" type="pres">
+      <dgm:prSet presAssocID="{B5430D07-62CF-4917-A27A-B72053666000}" presName="parSh" presStyleLbl="node1" presStyleIdx="0" presStyleCnt="3"/>
+      <dgm:spPr/>
+      <dgm:t>
+        <a:bodyPr/>
+        <a:lstStyle/>
+        <a:p>
+          <a:endParaRPr lang="de-DE"/>
+        </a:p>
+      </dgm:t>
+    </dgm:pt>
+    <dgm:pt modelId="{B4CFBC5C-5FE5-455A-9173-02010D30404E}" type="pres">
+      <dgm:prSet presAssocID="{B5430D07-62CF-4917-A27A-B72053666000}" presName="desTx" presStyleLbl="fgAcc1" presStyleIdx="0" presStyleCnt="3" custScaleX="124799" custScaleY="88604" custLinFactNeighborX="-466" custLinFactNeighborY="-15813">
+        <dgm:presLayoutVars>
+          <dgm:bulletEnabled val="1"/>
+        </dgm:presLayoutVars>
+      </dgm:prSet>
+      <dgm:spPr/>
+      <dgm:t>
+        <a:bodyPr/>
+        <a:lstStyle/>
+        <a:p>
+          <a:endParaRPr lang="de-DE"/>
+        </a:p>
+      </dgm:t>
+    </dgm:pt>
+    <dgm:pt modelId="{8838DB85-4958-406B-B57D-1BEFE2BD3BE9}" type="pres">
+      <dgm:prSet presAssocID="{952DE956-8688-4084-9CDF-2348581B76A9}" presName="sibTrans" presStyleLbl="sibTrans2D1" presStyleIdx="0" presStyleCnt="2"/>
+      <dgm:spPr/>
+      <dgm:t>
+        <a:bodyPr/>
+        <a:lstStyle/>
+        <a:p>
+          <a:endParaRPr lang="de-DE"/>
+        </a:p>
+      </dgm:t>
+    </dgm:pt>
+    <dgm:pt modelId="{42C03787-C7F1-447D-A065-2DDE19079508}" type="pres">
+      <dgm:prSet presAssocID="{952DE956-8688-4084-9CDF-2348581B76A9}" presName="connTx" presStyleLbl="sibTrans2D1" presStyleIdx="0" presStyleCnt="2"/>
+      <dgm:spPr/>
+      <dgm:t>
+        <a:bodyPr/>
+        <a:lstStyle/>
+        <a:p>
+          <a:endParaRPr lang="de-DE"/>
+        </a:p>
+      </dgm:t>
+    </dgm:pt>
+    <dgm:pt modelId="{F9347A69-0E33-41FC-99B6-740F3672F6F7}" type="pres">
+      <dgm:prSet presAssocID="{374E8742-135C-4C69-B756-D73DFC888AE6}" presName="composite" presStyleCnt="0"/>
+      <dgm:spPr/>
+    </dgm:pt>
+    <dgm:pt modelId="{00582574-9CD4-494F-816A-72D695B59DB4}" type="pres">
+      <dgm:prSet presAssocID="{374E8742-135C-4C69-B756-D73DFC888AE6}" presName="parTx" presStyleLbl="node1" presStyleIdx="0" presStyleCnt="3">
+        <dgm:presLayoutVars>
+          <dgm:chMax val="0"/>
+          <dgm:chPref val="0"/>
+          <dgm:bulletEnabled val="1"/>
+        </dgm:presLayoutVars>
+      </dgm:prSet>
+      <dgm:spPr/>
+      <dgm:t>
+        <a:bodyPr/>
+        <a:lstStyle/>
+        <a:p>
+          <a:endParaRPr lang="de-DE"/>
+        </a:p>
+      </dgm:t>
+    </dgm:pt>
+    <dgm:pt modelId="{1CECB436-59EA-4EE7-B987-1511A75FFDDD}" type="pres">
+      <dgm:prSet presAssocID="{374E8742-135C-4C69-B756-D73DFC888AE6}" presName="parSh" presStyleLbl="node1" presStyleIdx="1" presStyleCnt="3" custLinFactNeighborX="-1399" custLinFactNeighborY="1022"/>
+      <dgm:spPr/>
+      <dgm:t>
+        <a:bodyPr/>
+        <a:lstStyle/>
+        <a:p>
+          <a:endParaRPr lang="de-DE"/>
+        </a:p>
+      </dgm:t>
+    </dgm:pt>
+    <dgm:pt modelId="{CC7BC82B-88C8-4450-A7A0-D0977501C167}" type="pres">
+      <dgm:prSet presAssocID="{374E8742-135C-4C69-B756-D73DFC888AE6}" presName="desTx" presStyleLbl="fgAcc1" presStyleIdx="1" presStyleCnt="3" custScaleX="124799" custScaleY="88604" custLinFactNeighborX="-466" custLinFactNeighborY="-15813">
+        <dgm:presLayoutVars>
+          <dgm:bulletEnabled val="1"/>
+        </dgm:presLayoutVars>
+      </dgm:prSet>
+      <dgm:spPr/>
+      <dgm:t>
+        <a:bodyPr/>
+        <a:lstStyle/>
+        <a:p>
+          <a:endParaRPr lang="de-DE"/>
+        </a:p>
+      </dgm:t>
+    </dgm:pt>
+    <dgm:pt modelId="{EF68DD77-C1B6-48A2-A315-5A5D9009C8BD}" type="pres">
+      <dgm:prSet presAssocID="{56263F9F-CACA-44BD-B953-5EA9A58E4DF3}" presName="sibTrans" presStyleLbl="sibTrans2D1" presStyleIdx="1" presStyleCnt="2"/>
+      <dgm:spPr/>
+      <dgm:t>
+        <a:bodyPr/>
+        <a:lstStyle/>
+        <a:p>
+          <a:endParaRPr lang="de-DE"/>
+        </a:p>
+      </dgm:t>
+    </dgm:pt>
+    <dgm:pt modelId="{4FDDDAB7-9D6B-4410-A360-9AEB2F5F4DD5}" type="pres">
+      <dgm:prSet presAssocID="{56263F9F-CACA-44BD-B953-5EA9A58E4DF3}" presName="connTx" presStyleLbl="sibTrans2D1" presStyleIdx="1" presStyleCnt="2"/>
+      <dgm:spPr/>
+      <dgm:t>
+        <a:bodyPr/>
+        <a:lstStyle/>
+        <a:p>
+          <a:endParaRPr lang="de-DE"/>
+        </a:p>
+      </dgm:t>
+    </dgm:pt>
+    <dgm:pt modelId="{C5F38CA4-5362-4B79-9780-3A4CEA19254D}" type="pres">
+      <dgm:prSet presAssocID="{0ED94E6F-DBDB-4261-A5CA-E0D0B7B6E97C}" presName="composite" presStyleCnt="0"/>
+      <dgm:spPr/>
+    </dgm:pt>
+    <dgm:pt modelId="{2F2111C1-07E1-4E2D-B4C6-976561D5902A}" type="pres">
+      <dgm:prSet presAssocID="{0ED94E6F-DBDB-4261-A5CA-E0D0B7B6E97C}" presName="parTx" presStyleLbl="node1" presStyleIdx="1" presStyleCnt="3">
+        <dgm:presLayoutVars>
+          <dgm:chMax val="0"/>
+          <dgm:chPref val="0"/>
+          <dgm:bulletEnabled val="1"/>
+        </dgm:presLayoutVars>
+      </dgm:prSet>
+      <dgm:spPr/>
+      <dgm:t>
+        <a:bodyPr/>
+        <a:lstStyle/>
+        <a:p>
+          <a:endParaRPr lang="de-DE"/>
+        </a:p>
+      </dgm:t>
+    </dgm:pt>
+    <dgm:pt modelId="{E61AF653-E672-4D85-B05C-506B3837300F}" type="pres">
+      <dgm:prSet presAssocID="{0ED94E6F-DBDB-4261-A5CA-E0D0B7B6E97C}" presName="parSh" presStyleLbl="node1" presStyleIdx="2" presStyleCnt="3"/>
+      <dgm:spPr/>
+      <dgm:t>
+        <a:bodyPr/>
+        <a:lstStyle/>
+        <a:p>
+          <a:endParaRPr lang="de-DE"/>
+        </a:p>
+      </dgm:t>
+    </dgm:pt>
+    <dgm:pt modelId="{D714A475-5F2F-4325-9491-FF3C60773241}" type="pres">
+      <dgm:prSet presAssocID="{0ED94E6F-DBDB-4261-A5CA-E0D0B7B6E97C}" presName="desTx" presStyleLbl="fgAcc1" presStyleIdx="2" presStyleCnt="3" custScaleX="124799" custScaleY="88604" custLinFactNeighborX="-466" custLinFactNeighborY="-15813">
+        <dgm:presLayoutVars>
+          <dgm:bulletEnabled val="1"/>
+        </dgm:presLayoutVars>
+      </dgm:prSet>
+      <dgm:spPr/>
+      <dgm:t>
+        <a:bodyPr/>
+        <a:lstStyle/>
+        <a:p>
+          <a:endParaRPr lang="de-DE"/>
+        </a:p>
+      </dgm:t>
+    </dgm:pt>
+  </dgm:ptLst>
+  <dgm:cxnLst>
+    <dgm:cxn modelId="{02FC7612-79BB-43C4-9F19-AC09708DB22B}" type="presOf" srcId="{D104D30B-BBB1-4A42-B97F-B3E0A796187D}" destId="{D714A475-5F2F-4325-9491-FF3C60773241}" srcOrd="0" destOrd="2" presId="urn:microsoft.com/office/officeart/2005/8/layout/process3"/>
+    <dgm:cxn modelId="{101EE1AD-421D-4B66-9A0B-0C38A923C961}" srcId="{374E8742-135C-4C69-B756-D73DFC888AE6}" destId="{4E481898-88DA-4E78-8B72-B6B86A06287D}" srcOrd="0" destOrd="0" parTransId="{B92AB517-6664-4177-8EA9-6A92C261417C}" sibTransId="{68D4CEF3-8635-4AFC-933C-6B17B6D8E7DA}"/>
+    <dgm:cxn modelId="{35820DA9-A6A7-47EA-B247-874E719F4615}" srcId="{B5430D07-62CF-4917-A27A-B72053666000}" destId="{75A37478-8D8D-4BAE-8F2A-446655F11514}" srcOrd="0" destOrd="0" parTransId="{CA508F6C-E9F0-4885-AE40-4EA3092B360C}" sibTransId="{32C10AB8-5B47-4DBF-BA93-FE18118253D4}"/>
+    <dgm:cxn modelId="{9D1304BA-E147-4365-8FF0-24F5C7D2EDE8}" type="presOf" srcId="{2FE56883-0AF8-45AA-8C6B-5E0F75477491}" destId="{CC7BC82B-88C8-4450-A7A0-D0977501C167}" srcOrd="0" destOrd="1" presId="urn:microsoft.com/office/officeart/2005/8/layout/process3"/>
+    <dgm:cxn modelId="{9FA2FA45-AC0F-4BC6-B63E-B6BCAA1358FF}" type="presOf" srcId="{374E8742-135C-4C69-B756-D73DFC888AE6}" destId="{1CECB436-59EA-4EE7-B987-1511A75FFDDD}" srcOrd="1" destOrd="0" presId="urn:microsoft.com/office/officeart/2005/8/layout/process3"/>
+    <dgm:cxn modelId="{7F4C7DF7-CEEB-4772-8014-05B360776457}" srcId="{7F382428-B4C5-442B-9671-1049B282AFAC}" destId="{0ED94E6F-DBDB-4261-A5CA-E0D0B7B6E97C}" srcOrd="2" destOrd="0" parTransId="{44A817CC-28F5-403A-BE40-C25E866386D6}" sibTransId="{4CDFC8A4-6AAC-4E9B-863D-FF22E401C29A}"/>
+    <dgm:cxn modelId="{10BE57F4-7CC8-43E1-BA62-632CD355B766}" type="presOf" srcId="{B5430D07-62CF-4917-A27A-B72053666000}" destId="{9B352A88-B6C2-4850-B9E5-4EA167007F26}" srcOrd="1" destOrd="0" presId="urn:microsoft.com/office/officeart/2005/8/layout/process3"/>
+    <dgm:cxn modelId="{DBB7CDF6-516B-4FC2-A0A5-C942481381E4}" srcId="{B5430D07-62CF-4917-A27A-B72053666000}" destId="{EA2CF54E-60D6-405F-B76C-F48889B993DC}" srcOrd="3" destOrd="0" parTransId="{54743D08-A36B-4E24-8637-F12EDE0125D3}" sibTransId="{EE429985-64D5-48F5-9BA6-C1B1D4A344B7}"/>
+    <dgm:cxn modelId="{2DE8DE14-BE5F-4EEE-99D5-F5950513EB4F}" type="presOf" srcId="{4E481898-88DA-4E78-8B72-B6B86A06287D}" destId="{CC7BC82B-88C8-4450-A7A0-D0977501C167}" srcOrd="0" destOrd="0" presId="urn:microsoft.com/office/officeart/2005/8/layout/process3"/>
+    <dgm:cxn modelId="{4093CD2F-DBBD-4818-8683-B7A6985A8FFD}" type="presOf" srcId="{8FFDC979-66E7-451B-B214-F46497D2DA22}" destId="{D714A475-5F2F-4325-9491-FF3C60773241}" srcOrd="0" destOrd="1" presId="urn:microsoft.com/office/officeart/2005/8/layout/process3"/>
+    <dgm:cxn modelId="{778332A3-DE30-4187-9CFF-D390A72A7D49}" type="presOf" srcId="{952DE956-8688-4084-9CDF-2348581B76A9}" destId="{42C03787-C7F1-447D-A065-2DDE19079508}" srcOrd="1" destOrd="0" presId="urn:microsoft.com/office/officeart/2005/8/layout/process3"/>
+    <dgm:cxn modelId="{7B39C246-8F64-46E6-AE6A-271BF090605C}" type="presOf" srcId="{765A03CC-6F00-4BF7-9B25-DA4684FDFBCC}" destId="{B4CFBC5C-5FE5-455A-9173-02010D30404E}" srcOrd="0" destOrd="2" presId="urn:microsoft.com/office/officeart/2005/8/layout/process3"/>
+    <dgm:cxn modelId="{0EA96E0E-54AA-4950-84A1-82812D01F524}" type="presOf" srcId="{FC3F6073-D20B-4F34-A52B-9D46F529979C}" destId="{CC7BC82B-88C8-4450-A7A0-D0977501C167}" srcOrd="0" destOrd="2" presId="urn:microsoft.com/office/officeart/2005/8/layout/process3"/>
+    <dgm:cxn modelId="{62EB56A6-40BE-4F46-BBAE-B85DD27E15AA}" srcId="{B5430D07-62CF-4917-A27A-B72053666000}" destId="{9ED165AB-40B7-4909-9966-F473FC12429C}" srcOrd="1" destOrd="0" parTransId="{F6507FF1-A9CC-41E8-BD54-BD3006E7574E}" sibTransId="{82BBAFBA-6428-4F66-93AA-B4A2A2868E0A}"/>
+    <dgm:cxn modelId="{5ED96DF6-78E6-487A-987F-D53D3D1569E6}" type="presOf" srcId="{0ED94E6F-DBDB-4261-A5CA-E0D0B7B6E97C}" destId="{E61AF653-E672-4D85-B05C-506B3837300F}" srcOrd="1" destOrd="0" presId="urn:microsoft.com/office/officeart/2005/8/layout/process3"/>
+    <dgm:cxn modelId="{93713A22-62F3-47AF-9D18-3C0249C2BAB0}" srcId="{7F382428-B4C5-442B-9671-1049B282AFAC}" destId="{B5430D07-62CF-4917-A27A-B72053666000}" srcOrd="0" destOrd="0" parTransId="{132D6AC1-DFE0-4A50-B04C-52B3022AF06B}" sibTransId="{952DE956-8688-4084-9CDF-2348581B76A9}"/>
+    <dgm:cxn modelId="{6CAFBD1C-D4F8-45E2-8038-725C4DC69992}" type="presOf" srcId="{9ED165AB-40B7-4909-9966-F473FC12429C}" destId="{B4CFBC5C-5FE5-455A-9173-02010D30404E}" srcOrd="0" destOrd="1" presId="urn:microsoft.com/office/officeart/2005/8/layout/process3"/>
+    <dgm:cxn modelId="{8BC30D81-2402-4BC7-8C19-2E2D78F0A1D3}" type="presOf" srcId="{374E8742-135C-4C69-B756-D73DFC888AE6}" destId="{00582574-9CD4-494F-816A-72D695B59DB4}" srcOrd="0" destOrd="0" presId="urn:microsoft.com/office/officeart/2005/8/layout/process3"/>
+    <dgm:cxn modelId="{FB5AD267-317C-4ACC-999E-F2182CDF6CAF}" type="presOf" srcId="{EA2CF54E-60D6-405F-B76C-F48889B993DC}" destId="{B4CFBC5C-5FE5-455A-9173-02010D30404E}" srcOrd="0" destOrd="3" presId="urn:microsoft.com/office/officeart/2005/8/layout/process3"/>
+    <dgm:cxn modelId="{1544DB81-C6AE-400A-8264-79FDEF9DC70E}" type="presOf" srcId="{952DE956-8688-4084-9CDF-2348581B76A9}" destId="{8838DB85-4958-406B-B57D-1BEFE2BD3BE9}" srcOrd="0" destOrd="0" presId="urn:microsoft.com/office/officeart/2005/8/layout/process3"/>
+    <dgm:cxn modelId="{7D697DA0-BBDC-4772-B5D1-2C443D03AD55}" srcId="{0ED94E6F-DBDB-4261-A5CA-E0D0B7B6E97C}" destId="{D104D30B-BBB1-4A42-B97F-B3E0A796187D}" srcOrd="2" destOrd="0" parTransId="{BF589060-6561-4FB7-9CB0-7D6B7139D595}" sibTransId="{98BCC63C-58E2-4037-BDEC-20CA3EFD92AB}"/>
+    <dgm:cxn modelId="{12DB79A4-1978-4BD3-AEEC-CE0976B65046}" srcId="{0ED94E6F-DBDB-4261-A5CA-E0D0B7B6E97C}" destId="{8FFDC979-66E7-451B-B214-F46497D2DA22}" srcOrd="1" destOrd="0" parTransId="{EC52D101-E526-4177-A7CD-E77A28EEF9B4}" sibTransId="{8825A95A-384D-4062-9113-C71AAFABEF85}"/>
+    <dgm:cxn modelId="{5AEC887F-3283-42A3-BEAC-9373A0D88661}" type="presOf" srcId="{75A37478-8D8D-4BAE-8F2A-446655F11514}" destId="{B4CFBC5C-5FE5-455A-9173-02010D30404E}" srcOrd="0" destOrd="0" presId="urn:microsoft.com/office/officeart/2005/8/layout/process3"/>
+    <dgm:cxn modelId="{6C0A5070-FA8A-4888-B871-DC181BED5621}" srcId="{374E8742-135C-4C69-B756-D73DFC888AE6}" destId="{FC3F6073-D20B-4F34-A52B-9D46F529979C}" srcOrd="2" destOrd="0" parTransId="{5E351843-70DB-4A0F-8AD7-F761D7E8D3CA}" sibTransId="{EB48241A-A22C-42FB-9E7E-CC43D9F33212}"/>
+    <dgm:cxn modelId="{292F732A-94CF-4852-B1F3-23081D8A9212}" srcId="{B5430D07-62CF-4917-A27A-B72053666000}" destId="{765A03CC-6F00-4BF7-9B25-DA4684FDFBCC}" srcOrd="2" destOrd="0" parTransId="{20A0D653-7E1A-4EF9-A1D5-04B132F78880}" sibTransId="{6E1D91BA-743F-4A01-9F01-7570F59D7435}"/>
+    <dgm:cxn modelId="{CA85AC88-6853-468F-8CD0-59637818F305}" type="presOf" srcId="{7F382428-B4C5-442B-9671-1049B282AFAC}" destId="{1EC521D0-8A95-4D65-846F-31A074C12305}" srcOrd="0" destOrd="0" presId="urn:microsoft.com/office/officeart/2005/8/layout/process3"/>
+    <dgm:cxn modelId="{D012B13E-DD9B-45F2-8675-CBBAF3F73957}" type="presOf" srcId="{0ED94E6F-DBDB-4261-A5CA-E0D0B7B6E97C}" destId="{2F2111C1-07E1-4E2D-B4C6-976561D5902A}" srcOrd="0" destOrd="0" presId="urn:microsoft.com/office/officeart/2005/8/layout/process3"/>
+    <dgm:cxn modelId="{D555B0FD-687F-4041-9506-44412DF528B1}" type="presOf" srcId="{B5430D07-62CF-4917-A27A-B72053666000}" destId="{5C9273C3-7996-4DB4-9CBB-ACB06912C462}" srcOrd="0" destOrd="0" presId="urn:microsoft.com/office/officeart/2005/8/layout/process3"/>
+    <dgm:cxn modelId="{2BC17FFD-B1CB-4BC7-AE04-CD0E88EE715F}" srcId="{374E8742-135C-4C69-B756-D73DFC888AE6}" destId="{2FE56883-0AF8-45AA-8C6B-5E0F75477491}" srcOrd="1" destOrd="0" parTransId="{7BA80FF1-486B-4A9C-932A-AD9FE93AFDAF}" sibTransId="{810C0F20-BED0-47B3-B490-F931EC88DCA6}"/>
+    <dgm:cxn modelId="{D7469AD1-94C1-41A3-8420-44D58C3FD845}" type="presOf" srcId="{56263F9F-CACA-44BD-B953-5EA9A58E4DF3}" destId="{EF68DD77-C1B6-48A2-A315-5A5D9009C8BD}" srcOrd="0" destOrd="0" presId="urn:microsoft.com/office/officeart/2005/8/layout/process3"/>
+    <dgm:cxn modelId="{A3B6AC38-24CC-43DE-9C02-C93FB24294D9}" srcId="{7F382428-B4C5-442B-9671-1049B282AFAC}" destId="{374E8742-135C-4C69-B756-D73DFC888AE6}" srcOrd="1" destOrd="0" parTransId="{D1604348-3D1C-4235-A7FA-12A3D1D05D8F}" sibTransId="{56263F9F-CACA-44BD-B953-5EA9A58E4DF3}"/>
+    <dgm:cxn modelId="{53B7935E-EE82-481C-8701-E9C73126DBCC}" type="presOf" srcId="{08BA899B-CA8C-4BEE-9F5A-8E48070B5A9A}" destId="{D714A475-5F2F-4325-9491-FF3C60773241}" srcOrd="0" destOrd="0" presId="urn:microsoft.com/office/officeart/2005/8/layout/process3"/>
+    <dgm:cxn modelId="{38C3D897-632B-4805-B9A4-2022C1969C48}" srcId="{0ED94E6F-DBDB-4261-A5CA-E0D0B7B6E97C}" destId="{08BA899B-CA8C-4BEE-9F5A-8E48070B5A9A}" srcOrd="0" destOrd="0" parTransId="{01C64025-ECB5-401F-B713-66497327DA4B}" sibTransId="{803191A5-7690-4526-92B9-2CE25DDF00E9}"/>
+    <dgm:cxn modelId="{C06A719A-93A9-487B-AAFC-3C6F636F154C}" type="presOf" srcId="{56263F9F-CACA-44BD-B953-5EA9A58E4DF3}" destId="{4FDDDAB7-9D6B-4410-A360-9AEB2F5F4DD5}" srcOrd="1" destOrd="0" presId="urn:microsoft.com/office/officeart/2005/8/layout/process3"/>
+    <dgm:cxn modelId="{5A274C5A-3E53-47F6-A206-B488E12FFF8F}" type="presParOf" srcId="{1EC521D0-8A95-4D65-846F-31A074C12305}" destId="{1B377D22-9E64-4EDC-BA82-939A68A0E886}" srcOrd="0" destOrd="0" presId="urn:microsoft.com/office/officeart/2005/8/layout/process3"/>
+    <dgm:cxn modelId="{4757B04A-36E8-4229-8EED-7FEC55143104}" type="presParOf" srcId="{1B377D22-9E64-4EDC-BA82-939A68A0E886}" destId="{5C9273C3-7996-4DB4-9CBB-ACB06912C462}" srcOrd="0" destOrd="0" presId="urn:microsoft.com/office/officeart/2005/8/layout/process3"/>
+    <dgm:cxn modelId="{C26D5A4F-821A-4CAF-852F-CB6975DD7417}" type="presParOf" srcId="{1B377D22-9E64-4EDC-BA82-939A68A0E886}" destId="{9B352A88-B6C2-4850-B9E5-4EA167007F26}" srcOrd="1" destOrd="0" presId="urn:microsoft.com/office/officeart/2005/8/layout/process3"/>
+    <dgm:cxn modelId="{FCB6F6F5-BAC8-4B10-92F8-ABA135381DBE}" type="presParOf" srcId="{1B377D22-9E64-4EDC-BA82-939A68A0E886}" destId="{B4CFBC5C-5FE5-455A-9173-02010D30404E}" srcOrd="2" destOrd="0" presId="urn:microsoft.com/office/officeart/2005/8/layout/process3"/>
+    <dgm:cxn modelId="{21A8C173-2B25-4D2C-9134-C00E6FDA6E38}" type="presParOf" srcId="{1EC521D0-8A95-4D65-846F-31A074C12305}" destId="{8838DB85-4958-406B-B57D-1BEFE2BD3BE9}" srcOrd="1" destOrd="0" presId="urn:microsoft.com/office/officeart/2005/8/layout/process3"/>
+    <dgm:cxn modelId="{91C24E84-533A-43A7-B83B-101843641FAD}" type="presParOf" srcId="{8838DB85-4958-406B-B57D-1BEFE2BD3BE9}" destId="{42C03787-C7F1-447D-A065-2DDE19079508}" srcOrd="0" destOrd="0" presId="urn:microsoft.com/office/officeart/2005/8/layout/process3"/>
+    <dgm:cxn modelId="{C5D5EA35-F3CA-424C-8DC3-07D94A0F58A1}" type="presParOf" srcId="{1EC521D0-8A95-4D65-846F-31A074C12305}" destId="{F9347A69-0E33-41FC-99B6-740F3672F6F7}" srcOrd="2" destOrd="0" presId="urn:microsoft.com/office/officeart/2005/8/layout/process3"/>
+    <dgm:cxn modelId="{C88B2E82-4ED3-4F27-8F64-0645F35FB338}" type="presParOf" srcId="{F9347A69-0E33-41FC-99B6-740F3672F6F7}" destId="{00582574-9CD4-494F-816A-72D695B59DB4}" srcOrd="0" destOrd="0" presId="urn:microsoft.com/office/officeart/2005/8/layout/process3"/>
+    <dgm:cxn modelId="{7C9BBCAE-79DB-406E-BD27-E6B2267BDD10}" type="presParOf" srcId="{F9347A69-0E33-41FC-99B6-740F3672F6F7}" destId="{1CECB436-59EA-4EE7-B987-1511A75FFDDD}" srcOrd="1" destOrd="0" presId="urn:microsoft.com/office/officeart/2005/8/layout/process3"/>
+    <dgm:cxn modelId="{053394B5-3037-4C18-ACD7-55D2B9211EF1}" type="presParOf" srcId="{F9347A69-0E33-41FC-99B6-740F3672F6F7}" destId="{CC7BC82B-88C8-4450-A7A0-D0977501C167}" srcOrd="2" destOrd="0" presId="urn:microsoft.com/office/officeart/2005/8/layout/process3"/>
+    <dgm:cxn modelId="{E98D9965-095E-44A6-A703-11699F212ACC}" type="presParOf" srcId="{1EC521D0-8A95-4D65-846F-31A074C12305}" destId="{EF68DD77-C1B6-48A2-A315-5A5D9009C8BD}" srcOrd="3" destOrd="0" presId="urn:microsoft.com/office/officeart/2005/8/layout/process3"/>
+    <dgm:cxn modelId="{59243EE5-623A-44E3-86DA-FA30055158B7}" type="presParOf" srcId="{EF68DD77-C1B6-48A2-A315-5A5D9009C8BD}" destId="{4FDDDAB7-9D6B-4410-A360-9AEB2F5F4DD5}" srcOrd="0" destOrd="0" presId="urn:microsoft.com/office/officeart/2005/8/layout/process3"/>
+    <dgm:cxn modelId="{7BDED76B-736B-4D55-887C-F88019BDFD41}" type="presParOf" srcId="{1EC521D0-8A95-4D65-846F-31A074C12305}" destId="{C5F38CA4-5362-4B79-9780-3A4CEA19254D}" srcOrd="4" destOrd="0" presId="urn:microsoft.com/office/officeart/2005/8/layout/process3"/>
+    <dgm:cxn modelId="{6F800AF5-8D2C-43D0-A6C5-36C3563EDA23}" type="presParOf" srcId="{C5F38CA4-5362-4B79-9780-3A4CEA19254D}" destId="{2F2111C1-07E1-4E2D-B4C6-976561D5902A}" srcOrd="0" destOrd="0" presId="urn:microsoft.com/office/officeart/2005/8/layout/process3"/>
+    <dgm:cxn modelId="{E1BDCC8D-4F19-4631-90D8-AA3C0F5F2A76}" type="presParOf" srcId="{C5F38CA4-5362-4B79-9780-3A4CEA19254D}" destId="{E61AF653-E672-4D85-B05C-506B3837300F}" srcOrd="1" destOrd="0" presId="urn:microsoft.com/office/officeart/2005/8/layout/process3"/>
+    <dgm:cxn modelId="{79B762F7-3F72-486B-9204-082F7637BCB2}" type="presParOf" srcId="{C5F38CA4-5362-4B79-9780-3A4CEA19254D}" destId="{D714A475-5F2F-4325-9491-FF3C60773241}" srcOrd="2" destOrd="0" presId="urn:microsoft.com/office/officeart/2005/8/layout/process3"/>
+  </dgm:cxnLst>
+  <dgm:bg/>
+  <dgm:whole/>
+  <dgm:extLst>
+    <a:ext uri="http://schemas.microsoft.com/office/drawing/2008/diagram">
+      <dsp:dataModelExt xmlns:dsp="http://schemas.microsoft.com/office/drawing/2008/diagram" relId="rId6" minVer="http://schemas.openxmlformats.org/drawingml/2006/diagram"/>
+    </a:ext>
+  </dgm:extLst>
+</dgm:dataModel>
+</file>
+
+<file path=ppt/diagrams/drawing1.xml><?xml version="1.0" encoding="utf-8"?>
+<dsp:drawing xmlns:dgm="http://schemas.openxmlformats.org/drawingml/2006/diagram" xmlns:dsp="http://schemas.microsoft.com/office/drawing/2008/diagram" xmlns:a="http://schemas.openxmlformats.org/drawingml/2006/main">
+  <dsp:spTree>
+    <dsp:nvGrpSpPr>
+      <dsp:cNvPr id="0" name=""/>
+      <dsp:cNvGrpSpPr/>
+    </dsp:nvGrpSpPr>
+    <dsp:grpSpPr/>
+    <dsp:sp modelId="{9B352A88-B6C2-4850-B9E5-4EA167007F26}">
+      <dsp:nvSpPr>
+        <dsp:cNvPr id="0" name=""/>
+        <dsp:cNvSpPr/>
+      </dsp:nvSpPr>
+      <dsp:spPr>
+        <a:xfrm>
+          <a:off x="1468" y="20430"/>
+          <a:ext cx="1803132" cy="1080000"/>
+        </a:xfrm>
+        <a:prstGeom prst="roundRect">
+          <a:avLst>
+            <a:gd name="adj" fmla="val 10000"/>
+          </a:avLst>
+        </a:prstGeom>
+        <a:solidFill>
+          <a:schemeClr val="accent1">
+            <a:hueOff val="0"/>
+            <a:satOff val="0"/>
+            <a:lumOff val="0"/>
+            <a:alphaOff val="0"/>
+          </a:schemeClr>
+        </a:solidFill>
+        <a:ln w="19050" cap="rnd" cmpd="sng" algn="ctr">
+          <a:solidFill>
+            <a:schemeClr val="lt1">
+              <a:hueOff val="0"/>
+              <a:satOff val="0"/>
+              <a:lumOff val="0"/>
+              <a:alphaOff val="0"/>
+            </a:schemeClr>
+          </a:solidFill>
+          <a:prstDash val="solid"/>
+        </a:ln>
+        <a:effectLst/>
+      </dsp:spPr>
+      <dsp:style>
+        <a:lnRef idx="2">
+          <a:scrgbClr r="0" g="0" b="0"/>
+        </a:lnRef>
+        <a:fillRef idx="1">
+          <a:scrgbClr r="0" g="0" b="0"/>
+        </a:fillRef>
+        <a:effectRef idx="0">
+          <a:scrgbClr r="0" g="0" b="0"/>
+        </a:effectRef>
+        <a:fontRef idx="minor">
+          <a:schemeClr val="lt1"/>
+        </a:fontRef>
+      </dsp:style>
+      <dsp:txBody>
+        <a:bodyPr spcFirstLastPara="0" vert="horz" wrap="square" lIns="128016" tIns="128016" rIns="128016" bIns="68580" numCol="1" spcCol="1270" anchor="t" anchorCtr="0">
+          <a:noAutofit/>
+        </a:bodyPr>
+        <a:lstStyle/>
+        <a:p>
+          <a:pPr lvl="0" algn="l" defTabSz="800100">
+            <a:lnSpc>
+              <a:spcPct val="90000"/>
+            </a:lnSpc>
+            <a:spcBef>
+              <a:spcPct val="0"/>
+            </a:spcBef>
+            <a:spcAft>
+              <a:spcPct val="35000"/>
+            </a:spcAft>
+          </a:pPr>
+          <a:r>
+            <a:rPr lang="de-DE" sz="1800" kern="1200" dirty="0"/>
+            <a:t>01.04. – 22.04.</a:t>
+          </a:r>
+        </a:p>
+      </dsp:txBody>
+      <dsp:txXfrm>
+        <a:off x="1468" y="20430"/>
+        <a:ext cx="1803132" cy="720000"/>
+      </dsp:txXfrm>
+    </dsp:sp>
+    <dsp:sp modelId="{B4CFBC5C-5FE5-455A-9173-02010D30404E}">
+      <dsp:nvSpPr>
+        <dsp:cNvPr id="0" name=""/>
+        <dsp:cNvSpPr/>
+      </dsp:nvSpPr>
+      <dsp:spPr>
+        <a:xfrm>
+          <a:off x="138802" y="594774"/>
+          <a:ext cx="2250291" cy="1275897"/>
+        </a:xfrm>
+        <a:prstGeom prst="roundRect">
+          <a:avLst>
+            <a:gd name="adj" fmla="val 10000"/>
+          </a:avLst>
+        </a:prstGeom>
+        <a:solidFill>
+          <a:schemeClr val="lt1">
+            <a:alpha val="90000"/>
+            <a:hueOff val="0"/>
+            <a:satOff val="0"/>
+            <a:lumOff val="0"/>
+            <a:alphaOff val="0"/>
+          </a:schemeClr>
+        </a:solidFill>
+        <a:ln w="19050" cap="rnd" cmpd="sng" algn="ctr">
+          <a:solidFill>
+            <a:schemeClr val="accent1">
+              <a:hueOff val="0"/>
+              <a:satOff val="0"/>
+              <a:lumOff val="0"/>
+              <a:alphaOff val="0"/>
+            </a:schemeClr>
+          </a:solidFill>
+          <a:prstDash val="solid"/>
+        </a:ln>
+        <a:effectLst/>
+      </dsp:spPr>
+      <dsp:style>
+        <a:lnRef idx="2">
+          <a:scrgbClr r="0" g="0" b="0"/>
+        </a:lnRef>
+        <a:fillRef idx="1">
+          <a:scrgbClr r="0" g="0" b="0"/>
+        </a:fillRef>
+        <a:effectRef idx="0">
+          <a:scrgbClr r="0" g="0" b="0"/>
+        </a:effectRef>
+        <a:fontRef idx="minor"/>
+      </dsp:style>
+      <dsp:txBody>
+        <a:bodyPr spcFirstLastPara="0" vert="horz" wrap="square" lIns="99568" tIns="99568" rIns="99568" bIns="99568" numCol="1" spcCol="1270" anchor="t" anchorCtr="0">
+          <a:noAutofit/>
+        </a:bodyPr>
+        <a:lstStyle/>
+        <a:p>
+          <a:pPr marL="114300" lvl="1" indent="-114300" algn="l" defTabSz="622300">
+            <a:lnSpc>
+              <a:spcPct val="90000"/>
+            </a:lnSpc>
+            <a:spcBef>
+              <a:spcPct val="0"/>
+            </a:spcBef>
+            <a:spcAft>
+              <a:spcPct val="15000"/>
+            </a:spcAft>
+            <a:buChar char="••"/>
+          </a:pPr>
+          <a:r>
+            <a:rPr lang="de-DE" sz="1400" kern="1200" noProof="0" dirty="0" err="1"/>
+            <a:t>Hello</a:t>
+          </a:r>
+          <a:r>
+            <a:rPr lang="de-DE" sz="1400" kern="1200" noProof="0" dirty="0"/>
+            <a:t> World</a:t>
+          </a:r>
+          <a:endParaRPr lang="en-US" sz="1400" kern="1200" noProof="0" dirty="0"/>
+        </a:p>
+        <a:p>
+          <a:pPr marL="114300" lvl="1" indent="-114300" algn="l" defTabSz="622300">
+            <a:lnSpc>
+              <a:spcPct val="90000"/>
+            </a:lnSpc>
+            <a:spcBef>
+              <a:spcPct val="0"/>
+            </a:spcBef>
+            <a:spcAft>
+              <a:spcPct val="15000"/>
+            </a:spcAft>
+            <a:buChar char="••"/>
+          </a:pPr>
+          <a:r>
+            <a:rPr lang="de-DE" sz="1400" kern="1200" noProof="0" dirty="0"/>
+            <a:t>Berechnungen</a:t>
+          </a:r>
+        </a:p>
+        <a:p>
+          <a:pPr marL="114300" lvl="1" indent="-114300" algn="l" defTabSz="622300">
+            <a:lnSpc>
+              <a:spcPct val="90000"/>
+            </a:lnSpc>
+            <a:spcBef>
+              <a:spcPct val="0"/>
+            </a:spcBef>
+            <a:spcAft>
+              <a:spcPct val="15000"/>
+            </a:spcAft>
+            <a:buChar char="••"/>
+          </a:pPr>
+          <a:r>
+            <a:rPr lang="de-DE" sz="1400" b="1" kern="1200" noProof="0" dirty="0"/>
+            <a:t>Machbarkeit</a:t>
+          </a:r>
+        </a:p>
+        <a:p>
+          <a:pPr marL="114300" lvl="1" indent="-114300" algn="l" defTabSz="622300">
+            <a:lnSpc>
+              <a:spcPct val="90000"/>
+            </a:lnSpc>
+            <a:spcBef>
+              <a:spcPct val="0"/>
+            </a:spcBef>
+            <a:spcAft>
+              <a:spcPct val="15000"/>
+            </a:spcAft>
+            <a:buChar char="••"/>
+          </a:pPr>
+          <a:r>
+            <a:rPr lang="de-DE" sz="1400" b="0" kern="1200" noProof="0" dirty="0"/>
+            <a:t>Release 1 </a:t>
+          </a:r>
+        </a:p>
+      </dsp:txBody>
+      <dsp:txXfrm>
+        <a:off x="176172" y="632144"/>
+        <a:ext cx="2175551" cy="1201157"/>
+      </dsp:txXfrm>
+    </dsp:sp>
+    <dsp:sp modelId="{8838DB85-4958-406B-B57D-1BEFE2BD3BE9}">
+      <dsp:nvSpPr>
+        <dsp:cNvPr id="0" name=""/>
+        <dsp:cNvSpPr/>
+      </dsp:nvSpPr>
+      <dsp:spPr>
+        <a:xfrm rot="12260">
+          <a:off x="2127535" y="161554"/>
+          <a:ext cx="684630" cy="448927"/>
+        </a:xfrm>
+        <a:prstGeom prst="rightArrow">
+          <a:avLst>
+            <a:gd name="adj1" fmla="val 60000"/>
+            <a:gd name="adj2" fmla="val 50000"/>
+          </a:avLst>
+        </a:prstGeom>
+        <a:solidFill>
+          <a:schemeClr val="accent1">
+            <a:tint val="60000"/>
+            <a:hueOff val="0"/>
+            <a:satOff val="0"/>
+            <a:lumOff val="0"/>
+            <a:alphaOff val="0"/>
+          </a:schemeClr>
+        </a:solidFill>
+        <a:ln>
+          <a:noFill/>
+        </a:ln>
+        <a:effectLst/>
+      </dsp:spPr>
+      <dsp:style>
+        <a:lnRef idx="0">
+          <a:scrgbClr r="0" g="0" b="0"/>
+        </a:lnRef>
+        <a:fillRef idx="1">
+          <a:scrgbClr r="0" g="0" b="0"/>
+        </a:fillRef>
+        <a:effectRef idx="0">
+          <a:scrgbClr r="0" g="0" b="0"/>
+        </a:effectRef>
+        <a:fontRef idx="minor">
+          <a:schemeClr val="lt1"/>
+        </a:fontRef>
+      </dsp:style>
+      <dsp:txBody>
+        <a:bodyPr spcFirstLastPara="0" vert="horz" wrap="square" lIns="0" tIns="0" rIns="0" bIns="0" numCol="1" spcCol="1270" anchor="ctr" anchorCtr="0">
+          <a:noAutofit/>
+        </a:bodyPr>
+        <a:lstStyle/>
+        <a:p>
+          <a:pPr lvl="0" algn="ctr" defTabSz="889000">
+            <a:lnSpc>
+              <a:spcPct val="90000"/>
+            </a:lnSpc>
+            <a:spcBef>
+              <a:spcPct val="0"/>
+            </a:spcBef>
+            <a:spcAft>
+              <a:spcPct val="35000"/>
+            </a:spcAft>
+          </a:pPr>
+          <a:endParaRPr lang="de-DE" sz="2000" kern="1200"/>
+        </a:p>
+      </dsp:txBody>
+      <dsp:txXfrm>
+        <a:off x="2127535" y="251099"/>
+        <a:ext cx="549952" cy="269357"/>
+      </dsp:txXfrm>
+    </dsp:sp>
+    <dsp:sp modelId="{1CECB436-59EA-4EE7-B987-1511A75FFDDD}">
+      <dsp:nvSpPr>
+        <dsp:cNvPr id="0" name=""/>
+        <dsp:cNvSpPr/>
+      </dsp:nvSpPr>
+      <dsp:spPr>
+        <a:xfrm>
+          <a:off x="3096347" y="31468"/>
+          <a:ext cx="1803132" cy="1080000"/>
+        </a:xfrm>
+        <a:prstGeom prst="roundRect">
+          <a:avLst>
+            <a:gd name="adj" fmla="val 10000"/>
+          </a:avLst>
+        </a:prstGeom>
+        <a:solidFill>
+          <a:schemeClr val="accent1">
+            <a:hueOff val="0"/>
+            <a:satOff val="0"/>
+            <a:lumOff val="0"/>
+            <a:alphaOff val="0"/>
+          </a:schemeClr>
+        </a:solidFill>
+        <a:ln w="19050" cap="rnd" cmpd="sng" algn="ctr">
+          <a:solidFill>
+            <a:schemeClr val="lt1">
+              <a:hueOff val="0"/>
+              <a:satOff val="0"/>
+              <a:lumOff val="0"/>
+              <a:alphaOff val="0"/>
+            </a:schemeClr>
+          </a:solidFill>
+          <a:prstDash val="solid"/>
+        </a:ln>
+        <a:effectLst/>
+      </dsp:spPr>
+      <dsp:style>
+        <a:lnRef idx="2">
+          <a:scrgbClr r="0" g="0" b="0"/>
+        </a:lnRef>
+        <a:fillRef idx="1">
+          <a:scrgbClr r="0" g="0" b="0"/>
+        </a:fillRef>
+        <a:effectRef idx="0">
+          <a:scrgbClr r="0" g="0" b="0"/>
+        </a:effectRef>
+        <a:fontRef idx="minor">
+          <a:schemeClr val="lt1"/>
+        </a:fontRef>
+      </dsp:style>
+      <dsp:txBody>
+        <a:bodyPr spcFirstLastPara="0" vert="horz" wrap="square" lIns="128016" tIns="128016" rIns="128016" bIns="68580" numCol="1" spcCol="1270" anchor="t" anchorCtr="0">
+          <a:noAutofit/>
+        </a:bodyPr>
+        <a:lstStyle/>
+        <a:p>
+          <a:pPr lvl="0" algn="l" defTabSz="800100">
+            <a:lnSpc>
+              <a:spcPct val="90000"/>
+            </a:lnSpc>
+            <a:spcBef>
+              <a:spcPct val="0"/>
+            </a:spcBef>
+            <a:spcAft>
+              <a:spcPct val="35000"/>
+            </a:spcAft>
+          </a:pPr>
+          <a:r>
+            <a:rPr lang="de-DE" sz="1800" kern="1200" dirty="0"/>
+            <a:t>22.04. – 12.05. </a:t>
+          </a:r>
+        </a:p>
+      </dsp:txBody>
+      <dsp:txXfrm>
+        <a:off x="3096347" y="31468"/>
+        <a:ext cx="1803132" cy="720000"/>
+      </dsp:txXfrm>
+    </dsp:sp>
+    <dsp:sp modelId="{CC7BC82B-88C8-4450-A7A0-D0977501C167}">
+      <dsp:nvSpPr>
+        <dsp:cNvPr id="0" name=""/>
+        <dsp:cNvSpPr/>
+      </dsp:nvSpPr>
+      <dsp:spPr>
+        <a:xfrm>
+          <a:off x="3258907" y="594774"/>
+          <a:ext cx="2250291" cy="1275897"/>
+        </a:xfrm>
+        <a:prstGeom prst="roundRect">
+          <a:avLst>
+            <a:gd name="adj" fmla="val 10000"/>
+          </a:avLst>
+        </a:prstGeom>
+        <a:solidFill>
+          <a:schemeClr val="lt1">
+            <a:alpha val="90000"/>
+            <a:hueOff val="0"/>
+            <a:satOff val="0"/>
+            <a:lumOff val="0"/>
+            <a:alphaOff val="0"/>
+          </a:schemeClr>
+        </a:solidFill>
+        <a:ln w="19050" cap="rnd" cmpd="sng" algn="ctr">
+          <a:solidFill>
+            <a:schemeClr val="accent1">
+              <a:hueOff val="0"/>
+              <a:satOff val="0"/>
+              <a:lumOff val="0"/>
+              <a:alphaOff val="0"/>
+            </a:schemeClr>
+          </a:solidFill>
+          <a:prstDash val="solid"/>
+        </a:ln>
+        <a:effectLst/>
+      </dsp:spPr>
+      <dsp:style>
+        <a:lnRef idx="2">
+          <a:scrgbClr r="0" g="0" b="0"/>
+        </a:lnRef>
+        <a:fillRef idx="1">
+          <a:scrgbClr r="0" g="0" b="0"/>
+        </a:fillRef>
+        <a:effectRef idx="0">
+          <a:scrgbClr r="0" g="0" b="0"/>
+        </a:effectRef>
+        <a:fontRef idx="minor"/>
+      </dsp:style>
+      <dsp:txBody>
+        <a:bodyPr spcFirstLastPara="0" vert="horz" wrap="square" lIns="99568" tIns="99568" rIns="99568" bIns="99568" numCol="1" spcCol="1270" anchor="t" anchorCtr="0">
+          <a:noAutofit/>
+        </a:bodyPr>
+        <a:lstStyle/>
+        <a:p>
+          <a:pPr marL="114300" lvl="1" indent="-114300" algn="l" defTabSz="622300">
+            <a:lnSpc>
+              <a:spcPct val="90000"/>
+            </a:lnSpc>
+            <a:spcBef>
+              <a:spcPct val="0"/>
+            </a:spcBef>
+            <a:spcAft>
+              <a:spcPct val="15000"/>
+            </a:spcAft>
+            <a:buChar char="••"/>
+          </a:pPr>
+          <a:r>
+            <a:rPr lang="de-DE" sz="1400" kern="1200" noProof="0" dirty="0"/>
+            <a:t>Graphische Schnittstelle</a:t>
+          </a:r>
+          <a:endParaRPr lang="en-US" sz="1400" kern="1200" noProof="0" dirty="0"/>
+        </a:p>
+        <a:p>
+          <a:pPr marL="114300" lvl="1" indent="-114300" algn="l" defTabSz="622300">
+            <a:lnSpc>
+              <a:spcPct val="90000"/>
+            </a:lnSpc>
+            <a:spcBef>
+              <a:spcPct val="0"/>
+            </a:spcBef>
+            <a:spcAft>
+              <a:spcPct val="15000"/>
+            </a:spcAft>
+            <a:buChar char="••"/>
+          </a:pPr>
+          <a:r>
+            <a:rPr lang="de-DE" sz="1400" b="1" kern="1200" noProof="0" dirty="0"/>
+            <a:t>Prototype</a:t>
+          </a:r>
+        </a:p>
+        <a:p>
+          <a:pPr marL="114300" lvl="1" indent="-114300" algn="l" defTabSz="622300">
+            <a:lnSpc>
+              <a:spcPct val="90000"/>
+            </a:lnSpc>
+            <a:spcBef>
+              <a:spcPct val="0"/>
+            </a:spcBef>
+            <a:spcAft>
+              <a:spcPct val="15000"/>
+            </a:spcAft>
+            <a:buChar char="••"/>
+          </a:pPr>
+          <a:r>
+            <a:rPr lang="de-DE" sz="1400" b="0" kern="1200" noProof="0" dirty="0"/>
+            <a:t>Release 2</a:t>
+          </a:r>
+        </a:p>
+      </dsp:txBody>
+      <dsp:txXfrm>
+        <a:off x="3296277" y="632144"/>
+        <a:ext cx="2175551" cy="1201157"/>
+      </dsp:txXfrm>
+    </dsp:sp>
+    <dsp:sp modelId="{EF68DD77-C1B6-48A2-A315-5A5D9009C8BD}">
+      <dsp:nvSpPr>
+        <dsp:cNvPr id="0" name=""/>
+        <dsp:cNvSpPr/>
+      </dsp:nvSpPr>
+      <dsp:spPr>
+        <a:xfrm rot="21587936">
+          <a:off x="5235027" y="161414"/>
+          <a:ext cx="711369" cy="448927"/>
+        </a:xfrm>
+        <a:prstGeom prst="rightArrow">
+          <a:avLst>
+            <a:gd name="adj1" fmla="val 60000"/>
+            <a:gd name="adj2" fmla="val 50000"/>
+          </a:avLst>
+        </a:prstGeom>
+        <a:solidFill>
+          <a:schemeClr val="accent1">
+            <a:tint val="60000"/>
+            <a:hueOff val="0"/>
+            <a:satOff val="0"/>
+            <a:lumOff val="0"/>
+            <a:alphaOff val="0"/>
+          </a:schemeClr>
+        </a:solidFill>
+        <a:ln>
+          <a:noFill/>
+        </a:ln>
+        <a:effectLst/>
+      </dsp:spPr>
+      <dsp:style>
+        <a:lnRef idx="0">
+          <a:scrgbClr r="0" g="0" b="0"/>
+        </a:lnRef>
+        <a:fillRef idx="1">
+          <a:scrgbClr r="0" g="0" b="0"/>
+        </a:fillRef>
+        <a:effectRef idx="0">
+          <a:scrgbClr r="0" g="0" b="0"/>
+        </a:effectRef>
+        <a:fontRef idx="minor">
+          <a:schemeClr val="lt1"/>
+        </a:fontRef>
+      </dsp:style>
+      <dsp:txBody>
+        <a:bodyPr spcFirstLastPara="0" vert="horz" wrap="square" lIns="0" tIns="0" rIns="0" bIns="0" numCol="1" spcCol="1270" anchor="ctr" anchorCtr="0">
+          <a:noAutofit/>
+        </a:bodyPr>
+        <a:lstStyle/>
+        <a:p>
+          <a:pPr lvl="0" algn="ctr" defTabSz="889000">
+            <a:lnSpc>
+              <a:spcPct val="90000"/>
+            </a:lnSpc>
+            <a:spcBef>
+              <a:spcPct val="0"/>
+            </a:spcBef>
+            <a:spcAft>
+              <a:spcPct val="35000"/>
+            </a:spcAft>
+          </a:pPr>
+          <a:endParaRPr lang="de-DE" sz="2000" kern="1200"/>
+        </a:p>
+      </dsp:txBody>
+      <dsp:txXfrm>
+        <a:off x="5235027" y="251435"/>
+        <a:ext cx="576691" cy="269357"/>
+      </dsp:txXfrm>
+    </dsp:sp>
+    <dsp:sp modelId="{E61AF653-E672-4D85-B05C-506B3837300F}">
+      <dsp:nvSpPr>
+        <dsp:cNvPr id="0" name=""/>
+        <dsp:cNvSpPr/>
+      </dsp:nvSpPr>
+      <dsp:spPr>
+        <a:xfrm>
+          <a:off x="6241678" y="20430"/>
+          <a:ext cx="1803132" cy="1080000"/>
+        </a:xfrm>
+        <a:prstGeom prst="roundRect">
+          <a:avLst>
+            <a:gd name="adj" fmla="val 10000"/>
+          </a:avLst>
+        </a:prstGeom>
+        <a:solidFill>
+          <a:schemeClr val="accent1">
+            <a:hueOff val="0"/>
+            <a:satOff val="0"/>
+            <a:lumOff val="0"/>
+            <a:alphaOff val="0"/>
+          </a:schemeClr>
+        </a:solidFill>
+        <a:ln w="19050" cap="rnd" cmpd="sng" algn="ctr">
+          <a:solidFill>
+            <a:schemeClr val="lt1">
+              <a:hueOff val="0"/>
+              <a:satOff val="0"/>
+              <a:lumOff val="0"/>
+              <a:alphaOff val="0"/>
+            </a:schemeClr>
+          </a:solidFill>
+          <a:prstDash val="solid"/>
+        </a:ln>
+        <a:effectLst/>
+      </dsp:spPr>
+      <dsp:style>
+        <a:lnRef idx="2">
+          <a:scrgbClr r="0" g="0" b="0"/>
+        </a:lnRef>
+        <a:fillRef idx="1">
+          <a:scrgbClr r="0" g="0" b="0"/>
+        </a:fillRef>
+        <a:effectRef idx="0">
+          <a:scrgbClr r="0" g="0" b="0"/>
+        </a:effectRef>
+        <a:fontRef idx="minor">
+          <a:schemeClr val="lt1"/>
+        </a:fontRef>
+      </dsp:style>
+      <dsp:txBody>
+        <a:bodyPr spcFirstLastPara="0" vert="horz" wrap="square" lIns="128016" tIns="128016" rIns="128016" bIns="68580" numCol="1" spcCol="1270" anchor="t" anchorCtr="0">
+          <a:noAutofit/>
+        </a:bodyPr>
+        <a:lstStyle/>
+        <a:p>
+          <a:pPr lvl="0" algn="l" defTabSz="800100">
+            <a:lnSpc>
+              <a:spcPct val="90000"/>
+            </a:lnSpc>
+            <a:spcBef>
+              <a:spcPct val="0"/>
+            </a:spcBef>
+            <a:spcAft>
+              <a:spcPct val="35000"/>
+            </a:spcAft>
+          </a:pPr>
+          <a:r>
+            <a:rPr lang="de-DE" sz="1800" kern="1200" dirty="0"/>
+            <a:t>12.05. - 02.06. </a:t>
+          </a:r>
+        </a:p>
+      </dsp:txBody>
+      <dsp:txXfrm>
+        <a:off x="6241678" y="20430"/>
+        <a:ext cx="1803132" cy="720000"/>
+      </dsp:txXfrm>
+    </dsp:sp>
+    <dsp:sp modelId="{D714A475-5F2F-4325-9491-FF3C60773241}">
+      <dsp:nvSpPr>
+        <dsp:cNvPr id="0" name=""/>
+        <dsp:cNvSpPr/>
+      </dsp:nvSpPr>
+      <dsp:spPr>
+        <a:xfrm>
+          <a:off x="6379013" y="594774"/>
+          <a:ext cx="2250291" cy="1275897"/>
+        </a:xfrm>
+        <a:prstGeom prst="roundRect">
+          <a:avLst>
+            <a:gd name="adj" fmla="val 10000"/>
+          </a:avLst>
+        </a:prstGeom>
+        <a:solidFill>
+          <a:schemeClr val="lt1">
+            <a:alpha val="90000"/>
+            <a:hueOff val="0"/>
+            <a:satOff val="0"/>
+            <a:lumOff val="0"/>
+            <a:alphaOff val="0"/>
+          </a:schemeClr>
+        </a:solidFill>
+        <a:ln w="19050" cap="rnd" cmpd="sng" algn="ctr">
+          <a:solidFill>
+            <a:schemeClr val="accent1">
+              <a:hueOff val="0"/>
+              <a:satOff val="0"/>
+              <a:lumOff val="0"/>
+              <a:alphaOff val="0"/>
+            </a:schemeClr>
+          </a:solidFill>
+          <a:prstDash val="solid"/>
+        </a:ln>
+        <a:effectLst/>
+      </dsp:spPr>
+      <dsp:style>
+        <a:lnRef idx="2">
+          <a:scrgbClr r="0" g="0" b="0"/>
+        </a:lnRef>
+        <a:fillRef idx="1">
+          <a:scrgbClr r="0" g="0" b="0"/>
+        </a:fillRef>
+        <a:effectRef idx="0">
+          <a:scrgbClr r="0" g="0" b="0"/>
+        </a:effectRef>
+        <a:fontRef idx="minor"/>
+      </dsp:style>
+      <dsp:txBody>
+        <a:bodyPr spcFirstLastPara="0" vert="horz" wrap="square" lIns="99568" tIns="99568" rIns="99568" bIns="99568" numCol="1" spcCol="1270" anchor="t" anchorCtr="0">
+          <a:noAutofit/>
+        </a:bodyPr>
+        <a:lstStyle/>
+        <a:p>
+          <a:pPr marL="114300" lvl="1" indent="-114300" algn="l" defTabSz="622300">
+            <a:lnSpc>
+              <a:spcPct val="90000"/>
+            </a:lnSpc>
+            <a:spcBef>
+              <a:spcPct val="0"/>
+            </a:spcBef>
+            <a:spcAft>
+              <a:spcPct val="15000"/>
+            </a:spcAft>
+            <a:buChar char="••"/>
+          </a:pPr>
+          <a:r>
+            <a:rPr lang="de-DE" sz="1400" b="1" kern="1200" noProof="0" dirty="0"/>
+            <a:t>CATIA - Anbindung</a:t>
+          </a:r>
+          <a:endParaRPr lang="en-US" sz="1400" b="1" kern="1200" noProof="0" dirty="0"/>
+        </a:p>
+        <a:p>
+          <a:pPr marL="114300" lvl="1" indent="-114300" algn="l" defTabSz="622300">
+            <a:lnSpc>
+              <a:spcPct val="90000"/>
+            </a:lnSpc>
+            <a:spcBef>
+              <a:spcPct val="0"/>
+            </a:spcBef>
+            <a:spcAft>
+              <a:spcPct val="15000"/>
+            </a:spcAft>
+            <a:buChar char="••"/>
+          </a:pPr>
+          <a:r>
+            <a:rPr lang="de-DE" sz="1400" b="1" kern="1200" noProof="0" dirty="0"/>
+            <a:t>Lösung</a:t>
+          </a:r>
+        </a:p>
+        <a:p>
+          <a:pPr marL="114300" lvl="1" indent="-114300" algn="l" defTabSz="622300">
+            <a:lnSpc>
+              <a:spcPct val="90000"/>
+            </a:lnSpc>
+            <a:spcBef>
+              <a:spcPct val="0"/>
+            </a:spcBef>
+            <a:spcAft>
+              <a:spcPct val="15000"/>
+            </a:spcAft>
+            <a:buChar char="••"/>
+          </a:pPr>
+          <a:r>
+            <a:rPr lang="de-DE" sz="1400" b="0" kern="1200" noProof="0" dirty="0"/>
+            <a:t>Release 3</a:t>
+          </a:r>
+        </a:p>
+      </dsp:txBody>
+      <dsp:txXfrm>
+        <a:off x="6416383" y="632144"/>
+        <a:ext cx="2175551" cy="1201157"/>
+      </dsp:txXfrm>
+    </dsp:sp>
+  </dsp:spTree>
+</dsp:drawing>
+</file>
+
+<file path=ppt/diagrams/layout1.xml><?xml version="1.0" encoding="utf-8"?>
+<dgm:layoutDef xmlns:dgm="http://schemas.openxmlformats.org/drawingml/2006/diagram" xmlns:a="http://schemas.openxmlformats.org/drawingml/2006/main" uniqueId="urn:microsoft.com/office/officeart/2005/8/layout/process3">
+  <dgm:title val=""/>
+  <dgm:desc val=""/>
+  <dgm:catLst>
+    <dgm:cat type="process" pri="2000"/>
+  </dgm:catLst>
+  <dgm:sampData>
+    <dgm:dataModel>
+      <dgm:ptLst>
+        <dgm:pt modelId="0" type="doc"/>
+        <dgm:pt modelId="1">
+          <dgm:prSet phldr="1"/>
+        </dgm:pt>
+        <dgm:pt modelId="11">
+          <dgm:prSet phldr="1"/>
+        </dgm:pt>
+        <dgm:pt modelId="2">
+          <dgm:prSet phldr="1"/>
+        </dgm:pt>
+        <dgm:pt modelId="21">
+          <dgm:prSet phldr="1"/>
+        </dgm:pt>
+        <dgm:pt modelId="3">
+          <dgm:prSet phldr="1"/>
+        </dgm:pt>
+        <dgm:pt modelId="31">
+          <dgm:prSet phldr="1"/>
+        </dgm:pt>
+      </dgm:ptLst>
+      <dgm:cxnLst>
+        <dgm:cxn modelId="4" srcId="0" destId="1" srcOrd="0" destOrd="0"/>
+        <dgm:cxn modelId="5" srcId="0" destId="2" srcOrd="1" destOrd="0"/>
+        <dgm:cxn modelId="6" srcId="0" destId="3" srcOrd="3" destOrd="0"/>
+        <dgm:cxn modelId="12" srcId="1" destId="11" srcOrd="0" destOrd="0"/>
+        <dgm:cxn modelId="23" srcId="2" destId="21" srcOrd="0" destOrd="0"/>
+        <dgm:cxn modelId="34" srcId="3" destId="31" srcOrd="0" destOrd="0"/>
+      </dgm:cxnLst>
+      <dgm:bg/>
+      <dgm:whole/>
+    </dgm:dataModel>
+  </dgm:sampData>
+  <dgm:styleData>
+    <dgm:dataModel>
+      <dgm:ptLst>
+        <dgm:pt modelId="0" type="doc"/>
+        <dgm:pt modelId="1">
+          <dgm:prSet phldr="1"/>
+        </dgm:pt>
+        <dgm:pt modelId="11">
+          <dgm:prSet phldr="1"/>
+        </dgm:pt>
+        <dgm:pt modelId="2">
+          <dgm:prSet phldr="1"/>
+        </dgm:pt>
+        <dgm:pt modelId="21">
+          <dgm:prSet phldr="1"/>
+        </dgm:pt>
+      </dgm:ptLst>
+      <dgm:cxnLst>
+        <dgm:cxn modelId="4" srcId="0" destId="1" srcOrd="0" destOrd="0"/>
+        <dgm:cxn modelId="5" srcId="0" destId="2" srcOrd="1" destOrd="0"/>
+        <dgm:cxn modelId="13" srcId="1" destId="11" srcOrd="0" destOrd="0"/>
+        <dgm:cxn modelId="23" srcId="2" destId="21" srcOrd="0" destOrd="0"/>
+      </dgm:cxnLst>
+      <dgm:bg/>
+      <dgm:whole/>
+    </dgm:dataModel>
+  </dgm:styleData>
+  <dgm:clrData>
+    <dgm:dataModel>
+      <dgm:ptLst>
+        <dgm:pt modelId="0" type="doc"/>
+        <dgm:pt modelId="1">
+          <dgm:prSet phldr="1"/>
+        </dgm:pt>
+        <dgm:pt modelId="11">
+          <dgm:prSet phldr="1"/>
+        </dgm:pt>
+        <dgm:pt modelId="2">
+          <dgm:prSet phldr="1"/>
+        </dgm:pt>
+        <dgm:pt modelId="21">
+          <dgm:prSet phldr="1"/>
+        </dgm:pt>
+        <dgm:pt modelId="3">
+          <dgm:prSet phldr="1"/>
+        </dgm:pt>
+        <dgm:pt modelId="31">
+          <dgm:prSet phldr="1"/>
+        </dgm:pt>
+        <dgm:pt modelId="4">
+          <dgm:prSet phldr="1"/>
+        </dgm:pt>
+        <dgm:pt modelId="41">
+          <dgm:prSet phldr="1"/>
+        </dgm:pt>
+      </dgm:ptLst>
+      <dgm:cxnLst>
+        <dgm:cxn modelId="5" srcId="0" destId="1" srcOrd="0" destOrd="0"/>
+        <dgm:cxn modelId="6" srcId="0" destId="2" srcOrd="1" destOrd="0"/>
+        <dgm:cxn modelId="7" srcId="0" destId="3" srcOrd="2" destOrd="0"/>
+        <dgm:cxn modelId="8" srcId="0" destId="4" srcOrd="3" destOrd="0"/>
+        <dgm:cxn modelId="13" srcId="1" destId="11" srcOrd="0" destOrd="0"/>
+        <dgm:cxn modelId="23" srcId="2" destId="21" srcOrd="0" destOrd="0"/>
+        <dgm:cxn modelId="33" srcId="3" destId="31" srcOrd="0" destOrd="0"/>
+        <dgm:cxn modelId="43" srcId="4" destId="41" srcOrd="0" destOrd="0"/>
+      </dgm:cxnLst>
+      <dgm:bg/>
+      <dgm:whole/>
+    </dgm:dataModel>
+  </dgm:clrData>
+  <dgm:layoutNode name="linearFlow">
+    <dgm:varLst>
+      <dgm:dir/>
+      <dgm:animLvl val="lvl"/>
+      <dgm:resizeHandles val="exact"/>
+    </dgm:varLst>
+    <dgm:choose name="Name0">
+      <dgm:if name="Name1" func="var" arg="dir" op="equ" val="norm">
+        <dgm:alg type="lin"/>
+      </dgm:if>
+      <dgm:else name="Name2">
+        <dgm:alg type="lin">
+          <dgm:param type="linDir" val="fromR"/>
+        </dgm:alg>
+      </dgm:else>
+    </dgm:choose>
+    <dgm:shape xmlns:r="http://schemas.openxmlformats.org/officeDocument/2006/relationships" r:blip="">
+      <dgm:adjLst/>
+    </dgm:shape>
+    <dgm:presOf/>
+    <dgm:constrLst>
+      <dgm:constr type="w" for="ch" forName="composite" refType="w"/>
+      <dgm:constr type="w" for="ch" ptType="sibTrans" refType="w" refFor="ch" refForName="composite" fact="0.3333"/>
+      <dgm:constr type="w" for="des" forName="parTx"/>
+      <dgm:constr type="h" for="des" forName="parTx" op="equ"/>
+      <dgm:constr type="h" for="des" forName="parSh" op="equ"/>
+      <dgm:constr type="w" for="des" forName="desTx"/>
+      <dgm:constr type="h" for="des" forName="desTx" op="equ"/>
+      <dgm:constr type="w" for="des" forName="parSh"/>
+      <dgm:constr type="primFontSz" for="des" forName="parTx" val="65"/>
+      <dgm:constr type="secFontSz" for="des" forName="desTx" refType="primFontSz" refFor="des" refForName="parTx" op="equ"/>
+      <dgm:constr type="primFontSz" for="des" forName="connTx" refType="primFontSz" refFor="des" refForName="parTx" fact="0.8"/>
+      <dgm:constr type="primFontSz" for="des" forName="connTx" refType="primFontSz" refFor="des" refForName="parTx" op="lte" fact="0.8"/>
+      <dgm:constr type="h" for="des" forName="parTx" refType="primFontSz" refFor="des" refForName="parTx" fact="0.8"/>
+      <dgm:constr type="h" for="des" forName="parSh" refType="primFontSz" refFor="des" refForName="parTx" fact="1.2"/>
+      <dgm:constr type="h" for="des" forName="desTx" refType="primFontSz" refFor="des" refForName="parTx" fact="1.6"/>
+      <dgm:constr type="h" for="des" forName="parSh" refType="h" refFor="des" refForName="parTx" op="lte" fact="1.5"/>
+      <dgm:constr type="h" for="des" forName="parSh" refType="h" refFor="des" refForName="parTx" op="gte" fact="1.5"/>
+    </dgm:constrLst>
+    <dgm:ruleLst>
+      <dgm:rule type="w" for="ch" forName="composite" val="0" fact="NaN" max="NaN"/>
+      <dgm:rule type="primFontSz" for="des" forName="parTx" val="5" fact="NaN" max="NaN"/>
+    </dgm:ruleLst>
+    <dgm:forEach name="Name3" axis="ch" ptType="node">
+      <dgm:layoutNode name="composite">
+        <dgm:alg type="composite"/>
+        <dgm:shape xmlns:r="http://schemas.openxmlformats.org/officeDocument/2006/relationships" r:blip="">
+          <dgm:adjLst/>
+        </dgm:shape>
+        <dgm:presOf/>
+        <dgm:choose name="Name4">
+          <dgm:if name="Name5" func="var" arg="dir" op="equ" val="norm">
+            <dgm:constrLst>
+              <dgm:constr type="h" refType="w" fact="1000"/>
+              <dgm:constr type="l" for="ch" forName="parTx"/>
+              <dgm:constr type="w" for="ch" forName="parTx" refType="w" fact="0.83"/>
+              <dgm:constr type="t" for="ch" forName="parTx"/>
+              <dgm:constr type="l" for="ch" forName="parSh"/>
+              <dgm:constr type="w" for="ch" forName="parSh" refType="w" refFor="ch" refForName="parTx"/>
+              <dgm:constr type="t" for="ch" forName="parSh"/>
+              <dgm:constr type="l" for="ch" forName="desTx" refType="w" fact="0.17"/>
+              <dgm:constr type="w" for="ch" forName="desTx" refType="w" refFor="ch" refForName="parTx"/>
+              <dgm:constr type="t" for="ch" forName="desTx" refType="h" refFor="ch" refForName="parTx"/>
+            </dgm:constrLst>
+          </dgm:if>
+          <dgm:else name="Name6">
+            <dgm:constrLst>
+              <dgm:constr type="h" refType="w" fact="1000"/>
+              <dgm:constr type="l" for="ch" forName="parTx" refType="w" fact="0.17"/>
+              <dgm:constr type="w" for="ch" forName="parTx" refType="w" fact="0.83"/>
+              <dgm:constr type="t" for="ch" forName="parTx"/>
+              <dgm:constr type="l" for="ch" forName="parSh" refType="w" fact="0.15"/>
+              <dgm:constr type="w" for="ch" forName="parSh" refType="w" refFor="ch" refForName="parTx"/>
+              <dgm:constr type="t" for="ch" forName="parSh"/>
+              <dgm:constr type="l" for="ch" forName="desTx"/>
+              <dgm:constr type="w" for="ch" forName="desTx" refType="w" refFor="ch" refForName="parTx"/>
+              <dgm:constr type="t" for="ch" forName="desTx" refType="h" refFor="ch" refForName="parTx"/>
+            </dgm:constrLst>
+          </dgm:else>
+        </dgm:choose>
+        <dgm:ruleLst>
+          <dgm:rule type="h" val="INF" fact="NaN" max="NaN"/>
+        </dgm:ruleLst>
+        <dgm:layoutNode name="parTx">
+          <dgm:varLst>
+            <dgm:chMax val="0"/>
+            <dgm:chPref val="0"/>
+            <dgm:bulletEnabled val="1"/>
+          </dgm:varLst>
+          <dgm:alg type="tx">
+            <dgm:param type="parTxLTRAlign" val="l"/>
+            <dgm:param type="parTxRTLAlign" val="r"/>
+            <dgm:param type="txAnchorVert" val="t"/>
+          </dgm:alg>
+          <dgm:shape xmlns:r="http://schemas.openxmlformats.org/officeDocument/2006/relationships" type="rect" r:blip="" zOrderOff="1" hideGeom="1">
+            <dgm:adjLst>
+              <dgm:adj idx="1" val="0.1"/>
+            </dgm:adjLst>
+          </dgm:shape>
+          <dgm:presOf axis="self" ptType="node"/>
+          <dgm:constrLst>
+            <dgm:constr type="h" refType="w" op="lte" fact="0.4"/>
+            <dgm:constr type="bMarg" refType="primFontSz" fact="0.3"/>
+            <dgm:constr type="h"/>
+          </dgm:constrLst>
+          <dgm:ruleLst>
+            <dgm:rule type="h" val="INF" fact="NaN" max="NaN"/>
+          </dgm:ruleLst>
+        </dgm:layoutNode>
+        <dgm:layoutNode name="parSh">
+          <dgm:alg type="sp"/>
+          <dgm:shape xmlns:r="http://schemas.openxmlformats.org/officeDocument/2006/relationships" type="roundRect" r:blip="">
+            <dgm:adjLst>
+              <dgm:adj idx="1" val="0.1"/>
+            </dgm:adjLst>
+          </dgm:shape>
+          <dgm:presOf axis="self" ptType="node"/>
+          <dgm:constrLst>
+            <dgm:constr type="h"/>
+          </dgm:constrLst>
+          <dgm:ruleLst/>
+        </dgm:layoutNode>
+        <dgm:layoutNode name="desTx" styleLbl="fgAcc1">
+          <dgm:varLst>
+            <dgm:bulletEnabled val="1"/>
+          </dgm:varLst>
+          <dgm:alg type="tx">
+            <dgm:param type="stBulletLvl" val="1"/>
+          </dgm:alg>
+          <dgm:shape xmlns:r="http://schemas.openxmlformats.org/officeDocument/2006/relationships" type="roundRect" r:blip="">
+            <dgm:adjLst>
+              <dgm:adj idx="1" val="0.1"/>
+            </dgm:adjLst>
+          </dgm:shape>
+          <dgm:presOf axis="des" ptType="node"/>
+          <dgm:constrLst>
+            <dgm:constr type="secFontSz" val="65"/>
+            <dgm:constr type="primFontSz" refType="secFontSz"/>
+            <dgm:constr type="h"/>
+          </dgm:constrLst>
+          <dgm:ruleLst>
+            <dgm:rule type="h" val="INF" fact="NaN" max="NaN"/>
+          </dgm:ruleLst>
+        </dgm:layoutNode>
+      </dgm:layoutNode>
+      <dgm:forEach name="sibTransForEach" axis="followSib" ptType="sibTrans" cnt="1">
+        <dgm:layoutNode name="sibTrans">
+          <dgm:alg type="conn">
+            <dgm:param type="begPts" val="auto"/>
+            <dgm:param type="endPts" val="auto"/>
+            <dgm:param type="srcNode" val="parTx"/>
+            <dgm:param type="dstNode" val="parTx"/>
+          </dgm:alg>
+          <dgm:shape xmlns:r="http://schemas.openxmlformats.org/officeDocument/2006/relationships" type="conn" r:blip="">
+            <dgm:adjLst/>
+          </dgm:shape>
+          <dgm:presOf axis="self"/>
+          <dgm:constrLst>
+            <dgm:constr type="h" refType="w" fact="0.62"/>
+            <dgm:constr type="connDist"/>
+            <dgm:constr type="begPad" refType="connDist" fact="0.25"/>
+            <dgm:constr type="endPad" refType="connDist" fact="0.22"/>
+          </dgm:constrLst>
+          <dgm:ruleLst/>
+          <dgm:layoutNode name="connTx">
+            <dgm:alg type="tx">
+              <dgm:param type="autoTxRot" val="grav"/>
+            </dgm:alg>
+            <dgm:shape xmlns:r="http://schemas.openxmlformats.org/officeDocument/2006/relationships" type="conn" r:blip="" hideGeom="1">
+              <dgm:adjLst/>
+            </dgm:shape>
+            <dgm:presOf axis="self"/>
+            <dgm:constrLst>
+              <dgm:constr type="lMarg"/>
+              <dgm:constr type="rMarg"/>
+              <dgm:constr type="tMarg"/>
+              <dgm:constr type="bMarg"/>
+            </dgm:constrLst>
+            <dgm:ruleLst>
+              <dgm:rule type="primFontSz" val="5" fact="NaN" max="NaN"/>
+            </dgm:ruleLst>
+          </dgm:layoutNode>
+        </dgm:layoutNode>
+      </dgm:forEach>
+    </dgm:forEach>
+  </dgm:layoutNode>
+</dgm:layoutDef>
+</file>
+
+<file path=ppt/diagrams/quickStyle1.xml><?xml version="1.0" encoding="utf-8"?>
+<dgm:styleDef xmlns:dgm="http://schemas.openxmlformats.org/drawingml/2006/diagram" xmlns:a="http://schemas.openxmlformats.org/drawingml/2006/main" uniqueId="urn:microsoft.com/office/officeart/2005/8/quickstyle/simple1">
+  <dgm:title val=""/>
+  <dgm:desc val=""/>
+  <dgm:catLst>
+    <dgm:cat type="simple" pri="10100"/>
+  </dgm:catLst>
+  <dgm:scene3d>
+    <a:camera prst="orthographicFront"/>
+    <a:lightRig rig="threePt" dir="t"/>
+  </dgm:scene3d>
+  <dgm:styleLbl name="node0">
+    <dgm:scene3d>
+      <a:camera prst="orthographicFront"/>
+      <a:lightRig rig="threePt" dir="t"/>
+    </dgm:scene3d>
+    <dgm:sp3d/>
+    <dgm:txPr/>
+    <dgm:style>
+      <a:lnRef idx="2">
+        <a:scrgbClr r="0" g="0" b="0"/>
+      </a:lnRef>
+      <a:fillRef idx="1">
+        <a:scrgbClr r="0" g="0" b="0"/>
+      </a:fillRef>
+      <a:effectRef idx="0">
+        <a:scrgbClr r="0" g="0" b="0"/>
+      </a:effectRef>
+      <a:fontRef idx="minor">
+        <a:schemeClr val="lt1"/>
+      </a:fontRef>
+    </dgm:style>
+  </dgm:styleLbl>
+  <dgm:styleLbl name="lnNode1">
+    <dgm:scene3d>
+      <a:camera prst="orthographicFront"/>
+      <a:lightRig rig="threePt" dir="t"/>
+    </dgm:scene3d>
+    <dgm:sp3d/>
+    <dgm:txPr/>
+    <dgm:style>
+      <a:lnRef idx="2">
+        <a:scrgbClr r="0" g="0" b="0"/>
+      </a:lnRef>
+      <a:fillRef idx="1">
+        <a:scrgbClr r="0" g="0" b="0"/>
+      </a:fillRef>
+      <a:effectRef idx="0">
+        <a:scrgbClr r="0" g="0" b="0"/>
+      </a:effectRef>
+      <a:fontRef idx="minor">
+        <a:schemeClr val="lt1"/>
+      </a:fontRef>
+    </dgm:style>
+  </dgm:styleLbl>
+  <dgm:styleLbl name="vennNode1">
+    <dgm:scene3d>
+      <a:camera prst="orthographicFront"/>
+      <a:lightRig rig="threePt" dir="t"/>
+    </dgm:scene3d>
+    <dgm:sp3d/>
+    <dgm:txPr/>
+    <dgm:style>
+      <a:lnRef idx="2">
+        <a:scrgbClr r="0" g="0" b="0"/>
+      </a:lnRef>
+      <a:fillRef idx="1">
+        <a:scrgbClr r="0" g="0" b="0"/>
+      </a:fillRef>
+      <a:effectRef idx="0">
+        <a:scrgbClr r="0" g="0" b="0"/>
+      </a:effectRef>
+      <a:fontRef idx="minor">
+        <a:schemeClr val="tx1"/>
+      </a:fontRef>
+    </dgm:style>
+  </dgm:styleLbl>
+  <dgm:styleLbl name="alignNode1">
+    <dgm:scene3d>
+      <a:camera prst="orthographicFront"/>
+      <a:lightRig rig="threePt" dir="t"/>
+    </dgm:scene3d>
+    <dgm:sp3d/>
+    <dgm:txPr/>
+    <dgm:style>
+      <a:lnRef idx="2">
+        <a:scrgbClr r="0" g="0" b="0"/>
+      </a:lnRef>
+      <a:fillRef idx="1">
+        <a:scrgbClr r="0" g="0" b="0"/>
+      </a:fillRef>
+      <a:effectRef idx="0">
+        <a:scrgbClr r="0" g="0" b="0"/>
+      </a:effectRef>
+      <a:fontRef idx="minor">
+        <a:schemeClr val="lt1"/>
+      </a:fontRef>
+    </dgm:style>
+  </dgm:styleLbl>
+  <dgm:styleLbl name="node1">
+    <dgm:scene3d>
+      <a:camera prst="orthographicFront"/>
+      <a:lightRig rig="threePt" dir="t"/>
+    </dgm:scene3d>
+    <dgm:sp3d/>
+    <dgm:txPr/>
+    <dgm:style>
+      <a:lnRef idx="2">
+        <a:scrgbClr r="0" g="0" b="0"/>
+      </a:lnRef>
+      <a:fillRef idx="1">
+        <a:scrgbClr r="0" g="0" b="0"/>
+      </a:fillRef>
+      <a:effectRef idx="0">
+        <a:scrgbClr r="0" g="0" b="0"/>
+      </a:effectRef>
+      <a:fontRef idx="minor">
+        <a:schemeClr val="lt1"/>
+      </a:fontRef>
+    </dgm:style>
+  </dgm:styleLbl>
+  <dgm:styleLbl name="node2">
+    <dgm:scene3d>
+      <a:camera prst="orthographicFront"/>
+      <a:lightRig rig="threePt" dir="t"/>
+    </dgm:scene3d>
+    <dgm:sp3d/>
+    <dgm:txPr/>
+    <dgm:style>
+      <a:lnRef idx="2">
+        <a:scrgbClr r="0" g="0" b="0"/>
+      </a:lnRef>
+      <a:fillRef idx="1">
+        <a:scrgbClr r="0" g="0" b="0"/>
+      </a:fillRef>
+      <a:effectRef idx="0">
+        <a:scrgbClr r="0" g="0" b="0"/>
+      </a:effectRef>
+      <a:fontRef idx="minor">
+        <a:schemeClr val="lt1"/>
+      </a:fontRef>
+    </dgm:style>
+  </dgm:styleLbl>
+  <dgm:styleLbl name="node3">
+    <dgm:scene3d>
+      <a:camera prst="orthographicFront"/>
+      <a:lightRig rig="threePt" dir="t"/>
+    </dgm:scene3d>
+    <dgm:sp3d/>
+    <dgm:txPr/>
+    <dgm:style>
+      <a:lnRef idx="2">
+        <a:scrgbClr r="0" g="0" b="0"/>
+      </a:lnRef>
+      <a:fillRef idx="1">
+        <a:scrgbClr r="0" g="0" b="0"/>
+      </a:fillRef>
+      <a:effectRef idx="0">
+        <a:scrgbClr r="0" g="0" b="0"/>
+      </a:effectRef>
+      <a:fontRef idx="minor">
+        <a:schemeClr val="lt1"/>
+      </a:fontRef>
+    </dgm:style>
+  </dgm:styleLbl>
+  <dgm:styleLbl name="node4">
+    <dgm:scene3d>
+      <a:camera prst="orthographicFront"/>
+      <a:lightRig rig="threePt" dir="t"/>
+    </dgm:scene3d>
+    <dgm:sp3d/>
+    <dgm:txPr/>
+    <dgm:style>
+      <a:lnRef idx="2">
+        <a:scrgbClr r="0" g="0" b="0"/>
+      </a:lnRef>
+      <a:fillRef idx="1">
+        <a:scrgbClr r="0" g="0" b="0"/>
+      </a:fillRef>
+      <a:effectRef idx="0">
+        <a:scrgbClr r="0" g="0" b="0"/>
+      </a:effectRef>
+      <a:fontRef idx="minor">
+        <a:schemeClr val="lt1"/>
+      </a:fontRef>
+    </dgm:style>
+  </dgm:styleLbl>
+  <dgm:styleLbl name="fgImgPlace1">
+    <dgm:scene3d>
+      <a:camera prst="orthographicFront"/>
+      <a:lightRig rig="threePt" dir="t"/>
+    </dgm:scene3d>
+    <dgm:sp3d/>
+    <dgm:txPr/>
+    <dgm:style>
+      <a:lnRef idx="2">
+        <a:scrgbClr r="0" g="0" b="0"/>
+      </a:lnRef>
+      <a:fillRef idx="1">
+        <a:scrgbClr r="0" g="0" b="0"/>
+      </a:fillRef>
+      <a:effectRef idx="0">
+        <a:scrgbClr r="0" g="0" b="0"/>
+      </a:effectRef>
+      <a:fontRef idx="minor"/>
+    </dgm:style>
+  </dgm:styleLbl>
+  <dgm:styleLbl name="alignImgPlace1">
+    <dgm:scene3d>
+      <a:camera prst="orthographicFront"/>
+      <a:lightRig rig="threePt" dir="t"/>
+    </dgm:scene3d>
+    <dgm:sp3d/>
+    <dgm:txPr/>
+    <dgm:style>
+      <a:lnRef idx="2">
+        <a:scrgbClr r="0" g="0" b="0"/>
+      </a:lnRef>
+      <a:fillRef idx="1">
+        <a:scrgbClr r="0" g="0" b="0"/>
+      </a:fillRef>
+      <a:effectRef idx="0">
+        <a:scrgbClr r="0" g="0" b="0"/>
+      </a:effectRef>
+      <a:fontRef idx="minor"/>
+    </dgm:style>
+  </dgm:styleLbl>
+  <dgm:styleLbl name="bgImgPlace1">
+    <dgm:scene3d>
+      <a:camera prst="orthographicFront"/>
+      <a:lightRig rig="threePt" dir="t"/>
+    </dgm:scene3d>
+    <dgm:sp3d/>
+    <dgm:txPr/>
+    <dgm:style>
+      <a:lnRef idx="2">
+        <a:scrgbClr r="0" g="0" b="0"/>
+      </a:lnRef>
+      <a:fillRef idx="1">
+        <a:scrgbClr r="0" g="0" b="0"/>
+      </a:fillRef>
+      <a:effectRef idx="0">
+        <a:scrgbClr r="0" g="0" b="0"/>
+      </a:effectRef>
+      <a:fontRef idx="minor"/>
+    </dgm:style>
+  </dgm:styleLbl>
+  <dgm:styleLbl name="sibTrans2D1">
+    <dgm:scene3d>
+      <a:camera prst="orthographicFront"/>
+      <a:lightRig rig="threePt" dir="t"/>
+    </dgm:scene3d>
+    <dgm:sp3d/>
+    <dgm:txPr/>
+    <dgm:style>
+      <a:lnRef idx="0">
+        <a:scrgbClr r="0" g="0" b="0"/>
+      </a:lnRef>
+      <a:fillRef idx="1">
+        <a:scrgbClr r="0" g="0" b="0"/>
+      </a:fillRef>
+      <a:effectRef idx="0">
+        <a:scrgbClr r="0" g="0" b="0"/>
+      </a:effectRef>
+      <a:fontRef idx="minor">
+        <a:schemeClr val="lt1"/>
+      </a:fontRef>
+    </dgm:style>
+  </dgm:styleLbl>
+  <dgm:styleLbl name="fgSibTrans2D1">
+    <dgm:scene3d>
+      <a:camera prst="orthographicFront"/>
+      <a:lightRig rig="threePt" dir="t"/>
+    </dgm:scene3d>
+    <dgm:sp3d/>
+    <dgm:txPr/>
+    <dgm:style>
+      <a:lnRef idx="0">
+        <a:scrgbClr r="0" g="0" b="0"/>
+      </a:lnRef>
+      <a:fillRef idx="1">
+        <a:scrgbClr r="0" g="0" b="0"/>
+      </a:fillRef>
+      <a:effectRef idx="0">
+        <a:scrgbClr r="0" g="0" b="0"/>
+      </a:effectRef>
+      <a:fontRef idx="minor">
+        <a:schemeClr val="lt1"/>
+      </a:fontRef>
+    </dgm:style>
+  </dgm:styleLbl>
+  <dgm:styleLbl name="bgSibTrans2D1">
+    <dgm:scene3d>
+      <a:camera prst="orthographicFront"/>
+      <a:lightRig rig="threePt" dir="t"/>
+    </dgm:scene3d>
+    <dgm:sp3d/>
+    <dgm:txPr/>
+    <dgm:style>
+      <a:lnRef idx="0">
+        <a:scrgbClr r="0" g="0" b="0"/>
+      </a:lnRef>
+      <a:fillRef idx="1">
+        <a:scrgbClr r="0" g="0" b="0"/>
+      </a:fillRef>
+      <a:effectRef idx="0">
+        <a:scrgbClr r="0" g="0" b="0"/>
+      </a:effectRef>
+      <a:fontRef idx="minor">
+        <a:schemeClr val="lt1"/>
+      </a:fontRef>
+    </dgm:style>
+  </dgm:styleLbl>
+  <dgm:styleLbl name="sibTrans1D1">
+    <dgm:scene3d>
+      <a:camera prst="orthographicFront"/>
+      <a:lightRig rig="threePt" dir="t"/>
+    </dgm:scene3d>
+    <dgm:sp3d/>
+    <dgm:txPr/>
+    <dgm:style>
+      <a:lnRef idx="1">
+        <a:scrgbClr r="0" g="0" b="0"/>
+      </a:lnRef>
+      <a:fillRef idx="0">
+        <a:scrgbClr r="0" g="0" b="0"/>
+      </a:fillRef>
+      <a:effectRef idx="0">
+        <a:scrgbClr r="0" g="0" b="0"/>
+      </a:effectRef>
+      <a:fontRef idx="minor"/>
+    </dgm:style>
+  </dgm:styleLbl>
+  <dgm:styleLbl name="callout">
+    <dgm:scene3d>
+      <a:camera prst="orthographicFront"/>
+      <a:lightRig rig="threePt" dir="t"/>
+    </dgm:scene3d>
+    <dgm:sp3d/>
+    <dgm:txPr/>
+    <dgm:style>
+      <a:lnRef idx="2">
+        <a:scrgbClr r="0" g="0" b="0"/>
+      </a:lnRef>
+      <a:fillRef idx="1">
+        <a:scrgbClr r="0" g="0" b="0"/>
+      </a:fillRef>
+      <a:effectRef idx="0">
+        <a:scrgbClr r="0" g="0" b="0"/>
+      </a:effectRef>
+      <a:fontRef idx="minor"/>
+    </dgm:style>
+  </dgm:styleLbl>
+  <dgm:styleLbl name="asst0">
+    <dgm:scene3d>
+      <a:camera prst="orthographicFront"/>
+      <a:lightRig rig="threePt" dir="t"/>
+    </dgm:scene3d>
+    <dgm:sp3d/>
+    <dgm:txPr/>
+    <dgm:style>
+      <a:lnRef idx="2">
+        <a:scrgbClr r="0" g="0" b="0"/>
+      </a:lnRef>
+      <a:fillRef idx="1">
+        <a:scrgbClr r="0" g="0" b="0"/>
+      </a:fillRef>
+      <a:effectRef idx="0">
+        <a:scrgbClr r="0" g="0" b="0"/>
+      </a:effectRef>
+      <a:fontRef idx="minor">
+        <a:schemeClr val="lt1"/>
+      </a:fontRef>
+    </dgm:style>
+  </dgm:styleLbl>
+  <dgm:styleLbl name="asst1">
+    <dgm:scene3d>
+      <a:camera prst="orthographicFront"/>
+      <a:lightRig rig="threePt" dir="t"/>
+    </dgm:scene3d>
+    <dgm:sp3d/>
+    <dgm:txPr/>
+    <dgm:style>
+      <a:lnRef idx="2">
+        <a:scrgbClr r="0" g="0" b="0"/>
+      </a:lnRef>
+      <a:fillRef idx="1">
+        <a:scrgbClr r="0" g="0" b="0"/>
+      </a:fillRef>
+      <a:effectRef idx="0">
+        <a:scrgbClr r="0" g="0" b="0"/>
+      </a:effectRef>
+      <a:fontRef idx="minor">
+        <a:schemeClr val="lt1"/>
+      </a:fontRef>
+    </dgm:style>
+  </dgm:styleLbl>
+  <dgm:styleLbl name="asst2">
+    <dgm:scene3d>
+      <a:camera prst="orthographicFront"/>
+      <a:lightRig rig="threePt" dir="t"/>
+    </dgm:scene3d>
+    <dgm:sp3d/>
+    <dgm:txPr/>
+    <dgm:style>
+      <a:lnRef idx="2">
+        <a:scrgbClr r="0" g="0" b="0"/>
+      </a:lnRef>
+      <a:fillRef idx="1">
+        <a:scrgbClr r="0" g="0" b="0"/>
+      </a:fillRef>
+      <a:effectRef idx="0">
+        <a:scrgbClr r="0" g="0" b="0"/>
+      </a:effectRef>
+      <a:fontRef idx="minor">
+        <a:schemeClr val="lt1"/>
+      </a:fontRef>
+    </dgm:style>
+  </dgm:styleLbl>
+  <dgm:styleLbl name="asst3">
+    <dgm:scene3d>
+      <a:camera prst="orthographicFront"/>
+      <a:lightRig rig="threePt" dir="t"/>
+    </dgm:scene3d>
+    <dgm:sp3d/>
+    <dgm:txPr/>
+    <dgm:style>
+      <a:lnRef idx="2">
+        <a:scrgbClr r="0" g="0" b="0"/>
+      </a:lnRef>
+      <a:fillRef idx="1">
+        <a:scrgbClr r="0" g="0" b="0"/>
+      </a:fillRef>
+      <a:effectRef idx="0">
+        <a:scrgbClr r="0" g="0" b="0"/>
+      </a:effectRef>
+      <a:fontRef idx="minor">
+        <a:schemeClr val="lt1"/>
+      </a:fontRef>
+    </dgm:style>
+  </dgm:styleLbl>
+  <dgm:styleLbl name="asst4">
+    <dgm:scene3d>
+      <a:camera prst="orthographicFront"/>
+      <a:lightRig rig="threePt" dir="t"/>
+    </dgm:scene3d>
+    <dgm:sp3d/>
+    <dgm:txPr/>
+    <dgm:style>
+      <a:lnRef idx="2">
+        <a:scrgbClr r="0" g="0" b="0"/>
+      </a:lnRef>
+      <a:fillRef idx="1">
+        <a:scrgbClr r="0" g="0" b="0"/>
+      </a:fillRef>
+      <a:effectRef idx="0">
+        <a:scrgbClr r="0" g="0" b="0"/>
+      </a:effectRef>
+      <a:fontRef idx="minor">
+        <a:schemeClr val="lt1"/>
+      </a:fontRef>
+    </dgm:style>
+  </dgm:styleLbl>
+  <dgm:styleLbl name="parChTrans2D1">
+    <dgm:scene3d>
+      <a:camera prst="orthographicFront"/>
+      <a:lightRig rig="threePt" dir="t"/>
+    </dgm:scene3d>
+    <dgm:sp3d/>
+    <dgm:txPr/>
+    <dgm:style>
+      <a:lnRef idx="2">
+        <a:scrgbClr r="0" g="0" b="0"/>
+      </a:lnRef>
+      <a:fillRef idx="1">
+        <a:scrgbClr r="0" g="0" b="0"/>
+      </a:fillRef>
+      <a:effectRef idx="0">
+        <a:scrgbClr r="0" g="0" b="0"/>
+      </a:effectRef>
+      <a:fontRef idx="minor">
+        <a:schemeClr val="lt1"/>
+      </a:fontRef>
+    </dgm:style>
+  </dgm:styleLbl>
+  <dgm:styleLbl name="parChTrans2D2">
+    <dgm:scene3d>
+      <a:camera prst="orthographicFront"/>
+      <a:lightRig rig="threePt" dir="t"/>
+    </dgm:scene3d>
+    <dgm:sp3d/>
+    <dgm:txPr/>
+    <dgm:style>
+      <a:lnRef idx="2">
+        <a:scrgbClr r="0" g="0" b="0"/>
+      </a:lnRef>
+      <a:fillRef idx="1">
+        <a:scrgbClr r="0" g="0" b="0"/>
+      </a:fillRef>
+      <a:effectRef idx="0">
+        <a:scrgbClr r="0" g="0" b="0"/>
+      </a:effectRef>
+      <a:fontRef idx="minor">
+        <a:schemeClr val="lt1"/>
+      </a:fontRef>
+    </dgm:style>
+  </dgm:styleLbl>
+  <dgm:styleLbl name="parChTrans2D3">
+    <dgm:scene3d>
+      <a:camera prst="orthographicFront"/>
+      <a:lightRig rig="threePt" dir="t"/>
+    </dgm:scene3d>
+    <dgm:sp3d/>
+    <dgm:txPr/>
+    <dgm:style>
+      <a:lnRef idx="2">
+        <a:scrgbClr r="0" g="0" b="0"/>
+      </a:lnRef>
+      <a:fillRef idx="1">
+        <a:scrgbClr r="0" g="0" b="0"/>
+      </a:fillRef>
+      <a:effectRef idx="0">
+        <a:scrgbClr r="0" g="0" b="0"/>
+      </a:effectRef>
+      <a:fontRef idx="minor">
+        <a:schemeClr val="lt1"/>
+      </a:fontRef>
+    </dgm:style>
+  </dgm:styleLbl>
+  <dgm:styleLbl name="parChTrans2D4">
+    <dgm:scene3d>
+      <a:camera prst="orthographicFront"/>
+      <a:lightRig rig="threePt" dir="t"/>
+    </dgm:scene3d>
+    <dgm:sp3d/>
+    <dgm:txPr/>
+    <dgm:style>
+      <a:lnRef idx="2">
+        <a:scrgbClr r="0" g="0" b="0"/>
+      </a:lnRef>
+      <a:fillRef idx="1">
+        <a:scrgbClr r="0" g="0" b="0"/>
+      </a:fillRef>
+      <a:effectRef idx="0">
+        <a:scrgbClr r="0" g="0" b="0"/>
+      </a:effectRef>
+      <a:fontRef idx="minor">
+        <a:schemeClr val="lt1"/>
+      </a:fontRef>
+    </dgm:style>
+  </dgm:styleLbl>
+  <dgm:styleLbl name="parChTrans1D1">
+    <dgm:scene3d>
+      <a:camera prst="orthographicFront"/>
+      <a:lightRig rig="threePt" dir="t"/>
+    </dgm:scene3d>
+    <dgm:sp3d/>
+    <dgm:txPr/>
+    <dgm:style>
+      <a:lnRef idx="2">
+        <a:scrgbClr r="0" g="0" b="0"/>
+      </a:lnRef>
+      <a:fillRef idx="0">
+        <a:scrgbClr r="0" g="0" b="0"/>
+      </a:fillRef>
+      <a:effectRef idx="0">
+        <a:scrgbClr r="0" g="0" b="0"/>
+      </a:effectRef>
+      <a:fontRef idx="minor"/>
+    </dgm:style>
+  </dgm:styleLbl>
+  <dgm:styleLbl name="parChTrans1D2">
+    <dgm:scene3d>
+      <a:camera prst="orthographicFront"/>
+      <a:lightRig rig="threePt" dir="t"/>
+    </dgm:scene3d>
+    <dgm:sp3d/>
+    <dgm:txPr/>
+    <dgm:style>
+      <a:lnRef idx="2">
+        <a:scrgbClr r="0" g="0" b="0"/>
+      </a:lnRef>
+      <a:fillRef idx="0">
+        <a:scrgbClr r="0" g="0" b="0"/>
+      </a:fillRef>
+      <a:effectRef idx="0">
+        <a:scrgbClr r="0" g="0" b="0"/>
+      </a:effectRef>
+      <a:fontRef idx="minor"/>
+    </dgm:style>
+  </dgm:styleLbl>
+  <dgm:styleLbl name="parChTrans1D3">
+    <dgm:scene3d>
+      <a:camera prst="orthographicFront"/>
+      <a:lightRig rig="threePt" dir="t"/>
+    </dgm:scene3d>
+    <dgm:sp3d/>
+    <dgm:txPr/>
+    <dgm:style>
+      <a:lnRef idx="2">
+        <a:scrgbClr r="0" g="0" b="0"/>
+      </a:lnRef>
+      <a:fillRef idx="0">
+        <a:scrgbClr r="0" g="0" b="0"/>
+      </a:fillRef>
+      <a:effectRef idx="0">
+        <a:scrgbClr r="0" g="0" b="0"/>
+      </a:effectRef>
+      <a:fontRef idx="minor"/>
+    </dgm:style>
+  </dgm:styleLbl>
+  <dgm:styleLbl name="parChTrans1D4">
+    <dgm:scene3d>
+      <a:camera prst="orthographicFront"/>
+      <a:lightRig rig="threePt" dir="t"/>
+    </dgm:scene3d>
+    <dgm:sp3d/>
+    <dgm:txPr/>
+    <dgm:style>
+      <a:lnRef idx="2">
+        <a:scrgbClr r="0" g="0" b="0"/>
+      </a:lnRef>
+      <a:fillRef idx="0">
+        <a:scrgbClr r="0" g="0" b="0"/>
+      </a:fillRef>
+      <a:effectRef idx="0">
+        <a:scrgbClr r="0" g="0" b="0"/>
+      </a:effectRef>
+      <a:fontRef idx="minor"/>
+    </dgm:style>
+  </dgm:styleLbl>
+  <dgm:styleLbl name="fgAcc1">
+    <dgm:scene3d>
+      <a:camera prst="orthographicFront"/>
+      <a:lightRig rig="threePt" dir="t"/>
+    </dgm:scene3d>
+    <dgm:sp3d/>
+    <dgm:txPr/>
+    <dgm:style>
+      <a:lnRef idx="2">
+        <a:scrgbClr r="0" g="0" b="0"/>
+      </a:lnRef>
+      <a:fillRef idx="1">
+        <a:scrgbClr r="0" g="0" b="0"/>
+      </a:fillRef>
+      <a:effectRef idx="0">
+        <a:scrgbClr r="0" g="0" b="0"/>
+      </a:effectRef>
+      <a:fontRef idx="minor"/>
+    </dgm:style>
+  </dgm:styleLbl>
+  <dgm:styleLbl name="conFgAcc1">
+    <dgm:scene3d>
+      <a:camera prst="orthographicFront"/>
+      <a:lightRig rig="threePt" dir="t"/>
+    </dgm:scene3d>
+    <dgm:sp3d/>
+    <dgm:txPr/>
+    <dgm:style>
+      <a:lnRef idx="2">
+        <a:scrgbClr r="0" g="0" b="0"/>
+      </a:lnRef>
+      <a:fillRef idx="1">
+        <a:scrgbClr r="0" g="0" b="0"/>
+      </a:fillRef>
+      <a:effectRef idx="0">
+        <a:scrgbClr r="0" g="0" b="0"/>
+      </a:effectRef>
+      <a:fontRef idx="minor"/>
+    </dgm:style>
+  </dgm:styleLbl>
+  <dgm:styleLbl name="alignAcc1">
+    <dgm:scene3d>
+      <a:camera prst="orthographicFront"/>
+      <a:lightRig rig="threePt" dir="t"/>
+    </dgm:scene3d>
+    <dgm:sp3d/>
+    <dgm:txPr/>
+    <dgm:style>
+      <a:lnRef idx="2">
+        <a:scrgbClr r="0" g="0" b="0"/>
+      </a:lnRef>
+      <a:fillRef idx="1">
+        <a:scrgbClr r="0" g="0" b="0"/>
+      </a:fillRef>
+      <a:effectRef idx="0">
+        <a:scrgbClr r="0" g="0" b="0"/>
+      </a:effectRef>
+      <a:fontRef idx="minor"/>
+    </dgm:style>
+  </dgm:styleLbl>
+  <dgm:styleLbl name="trAlignAcc1">
+    <dgm:scene3d>
+      <a:camera prst="orthographicFront"/>
+      <a:lightRig rig="threePt" dir="t"/>
+    </dgm:scene3d>
+    <dgm:sp3d/>
+    <dgm:txPr/>
+    <dgm:style>
+      <a:lnRef idx="1">
+        <a:scrgbClr r="0" g="0" b="0"/>
+      </a:lnRef>
+      <a:fillRef idx="1">
+        <a:scrgbClr r="0" g="0" b="0"/>
+      </a:fillRef>
+      <a:effectRef idx="0">
+        <a:scrgbClr r="0" g="0" b="0"/>
+      </a:effectRef>
+      <a:fontRef idx="minor"/>
+    </dgm:style>
+  </dgm:styleLbl>
+  <dgm:styleLbl name="bgAcc1">
+    <dgm:scene3d>
+      <a:camera prst="orthographicFront"/>
+      <a:lightRig rig="threePt" dir="t"/>
+    </dgm:scene3d>
+    <dgm:sp3d/>
+    <dgm:txPr/>
+    <dgm:style>
+      <a:lnRef idx="2">
+        <a:scrgbClr r="0" g="0" b="0"/>
+      </a:lnRef>
+      <a:fillRef idx="1">
+        <a:scrgbClr r="0" g="0" b="0"/>
+      </a:fillRef>
+      <a:effectRef idx="0">
+        <a:scrgbClr r="0" g="0" b="0"/>
+      </a:effectRef>
+      <a:fontRef idx="minor"/>
+    </dgm:style>
+  </dgm:styleLbl>
+  <dgm:styleLbl name="solidFgAcc1">
+    <dgm:scene3d>
+      <a:camera prst="orthographicFront"/>
+      <a:lightRig rig="threePt" dir="t"/>
+    </dgm:scene3d>
+    <dgm:sp3d/>
+    <dgm:txPr/>
+    <dgm:style>
+      <a:lnRef idx="2">
+        <a:scrgbClr r="0" g="0" b="0"/>
+      </a:lnRef>
+      <a:fillRef idx="1">
+        <a:scrgbClr r="0" g="0" b="0"/>
+      </a:fillRef>
+      <a:effectRef idx="0">
+        <a:scrgbClr r="0" g="0" b="0"/>
+      </a:effectRef>
+      <a:fontRef idx="minor"/>
+    </dgm:style>
+  </dgm:styleLbl>
+  <dgm:styleLbl name="solidAlignAcc1">
+    <dgm:scene3d>
+      <a:camera prst="orthographicFront"/>
+      <a:lightRig rig="threePt" dir="t"/>
+    </dgm:scene3d>
+    <dgm:sp3d/>
+    <dgm:txPr/>
+    <dgm:style>
+      <a:lnRef idx="2">
+        <a:scrgbClr r="0" g="0" b="0"/>
+      </a:lnRef>
+      <a:fillRef idx="1">
+        <a:scrgbClr r="0" g="0" b="0"/>
+      </a:fillRef>
+      <a:effectRef idx="0">
+        <a:scrgbClr r="0" g="0" b="0"/>
+      </a:effectRef>
+      <a:fontRef idx="minor"/>
+    </dgm:style>
+  </dgm:styleLbl>
+  <dgm:styleLbl name="solidBgAcc1">
+    <dgm:scene3d>
+      <a:camera prst="orthographicFront"/>
+      <a:lightRig rig="threePt" dir="t"/>
+    </dgm:scene3d>
+    <dgm:sp3d/>
+    <dgm:txPr/>
+    <dgm:style>
+      <a:lnRef idx="2">
+        <a:scrgbClr r="0" g="0" b="0"/>
+      </a:lnRef>
+      <a:fillRef idx="1">
+        <a:scrgbClr r="0" g="0" b="0"/>
+      </a:fillRef>
+      <a:effectRef idx="0">
+        <a:scrgbClr r="0" g="0" b="0"/>
+      </a:effectRef>
+      <a:fontRef idx="minor"/>
+    </dgm:style>
+  </dgm:styleLbl>
+  <dgm:styleLbl name="fgAccFollowNode1">
+    <dgm:scene3d>
+      <a:camera prst="orthographicFront"/>
+      <a:lightRig rig="threePt" dir="t"/>
+    </dgm:scene3d>
+    <dgm:sp3d/>
+    <dgm:txPr/>
+    <dgm:style>
+      <a:lnRef idx="2">
+        <a:scrgbClr r="0" g="0" b="0"/>
+      </a:lnRef>
+      <a:fillRef idx="1">
+        <a:scrgbClr r="0" g="0" b="0"/>
+      </a:fillRef>
+      <a:effectRef idx="0">
+        <a:scrgbClr r="0" g="0" b="0"/>
+      </a:effectRef>
+      <a:fontRef idx="minor"/>
+    </dgm:style>
+  </dgm:styleLbl>
+  <dgm:styleLbl name="alignAccFollowNode1">
+    <dgm:scene3d>
+      <a:camera prst="orthographicFront"/>
+      <a:lightRig rig="threePt" dir="t"/>
+    </dgm:scene3d>
+    <dgm:sp3d/>
+    <dgm:txPr/>
+    <dgm:style>
+      <a:lnRef idx="2">
+        <a:scrgbClr r="0" g="0" b="0"/>
+      </a:lnRef>
+      <a:fillRef idx="1">
+        <a:scrgbClr r="0" g="0" b="0"/>
+      </a:fillRef>
+      <a:effectRef idx="0">
+        <a:scrgbClr r="0" g="0" b="0"/>
+      </a:effectRef>
+      <a:fontRef idx="minor"/>
+    </dgm:style>
+  </dgm:styleLbl>
+  <dgm:styleLbl name="bgAccFollowNode1">
+    <dgm:scene3d>
+      <a:camera prst="orthographicFront"/>
+      <a:lightRig rig="threePt" dir="t"/>
+    </dgm:scene3d>
+    <dgm:sp3d/>
+    <dgm:txPr/>
+    <dgm:style>
+      <a:lnRef idx="2">
+        <a:scrgbClr r="0" g="0" b="0"/>
+      </a:lnRef>
+      <a:fillRef idx="1">
+        <a:scrgbClr r="0" g="0" b="0"/>
+      </a:fillRef>
+      <a:effectRef idx="0">
+        <a:scrgbClr r="0" g="0" b="0"/>
+      </a:effectRef>
+      <a:fontRef idx="minor"/>
+    </dgm:style>
+  </dgm:styleLbl>
+  <dgm:styleLbl name="fgAcc0">
+    <dgm:scene3d>
+      <a:camera prst="orthographicFront"/>
+      <a:lightRig rig="threePt" dir="t"/>
+    </dgm:scene3d>
+    <dgm:sp3d/>
+    <dgm:txPr/>
+    <dgm:style>
+      <a:lnRef idx="2">
+        <a:scrgbClr r="0" g="0" b="0"/>
+      </a:lnRef>
+      <a:fillRef idx="1">
+        <a:scrgbClr r="0" g="0" b="0"/>
+      </a:fillRef>
+      <a:effectRef idx="0">
+        <a:scrgbClr r="0" g="0" b="0"/>
+      </a:effectRef>
+      <a:fontRef idx="minor"/>
+    </dgm:style>
+  </dgm:styleLbl>
+  <dgm:styleLbl name="fgAcc2">
+    <dgm:scene3d>
+      <a:camera prst="orthographicFront"/>
+      <a:lightRig rig="threePt" dir="t"/>
+    </dgm:scene3d>
+    <dgm:sp3d/>
+    <dgm:txPr/>
+    <dgm:style>
+      <a:lnRef idx="2">
+        <a:scrgbClr r="0" g="0" b="0"/>
+      </a:lnRef>
+      <a:fillRef idx="1">
+        <a:scrgbClr r="0" g="0" b="0"/>
+      </a:fillRef>
+      <a:effectRef idx="0">
+        <a:scrgbClr r="0" g="0" b="0"/>
+      </a:effectRef>
+      <a:fontRef idx="minor"/>
+    </dgm:style>
+  </dgm:styleLbl>
+  <dgm:styleLbl name="fgAcc3">
+    <dgm:scene3d>
+      <a:camera prst="orthographicFront"/>
+      <a:lightRig rig="threePt" dir="t"/>
+    </dgm:scene3d>
+    <dgm:sp3d/>
+    <dgm:txPr/>
+    <dgm:style>
+      <a:lnRef idx="2">
+        <a:scrgbClr r="0" g="0" b="0"/>
+      </a:lnRef>
+      <a:fillRef idx="1">
+        <a:scrgbClr r="0" g="0" b="0"/>
+      </a:fillRef>
+      <a:effectRef idx="0">
+        <a:scrgbClr r="0" g="0" b="0"/>
+      </a:effectRef>
+      <a:fontRef idx="minor"/>
+    </dgm:style>
+  </dgm:styleLbl>
+  <dgm:styleLbl name="fgAcc4">
+    <dgm:scene3d>
+      <a:camera prst="orthographicFront"/>
+      <a:lightRig rig="threePt" dir="t"/>
+    </dgm:scene3d>
+    <dgm:sp3d/>
+    <dgm:txPr/>
+    <dgm:style>
+      <a:lnRef idx="2">
+        <a:scrgbClr r="0" g="0" b="0"/>
+      </a:lnRef>
+      <a:fillRef idx="1">
+        <a:scrgbClr r="0" g="0" b="0"/>
+      </a:fillRef>
+      <a:effectRef idx="0">
+        <a:scrgbClr r="0" g="0" b="0"/>
+      </a:effectRef>
+      <a:fontRef idx="minor"/>
+    </dgm:style>
+  </dgm:styleLbl>
+  <dgm:styleLbl name="bgShp">
+    <dgm:scene3d>
+      <a:camera prst="orthographicFront"/>
+      <a:lightRig rig="threePt" dir="t"/>
+    </dgm:scene3d>
+    <dgm:sp3d/>
+    <dgm:txPr/>
+    <dgm:style>
+      <a:lnRef idx="0">
+        <a:scrgbClr r="0" g="0" b="0"/>
+      </a:lnRef>
+      <a:fillRef idx="1">
+        <a:scrgbClr r="0" g="0" b="0"/>
+      </a:fillRef>
+      <a:effectRef idx="0">
+        <a:scrgbClr r="0" g="0" b="0"/>
+      </a:effectRef>
+      <a:fontRef idx="minor"/>
+    </dgm:style>
+  </dgm:styleLbl>
+  <dgm:styleLbl name="dkBgShp">
+    <dgm:scene3d>
+      <a:camera prst="orthographicFront"/>
+      <a:lightRig rig="threePt" dir="t"/>
+    </dgm:scene3d>
+    <dgm:sp3d/>
+    <dgm:txPr/>
+    <dgm:style>
+      <a:lnRef idx="0">
+        <a:scrgbClr r="0" g="0" b="0"/>
+      </a:lnRef>
+      <a:fillRef idx="1">
+        <a:scrgbClr r="0" g="0" b="0"/>
+      </a:fillRef>
+      <a:effectRef idx="0">
+        <a:scrgbClr r="0" g="0" b="0"/>
+      </a:effectRef>
+      <a:fontRef idx="minor"/>
+    </dgm:style>
+  </dgm:styleLbl>
+  <dgm:styleLbl name="trBgShp">
+    <dgm:scene3d>
+      <a:camera prst="orthographicFront"/>
+      <a:lightRig rig="threePt" dir="t"/>
+    </dgm:scene3d>
+    <dgm:sp3d/>
+    <dgm:txPr/>
+    <dgm:style>
+      <a:lnRef idx="0">
+        <a:scrgbClr r="0" g="0" b="0"/>
+      </a:lnRef>
+      <a:fillRef idx="1">
+        <a:scrgbClr r="0" g="0" b="0"/>
+      </a:fillRef>
+      <a:effectRef idx="0">
+        <a:scrgbClr r="0" g="0" b="0"/>
+      </a:effectRef>
+      <a:fontRef idx="minor"/>
+    </dgm:style>
+  </dgm:styleLbl>
+  <dgm:styleLbl name="fgShp">
+    <dgm:scene3d>
+      <a:camera prst="orthographicFront"/>
+      <a:lightRig rig="threePt" dir="t"/>
+    </dgm:scene3d>
+    <dgm:sp3d/>
+    <dgm:txPr/>
+    <dgm:style>
+      <a:lnRef idx="2">
+        <a:scrgbClr r="0" g="0" b="0"/>
+      </a:lnRef>
+      <a:fillRef idx="1">
+        <a:scrgbClr r="0" g="0" b="0"/>
+      </a:fillRef>
+      <a:effectRef idx="0">
+        <a:scrgbClr r="0" g="0" b="0"/>
+      </a:effectRef>
+      <a:fontRef idx="minor"/>
+    </dgm:style>
+  </dgm:styleLbl>
+  <dgm:styleLbl name="revTx">
+    <dgm:scene3d>
+      <a:camera prst="orthographicFront"/>
+      <a:lightRig rig="threePt" dir="t"/>
+    </dgm:scene3d>
+    <dgm:sp3d/>
+    <dgm:txPr/>
+    <dgm:style>
+      <a:lnRef idx="0">
+        <a:scrgbClr r="0" g="0" b="0"/>
+      </a:lnRef>
+      <a:fillRef idx="0">
+        <a:scrgbClr r="0" g="0" b="0"/>
+      </a:fillRef>
+      <a:effectRef idx="0">
+        <a:scrgbClr r="0" g="0" b="0"/>
+      </a:effectRef>
+      <a:fontRef idx="minor"/>
+    </dgm:style>
+  </dgm:styleLbl>
+</dgm:styleDef>
 </file>
 
 <file path=ppt/slideLayouts/slideLayout1.xml><?xml version="1.0" encoding="utf-8"?>
@@ -838,7 +4426,7 @@
           <a:p>
             <a:fld id="{C02FA18B-CDC5-4D54-8389-595747D46EF2}" type="datetimeFigureOut">
               <a:rPr lang="de-DE" smtClean="0"/>
-              <a:t>06.07.2021</a:t>
+              <a:t>08.07.2021</a:t>
             </a:fld>
             <a:endParaRPr lang="de-DE"/>
           </a:p>
@@ -1089,7 +4677,7 @@
           <a:p>
             <a:fld id="{C02FA18B-CDC5-4D54-8389-595747D46EF2}" type="datetimeFigureOut">
               <a:rPr lang="de-DE" smtClean="0"/>
-              <a:t>06.07.2021</a:t>
+              <a:t>08.07.2021</a:t>
             </a:fld>
             <a:endParaRPr lang="de-DE"/>
           </a:p>
@@ -1403,7 +4991,7 @@
           <a:p>
             <a:fld id="{C02FA18B-CDC5-4D54-8389-595747D46EF2}" type="datetimeFigureOut">
               <a:rPr lang="de-DE" smtClean="0"/>
-              <a:t>06.07.2021</a:t>
+              <a:t>08.07.2021</a:t>
             </a:fld>
             <a:endParaRPr lang="de-DE"/>
           </a:p>
@@ -1744,7 +5332,7 @@
           <a:p>
             <a:fld id="{C02FA18B-CDC5-4D54-8389-595747D46EF2}" type="datetimeFigureOut">
               <a:rPr lang="de-DE" smtClean="0"/>
-              <a:t>06.07.2021</a:t>
+              <a:t>08.07.2021</a:t>
             </a:fld>
             <a:endParaRPr lang="de-DE"/>
           </a:p>
@@ -2058,7 +5646,7 @@
           <a:p>
             <a:fld id="{C02FA18B-CDC5-4D54-8389-595747D46EF2}" type="datetimeFigureOut">
               <a:rPr lang="de-DE" smtClean="0"/>
-              <a:t>06.07.2021</a:t>
+              <a:t>08.07.2021</a:t>
             </a:fld>
             <a:endParaRPr lang="de-DE"/>
           </a:p>
@@ -2451,7 +6039,7 @@
           <a:p>
             <a:fld id="{C02FA18B-CDC5-4D54-8389-595747D46EF2}" type="datetimeFigureOut">
               <a:rPr lang="de-DE" smtClean="0"/>
-              <a:t>06.07.2021</a:t>
+              <a:t>08.07.2021</a:t>
             </a:fld>
             <a:endParaRPr lang="de-DE"/>
           </a:p>
@@ -2621,7 +6209,7 @@
           <a:p>
             <a:fld id="{C02FA18B-CDC5-4D54-8389-595747D46EF2}" type="datetimeFigureOut">
               <a:rPr lang="de-DE" smtClean="0"/>
-              <a:t>06.07.2021</a:t>
+              <a:t>08.07.2021</a:t>
             </a:fld>
             <a:endParaRPr lang="de-DE"/>
           </a:p>
@@ -2801,7 +6389,7 @@
           <a:p>
             <a:fld id="{C02FA18B-CDC5-4D54-8389-595747D46EF2}" type="datetimeFigureOut">
               <a:rPr lang="de-DE" smtClean="0"/>
-              <a:t>06.07.2021</a:t>
+              <a:t>08.07.2021</a:t>
             </a:fld>
             <a:endParaRPr lang="de-DE"/>
           </a:p>
@@ -2977,7 +6565,7 @@
           <a:p>
             <a:fld id="{C02FA18B-CDC5-4D54-8389-595747D46EF2}" type="datetimeFigureOut">
               <a:rPr lang="de-DE" smtClean="0"/>
-              <a:t>06.07.2021</a:t>
+              <a:t>08.07.2021</a:t>
             </a:fld>
             <a:endParaRPr lang="de-DE"/>
           </a:p>
@@ -3224,7 +6812,7 @@
           <a:p>
             <a:fld id="{C02FA18B-CDC5-4D54-8389-595747D46EF2}" type="datetimeFigureOut">
               <a:rPr lang="de-DE" smtClean="0"/>
-              <a:t>06.07.2021</a:t>
+              <a:t>08.07.2021</a:t>
             </a:fld>
             <a:endParaRPr lang="de-DE"/>
           </a:p>
@@ -3456,7 +7044,7 @@
           <a:p>
             <a:fld id="{C02FA18B-CDC5-4D54-8389-595747D46EF2}" type="datetimeFigureOut">
               <a:rPr lang="de-DE" smtClean="0"/>
-              <a:t>06.07.2021</a:t>
+              <a:t>08.07.2021</a:t>
             </a:fld>
             <a:endParaRPr lang="de-DE"/>
           </a:p>
@@ -3830,7 +7418,7 @@
           <a:p>
             <a:fld id="{C02FA18B-CDC5-4D54-8389-595747D46EF2}" type="datetimeFigureOut">
               <a:rPr lang="de-DE" smtClean="0"/>
-              <a:t>06.07.2021</a:t>
+              <a:t>08.07.2021</a:t>
             </a:fld>
             <a:endParaRPr lang="de-DE"/>
           </a:p>
@@ -3953,7 +7541,7 @@
           <a:p>
             <a:fld id="{C02FA18B-CDC5-4D54-8389-595747D46EF2}" type="datetimeFigureOut">
               <a:rPr lang="de-DE" smtClean="0"/>
-              <a:t>06.07.2021</a:t>
+              <a:t>08.07.2021</a:t>
             </a:fld>
             <a:endParaRPr lang="de-DE"/>
           </a:p>
@@ -4048,7 +7636,7 @@
           <a:p>
             <a:fld id="{C02FA18B-CDC5-4D54-8389-595747D46EF2}" type="datetimeFigureOut">
               <a:rPr lang="de-DE" smtClean="0"/>
-              <a:t>06.07.2021</a:t>
+              <a:t>08.07.2021</a:t>
             </a:fld>
             <a:endParaRPr lang="de-DE"/>
           </a:p>
@@ -4303,7 +7891,7 @@
           <a:p>
             <a:fld id="{C02FA18B-CDC5-4D54-8389-595747D46EF2}" type="datetimeFigureOut">
               <a:rPr lang="de-DE" smtClean="0"/>
-              <a:t>06.07.2021</a:t>
+              <a:t>08.07.2021</a:t>
             </a:fld>
             <a:endParaRPr lang="de-DE"/>
           </a:p>
@@ -4566,7 +8154,7 @@
           <a:p>
             <a:fld id="{C02FA18B-CDC5-4D54-8389-595747D46EF2}" type="datetimeFigureOut">
               <a:rPr lang="de-DE" smtClean="0"/>
-              <a:t>06.07.2021</a:t>
+              <a:t>08.07.2021</a:t>
             </a:fld>
             <a:endParaRPr lang="de-DE"/>
           </a:p>
@@ -5309,7 +8897,7 @@
           <a:p>
             <a:fld id="{C02FA18B-CDC5-4D54-8389-595747D46EF2}" type="datetimeFigureOut">
               <a:rPr lang="de-DE" smtClean="0"/>
-              <a:t>06.07.2021</a:t>
+              <a:t>08.07.2021</a:t>
             </a:fld>
             <a:endParaRPr lang="de-DE"/>
           </a:p>
@@ -6090,6 +9678,156 @@
             <p:ph type="title"/>
           </p:nvPr>
         </p:nvSpPr>
+        <p:spPr/>
+        <p:txBody>
+          <a:bodyPr/>
+          <a:lstStyle/>
+          <a:p>
+            <a:r>
+              <a:rPr lang="de-DE" dirty="0"/>
+              <a:t>Sprints &amp; Scrum </a:t>
+            </a:r>
+            <a:r>
+              <a:rPr lang="de-DE" dirty="0" err="1"/>
+              <a:t>events</a:t>
+            </a:r>
+            <a:endParaRPr lang="de-DE" dirty="0"/>
+          </a:p>
+        </p:txBody>
+      </p:sp>
+      <p:sp>
+        <p:nvSpPr>
+          <p:cNvPr id="3" name="Inhaltsplatzhalter 2"/>
+          <p:cNvSpPr>
+            <a:spLocks noGrp="1"/>
+          </p:cNvSpPr>
+          <p:nvPr>
+            <p:ph idx="1"/>
+          </p:nvPr>
+        </p:nvSpPr>
+        <p:spPr>
+          <a:xfrm>
+            <a:off x="599336" y="1270000"/>
+            <a:ext cx="10972800" cy="4857403"/>
+          </a:xfrm>
+        </p:spPr>
+        <p:txBody>
+          <a:bodyPr/>
+          <a:lstStyle/>
+          <a:p>
+            <a:r>
+              <a:rPr lang="de-DE" dirty="0"/>
+              <a:t>Das ganze Semester ist ein Projekt</a:t>
+            </a:r>
+          </a:p>
+          <a:p>
+            <a:r>
+              <a:rPr lang="de-DE" dirty="0"/>
+              <a:t>Sprints alle 3 Wochen:</a:t>
+            </a:r>
+          </a:p>
+          <a:p>
+            <a:pPr lvl="1"/>
+            <a:r>
+              <a:rPr lang="de-DE" dirty="0"/>
+              <a:t>Planung</a:t>
+            </a:r>
+          </a:p>
+          <a:p>
+            <a:pPr lvl="1"/>
+            <a:r>
+              <a:rPr lang="de-DE" dirty="0"/>
+              <a:t>Fortschritt</a:t>
+            </a:r>
+          </a:p>
+          <a:p>
+            <a:pPr lvl="1"/>
+            <a:r>
+              <a:rPr lang="de-DE" dirty="0"/>
+              <a:t>Review</a:t>
+            </a:r>
+          </a:p>
+          <a:p>
+            <a:pPr lvl="1"/>
+            <a:r>
+              <a:rPr lang="de-DE" dirty="0"/>
+              <a:t>Retrospektive</a:t>
+            </a:r>
+          </a:p>
+          <a:p>
+            <a:pPr lvl="1"/>
+            <a:endParaRPr lang="de-DE" dirty="0"/>
+          </a:p>
+        </p:txBody>
+      </p:sp>
+      <p:graphicFrame>
+        <p:nvGraphicFramePr>
+          <p:cNvPr id="6" name="Inhaltsplatzhalter 4"/>
+          <p:cNvGraphicFramePr>
+            <a:graphicFrameLocks/>
+          </p:cNvGraphicFramePr>
+          <p:nvPr>
+            <p:extLst/>
+          </p:nvPr>
+        </p:nvGraphicFramePr>
+        <p:xfrm>
+          <a:off x="1766149" y="4221088"/>
+          <a:ext cx="8639175" cy="2118810"/>
+        </p:xfrm>
+        <a:graphic>
+          <a:graphicData uri="http://schemas.openxmlformats.org/drawingml/2006/diagram">
+            <dgm:relIds xmlns:dgm="http://schemas.openxmlformats.org/drawingml/2006/diagram" xmlns:r="http://schemas.openxmlformats.org/officeDocument/2006/relationships" r:dm="rId2" r:lo="rId3" r:qs="rId4" r:cs="rId5"/>
+          </a:graphicData>
+        </a:graphic>
+      </p:graphicFrame>
+    </p:spTree>
+    <p:extLst>
+      <p:ext uri="{BB962C8B-B14F-4D97-AF65-F5344CB8AC3E}">
+        <p14:creationId xmlns:p14="http://schemas.microsoft.com/office/powerpoint/2010/main" val="1392085251"/>
+      </p:ext>
+    </p:extLst>
+  </p:cSld>
+  <p:clrMapOvr>
+    <a:masterClrMapping/>
+  </p:clrMapOvr>
+  <mc:AlternateContent xmlns:mc="http://schemas.openxmlformats.org/markup-compatibility/2006">
+    <mc:Choice xmlns:p14="http://schemas.microsoft.com/office/powerpoint/2010/main" Requires="p14">
+      <p:transition spd="slow" p14:dur="2000"/>
+    </mc:Choice>
+    <mc:Fallback>
+      <p:transition spd="slow"/>
+    </mc:Fallback>
+  </mc:AlternateContent>
+</p:sld>
+</file>
+
+<file path=ppt/slides/slide3.xml><?xml version="1.0" encoding="utf-8"?>
+<p:sld xmlns:a="http://schemas.openxmlformats.org/drawingml/2006/main" xmlns:r="http://schemas.openxmlformats.org/officeDocument/2006/relationships" xmlns:p="http://schemas.openxmlformats.org/presentationml/2006/main">
+  <p:cSld>
+    <p:spTree>
+      <p:nvGrpSpPr>
+        <p:cNvPr id="1" name=""/>
+        <p:cNvGrpSpPr/>
+        <p:nvPr/>
+      </p:nvGrpSpPr>
+      <p:grpSpPr>
+        <a:xfrm>
+          <a:off x="0" y="0"/>
+          <a:ext cx="0" cy="0"/>
+          <a:chOff x="0" y="0"/>
+          <a:chExt cx="0" cy="0"/>
+        </a:xfrm>
+      </p:grpSpPr>
+      <p:sp>
+        <p:nvSpPr>
+          <p:cNvPr id="2" name="Titel 1"/>
+          <p:cNvSpPr>
+            <a:spLocks noGrp="1"/>
+          </p:cNvSpPr>
+          <p:nvPr>
+            <p:ph type="title"/>
+          </p:nvPr>
+        </p:nvSpPr>
         <p:spPr>
           <a:xfrm>
             <a:off x="201846" y="161544"/>
@@ -6365,7 +10103,7 @@
 </p:sld>
 </file>
 
-<file path=ppt/slides/slide3.xml><?xml version="1.0" encoding="utf-8"?>
+<file path=ppt/slides/slide4.xml><?xml version="1.0" encoding="utf-8"?>
 <p:sld xmlns:a="http://schemas.openxmlformats.org/drawingml/2006/main" xmlns:r="http://schemas.openxmlformats.org/officeDocument/2006/relationships" xmlns:p="http://schemas.openxmlformats.org/presentationml/2006/main">
   <p:cSld>
     <p:spTree>
@@ -6652,7 +10390,7 @@
         </p:nvSpPr>
         <p:spPr>
           <a:xfrm>
-            <a:off x="871022" y="33750"/>
+            <a:off x="871022" y="166565"/>
             <a:ext cx="4487362" cy="646331"/>
           </a:xfrm>
           <a:prstGeom prst="rect">
@@ -6669,14 +10407,14 @@
             <a:r>
               <a:rPr lang="de-DE" sz="3600" dirty="0" smtClean="0">
                 <a:solidFill>
-                  <a:schemeClr val="accent2"/>
+                  <a:schemeClr val="accent1"/>
                 </a:solidFill>
               </a:rPr>
               <a:t>Ziele im Programm</a:t>
             </a:r>
             <a:endParaRPr lang="de-DE" sz="3600" dirty="0">
               <a:solidFill>
-                <a:schemeClr val="accent2"/>
+                <a:schemeClr val="accent1"/>
               </a:solidFill>
             </a:endParaRPr>
           </a:p>
@@ -9976,7 +13714,7 @@
 </p:sld>
 </file>
 
-<file path=ppt/slides/slide4.xml><?xml version="1.0" encoding="utf-8"?>
+<file path=ppt/slides/slide5.xml><?xml version="1.0" encoding="utf-8"?>
 <p:sld xmlns:a="http://schemas.openxmlformats.org/drawingml/2006/main" xmlns:r="http://schemas.openxmlformats.org/officeDocument/2006/relationships" xmlns:p="http://schemas.openxmlformats.org/presentationml/2006/main">
   <p:cSld>
     <p:bg>
@@ -10009,7 +13747,7 @@
                 <a16:creationId xmlns:a16="http://schemas.microsoft.com/office/drawing/2014/main" id="{90A61547-2555-4DE2-A37F-A53E54917441}"/>
               </a:ext>
               <a:ext uri="{C183D7F6-B498-43B3-948B-1728B52AA6E4}">
-                <adec:decorative xmlns="" xmlns:adec="http://schemas.microsoft.com/office/drawing/2017/decorative" val="1"/>
+                <adec:decorative xmlns:adec="http://schemas.microsoft.com/office/drawing/2017/decorative" xmlns="" val="1"/>
               </a:ext>
             </a:extLst>
           </p:cNvPr>
@@ -10040,7 +13778,7 @@
                   <a16:creationId xmlns:a16="http://schemas.microsoft.com/office/drawing/2014/main" id="{5C2447E0-8F0D-479C-94E4-82BC8EB68C0C}"/>
                 </a:ext>
                 <a:ext uri="{C183D7F6-B498-43B3-948B-1728B52AA6E4}">
-                  <adec:decorative xmlns="" xmlns:adec="http://schemas.microsoft.com/office/drawing/2017/decorative" val="1"/>
+                  <adec:decorative xmlns:adec="http://schemas.microsoft.com/office/drawing/2017/decorative" xmlns="" val="1"/>
                 </a:ext>
               </a:extLst>
             </p:cNvPr>
@@ -10092,7 +13830,7 @@
                   <a16:creationId xmlns:a16="http://schemas.microsoft.com/office/drawing/2014/main" id="{1F943397-DCDD-44CB-BBA9-9510B7698DD2}"/>
                 </a:ext>
                 <a:ext uri="{C183D7F6-B498-43B3-948B-1728B52AA6E4}">
-                  <adec:decorative xmlns="" xmlns:adec="http://schemas.microsoft.com/office/drawing/2017/decorative" val="1"/>
+                  <adec:decorative xmlns:adec="http://schemas.microsoft.com/office/drawing/2017/decorative" xmlns="" val="1"/>
                 </a:ext>
               </a:extLst>
             </p:cNvPr>
@@ -10144,7 +13882,7 @@
                   <a16:creationId xmlns:a16="http://schemas.microsoft.com/office/drawing/2014/main" id="{E2630ADC-31DB-4C48-AC4A-DAAE5A7B8EA6}"/>
                 </a:ext>
                 <a:ext uri="{C183D7F6-B498-43B3-948B-1728B52AA6E4}">
-                  <adec:decorative xmlns="" xmlns:adec="http://schemas.microsoft.com/office/drawing/2017/decorative" val="1"/>
+                  <adec:decorative xmlns:adec="http://schemas.microsoft.com/office/drawing/2017/decorative" xmlns="" val="1"/>
                 </a:ext>
               </a:extLst>
             </p:cNvPr>
@@ -10222,7 +13960,7 @@
                   <a16:creationId xmlns:a16="http://schemas.microsoft.com/office/drawing/2014/main" id="{2CA5C44E-F54E-47E0-8989-4D8686B33C80}"/>
                 </a:ext>
                 <a:ext uri="{C183D7F6-B498-43B3-948B-1728B52AA6E4}">
-                  <adec:decorative xmlns="" xmlns:adec="http://schemas.microsoft.com/office/drawing/2017/decorative" val="1"/>
+                  <adec:decorative xmlns:adec="http://schemas.microsoft.com/office/drawing/2017/decorative" xmlns="" val="1"/>
                 </a:ext>
               </a:extLst>
             </p:cNvPr>
@@ -10300,7 +14038,7 @@
                   <a16:creationId xmlns:a16="http://schemas.microsoft.com/office/drawing/2014/main" id="{FF54E15E-830B-4375-A239-4C51954DEAEC}"/>
                 </a:ext>
                 <a:ext uri="{C183D7F6-B498-43B3-948B-1728B52AA6E4}">
-                  <adec:decorative xmlns="" xmlns:adec="http://schemas.microsoft.com/office/drawing/2017/decorative" val="1"/>
+                  <adec:decorative xmlns:adec="http://schemas.microsoft.com/office/drawing/2017/decorative" xmlns="" val="1"/>
                 </a:ext>
               </a:extLst>
             </p:cNvPr>
@@ -10356,7 +14094,7 @@
                   <a16:creationId xmlns:a16="http://schemas.microsoft.com/office/drawing/2014/main" id="{CB37E322-FF7E-4872-BD6B-50A48CBEA5CE}"/>
                 </a:ext>
                 <a:ext uri="{C183D7F6-B498-43B3-948B-1728B52AA6E4}">
-                  <adec:decorative xmlns="" xmlns:adec="http://schemas.microsoft.com/office/drawing/2017/decorative" val="1"/>
+                  <adec:decorative xmlns:adec="http://schemas.microsoft.com/office/drawing/2017/decorative" xmlns="" val="1"/>
                 </a:ext>
               </a:extLst>
             </p:cNvPr>
@@ -10435,7 +14173,7 @@
                   <a16:creationId xmlns:a16="http://schemas.microsoft.com/office/drawing/2014/main" id="{710D0C1E-D2F8-45B2-AE14-1AC8E976F7A2}"/>
                 </a:ext>
                 <a:ext uri="{C183D7F6-B498-43B3-948B-1728B52AA6E4}">
-                  <adec:decorative xmlns="" xmlns:adec="http://schemas.microsoft.com/office/drawing/2017/decorative" val="1"/>
+                  <adec:decorative xmlns:adec="http://schemas.microsoft.com/office/drawing/2017/decorative" xmlns="" val="1"/>
                 </a:ext>
               </a:extLst>
             </p:cNvPr>
@@ -10515,7 +14253,7 @@
                   <a16:creationId xmlns:a16="http://schemas.microsoft.com/office/drawing/2014/main" id="{3216331B-17D0-4167-ABD2-B2198058C2D2}"/>
                 </a:ext>
                 <a:ext uri="{C183D7F6-B498-43B3-948B-1728B52AA6E4}">
-                  <adec:decorative xmlns="" xmlns:adec="http://schemas.microsoft.com/office/drawing/2017/decorative" val="1"/>
+                  <adec:decorative xmlns:adec="http://schemas.microsoft.com/office/drawing/2017/decorative" xmlns="" val="1"/>
                 </a:ext>
               </a:extLst>
             </p:cNvPr>
@@ -10593,7 +14331,7 @@
                   <a16:creationId xmlns:a16="http://schemas.microsoft.com/office/drawing/2014/main" id="{A53A7A96-3806-4BB3-91DE-6EED48AC787E}"/>
                 </a:ext>
                 <a:ext uri="{C183D7F6-B498-43B3-948B-1728B52AA6E4}">
-                  <adec:decorative xmlns="" xmlns:adec="http://schemas.microsoft.com/office/drawing/2017/decorative" val="1"/>
+                  <adec:decorative xmlns:adec="http://schemas.microsoft.com/office/drawing/2017/decorative" xmlns="" val="1"/>
                 </a:ext>
               </a:extLst>
             </p:cNvPr>
@@ -10649,7 +14387,7 @@
                   <a16:creationId xmlns:a16="http://schemas.microsoft.com/office/drawing/2014/main" id="{F8C2B86C-EE71-466E-8991-503F9C9C1B22}"/>
                 </a:ext>
                 <a:ext uri="{C183D7F6-B498-43B3-948B-1728B52AA6E4}">
-                  <adec:decorative xmlns="" xmlns:adec="http://schemas.microsoft.com/office/drawing/2017/decorative" val="1"/>
+                  <adec:decorative xmlns:adec="http://schemas.microsoft.com/office/drawing/2017/decorative" xmlns="" val="1"/>
                 </a:ext>
               </a:extLst>
             </p:cNvPr>
@@ -10879,7 +14617,7 @@
 </p:sld>
 </file>
 
-<file path=ppt/slides/slide5.xml><?xml version="1.0" encoding="utf-8"?>
+<file path=ppt/slides/slide6.xml><?xml version="1.0" encoding="utf-8"?>
 <p:sld xmlns:a="http://schemas.openxmlformats.org/drawingml/2006/main" xmlns:r="http://schemas.openxmlformats.org/officeDocument/2006/relationships" xmlns:p="http://schemas.openxmlformats.org/presentationml/2006/main">
   <p:cSld>
     <p:spTree>

--- a/Sprint 3/Abgabe-Dateien/Unternehmen_Präsentation.pptx
+++ b/Sprint 3/Abgabe-Dateien/Unternehmen_Präsentation.pptx
@@ -9648,6 +9648,13 @@
   <p:clrMapOvr>
     <a:masterClrMapping/>
   </p:clrMapOvr>
+  <p:timing>
+    <p:tnLst>
+      <p:par>
+        <p:cTn id="1" dur="indefinite" restart="never" nodeType="tmRoot"/>
+      </p:par>
+    </p:tnLst>
+  </p:timing>
 </p:sld>
 </file>
 
@@ -9798,6 +9805,13 @@
       <p:transition spd="slow"/>
     </mc:Fallback>
   </mc:AlternateContent>
+  <p:timing>
+    <p:tnLst>
+      <p:par>
+        <p:cTn id="1" dur="indefinite" restart="never" nodeType="tmRoot"/>
+      </p:par>
+    </p:tnLst>
+  </p:timing>
 </p:sld>
 </file>
 

--- a/Sprint 3/Abgabe-Dateien/Unternehmen_Präsentation.pptx
+++ b/Sprint 3/Abgabe-Dateien/Unternehmen_Präsentation.pptx
@@ -4426,7 +4426,7 @@
           <a:p>
             <a:fld id="{C02FA18B-CDC5-4D54-8389-595747D46EF2}" type="datetimeFigureOut">
               <a:rPr lang="de-DE" smtClean="0"/>
-              <a:t>08.07.2021</a:t>
+              <a:t>09.07.2021</a:t>
             </a:fld>
             <a:endParaRPr lang="de-DE"/>
           </a:p>
@@ -4677,7 +4677,7 @@
           <a:p>
             <a:fld id="{C02FA18B-CDC5-4D54-8389-595747D46EF2}" type="datetimeFigureOut">
               <a:rPr lang="de-DE" smtClean="0"/>
-              <a:t>08.07.2021</a:t>
+              <a:t>09.07.2021</a:t>
             </a:fld>
             <a:endParaRPr lang="de-DE"/>
           </a:p>
@@ -4991,7 +4991,7 @@
           <a:p>
             <a:fld id="{C02FA18B-CDC5-4D54-8389-595747D46EF2}" type="datetimeFigureOut">
               <a:rPr lang="de-DE" smtClean="0"/>
-              <a:t>08.07.2021</a:t>
+              <a:t>09.07.2021</a:t>
             </a:fld>
             <a:endParaRPr lang="de-DE"/>
           </a:p>
@@ -5332,7 +5332,7 @@
           <a:p>
             <a:fld id="{C02FA18B-CDC5-4D54-8389-595747D46EF2}" type="datetimeFigureOut">
               <a:rPr lang="de-DE" smtClean="0"/>
-              <a:t>08.07.2021</a:t>
+              <a:t>09.07.2021</a:t>
             </a:fld>
             <a:endParaRPr lang="de-DE"/>
           </a:p>
@@ -5646,7 +5646,7 @@
           <a:p>
             <a:fld id="{C02FA18B-CDC5-4D54-8389-595747D46EF2}" type="datetimeFigureOut">
               <a:rPr lang="de-DE" smtClean="0"/>
-              <a:t>08.07.2021</a:t>
+              <a:t>09.07.2021</a:t>
             </a:fld>
             <a:endParaRPr lang="de-DE"/>
           </a:p>
@@ -6039,7 +6039,7 @@
           <a:p>
             <a:fld id="{C02FA18B-CDC5-4D54-8389-595747D46EF2}" type="datetimeFigureOut">
               <a:rPr lang="de-DE" smtClean="0"/>
-              <a:t>08.07.2021</a:t>
+              <a:t>09.07.2021</a:t>
             </a:fld>
             <a:endParaRPr lang="de-DE"/>
           </a:p>
@@ -6209,7 +6209,7 @@
           <a:p>
             <a:fld id="{C02FA18B-CDC5-4D54-8389-595747D46EF2}" type="datetimeFigureOut">
               <a:rPr lang="de-DE" smtClean="0"/>
-              <a:t>08.07.2021</a:t>
+              <a:t>09.07.2021</a:t>
             </a:fld>
             <a:endParaRPr lang="de-DE"/>
           </a:p>
@@ -6389,7 +6389,7 @@
           <a:p>
             <a:fld id="{C02FA18B-CDC5-4D54-8389-595747D46EF2}" type="datetimeFigureOut">
               <a:rPr lang="de-DE" smtClean="0"/>
-              <a:t>08.07.2021</a:t>
+              <a:t>09.07.2021</a:t>
             </a:fld>
             <a:endParaRPr lang="de-DE"/>
           </a:p>
@@ -6565,7 +6565,7 @@
           <a:p>
             <a:fld id="{C02FA18B-CDC5-4D54-8389-595747D46EF2}" type="datetimeFigureOut">
               <a:rPr lang="de-DE" smtClean="0"/>
-              <a:t>08.07.2021</a:t>
+              <a:t>09.07.2021</a:t>
             </a:fld>
             <a:endParaRPr lang="de-DE"/>
           </a:p>
@@ -6812,7 +6812,7 @@
           <a:p>
             <a:fld id="{C02FA18B-CDC5-4D54-8389-595747D46EF2}" type="datetimeFigureOut">
               <a:rPr lang="de-DE" smtClean="0"/>
-              <a:t>08.07.2021</a:t>
+              <a:t>09.07.2021</a:t>
             </a:fld>
             <a:endParaRPr lang="de-DE"/>
           </a:p>
@@ -7044,7 +7044,7 @@
           <a:p>
             <a:fld id="{C02FA18B-CDC5-4D54-8389-595747D46EF2}" type="datetimeFigureOut">
               <a:rPr lang="de-DE" smtClean="0"/>
-              <a:t>08.07.2021</a:t>
+              <a:t>09.07.2021</a:t>
             </a:fld>
             <a:endParaRPr lang="de-DE"/>
           </a:p>
@@ -7418,7 +7418,7 @@
           <a:p>
             <a:fld id="{C02FA18B-CDC5-4D54-8389-595747D46EF2}" type="datetimeFigureOut">
               <a:rPr lang="de-DE" smtClean="0"/>
-              <a:t>08.07.2021</a:t>
+              <a:t>09.07.2021</a:t>
             </a:fld>
             <a:endParaRPr lang="de-DE"/>
           </a:p>
@@ -7541,7 +7541,7 @@
           <a:p>
             <a:fld id="{C02FA18B-CDC5-4D54-8389-595747D46EF2}" type="datetimeFigureOut">
               <a:rPr lang="de-DE" smtClean="0"/>
-              <a:t>08.07.2021</a:t>
+              <a:t>09.07.2021</a:t>
             </a:fld>
             <a:endParaRPr lang="de-DE"/>
           </a:p>
@@ -7636,7 +7636,7 @@
           <a:p>
             <a:fld id="{C02FA18B-CDC5-4D54-8389-595747D46EF2}" type="datetimeFigureOut">
               <a:rPr lang="de-DE" smtClean="0"/>
-              <a:t>08.07.2021</a:t>
+              <a:t>09.07.2021</a:t>
             </a:fld>
             <a:endParaRPr lang="de-DE"/>
           </a:p>
@@ -7891,7 +7891,7 @@
           <a:p>
             <a:fld id="{C02FA18B-CDC5-4D54-8389-595747D46EF2}" type="datetimeFigureOut">
               <a:rPr lang="de-DE" smtClean="0"/>
-              <a:t>08.07.2021</a:t>
+              <a:t>09.07.2021</a:t>
             </a:fld>
             <a:endParaRPr lang="de-DE"/>
           </a:p>
@@ -8154,7 +8154,7 @@
           <a:p>
             <a:fld id="{C02FA18B-CDC5-4D54-8389-595747D46EF2}" type="datetimeFigureOut">
               <a:rPr lang="de-DE" smtClean="0"/>
-              <a:t>08.07.2021</a:t>
+              <a:t>09.07.2021</a:t>
             </a:fld>
             <a:endParaRPr lang="de-DE"/>
           </a:p>
@@ -8897,7 +8897,7 @@
           <a:p>
             <a:fld id="{C02FA18B-CDC5-4D54-8389-595747D46EF2}" type="datetimeFigureOut">
               <a:rPr lang="de-DE" smtClean="0"/>
-              <a:t>08.07.2021</a:t>
+              <a:t>09.07.2021</a:t>
             </a:fld>
             <a:endParaRPr lang="de-DE"/>
           </a:p>
@@ -9452,42 +9452,6 @@
       </p:sp>
       <p:sp>
         <p:nvSpPr>
-          <p:cNvPr id="3" name="Inhaltsplatzhalter 2"/>
-          <p:cNvSpPr>
-            <a:spLocks noGrp="1"/>
-          </p:cNvSpPr>
-          <p:nvPr>
-            <p:ph idx="1"/>
-          </p:nvPr>
-        </p:nvSpPr>
-        <p:spPr>
-          <a:xfrm>
-            <a:off x="677334" y="6336080"/>
-            <a:ext cx="8596668" cy="3880773"/>
-          </a:xfrm>
-        </p:spPr>
-        <p:txBody>
-          <a:bodyPr/>
-          <a:lstStyle/>
-          <a:p>
-            <a:r>
-              <a:rPr lang="de-DE" dirty="0">
-                <a:hlinkClick r:id="rId2"/>
-              </a:rPr>
-              <a:t>https://</a:t>
-            </a:r>
-            <a:r>
-              <a:rPr lang="de-DE" dirty="0" smtClean="0">
-                <a:hlinkClick r:id="rId2"/>
-              </a:rPr>
-              <a:t>github.com/baetjer/HSP_Gruppe_F.git</a:t>
-            </a:r>
-            <a:endParaRPr lang="de-DE" dirty="0" smtClean="0"/>
-          </a:p>
-        </p:txBody>
-      </p:sp>
-      <p:sp>
-        <p:nvSpPr>
           <p:cNvPr id="4" name="Textfeld 3"/>
           <p:cNvSpPr txBox="1"/>
           <p:nvPr/>
@@ -9557,7 +9521,7 @@
           <p:nvPr/>
         </p:nvPicPr>
         <p:blipFill>
-          <a:blip r:embed="rId3">
+          <a:blip r:embed="rId2">
             <a:extLst>
               <a:ext uri="{28A0092B-C50C-407E-A947-70E740481C1C}">
                 <a14:useLocalDpi xmlns:a14="http://schemas.microsoft.com/office/drawing/2010/main" val="0"/>
@@ -9587,7 +9551,7 @@
           <p:nvPr/>
         </p:nvPicPr>
         <p:blipFill>
-          <a:blip r:embed="rId4" cstate="hqprint">
+          <a:blip r:embed="rId3" cstate="hqprint">
             <a:extLst>
               <a:ext uri="{28A0092B-C50C-407E-A947-70E740481C1C}">
                 <a14:useLocalDpi xmlns:a14="http://schemas.microsoft.com/office/drawing/2010/main" val="0"/>
@@ -9617,7 +9581,7 @@
           <p:nvPr/>
         </p:nvPicPr>
         <p:blipFill>
-          <a:blip r:embed="rId5">
+          <a:blip r:embed="rId4">
             <a:extLst>
               <a:ext uri="{28A0092B-C50C-407E-A947-70E740481C1C}">
                 <a14:useLocalDpi xmlns:a14="http://schemas.microsoft.com/office/drawing/2010/main" val="0"/>
@@ -9638,6 +9602,25 @@
           </a:prstGeom>
         </p:spPr>
       </p:pic>
+      <p:sp>
+        <p:nvSpPr>
+          <p:cNvPr id="8" name="Inhaltsplatzhalter 7"/>
+          <p:cNvSpPr>
+            <a:spLocks noGrp="1"/>
+          </p:cNvSpPr>
+          <p:nvPr>
+            <p:ph idx="1"/>
+          </p:nvPr>
+        </p:nvSpPr>
+        <p:spPr/>
+        <p:txBody>
+          <a:bodyPr/>
+          <a:lstStyle/>
+          <a:p>
+            <a:endParaRPr lang="de-DE"/>
+          </a:p>
+        </p:txBody>
+      </p:sp>
     </p:spTree>
     <p:extLst>
       <p:ext uri="{BB962C8B-B14F-4D97-AF65-F5344CB8AC3E}">
@@ -9797,11 +9780,11 @@
   <p:clrMapOvr>
     <a:masterClrMapping/>
   </p:clrMapOvr>
-  <mc:AlternateContent xmlns:mc="http://schemas.openxmlformats.org/markup-compatibility/2006">
-    <mc:Choice xmlns:p14="http://schemas.microsoft.com/office/powerpoint/2010/main" Requires="p14">
+  <mc:AlternateContent xmlns:mc="http://schemas.openxmlformats.org/markup-compatibility/2006" xmlns:p14="http://schemas.microsoft.com/office/powerpoint/2010/main">
+    <mc:Choice Requires="p14">
       <p:transition spd="slow" p14:dur="2000"/>
     </mc:Choice>
-    <mc:Fallback>
+    <mc:Fallback xmlns="">
       <p:transition spd="slow"/>
     </mc:Fallback>
   </mc:AlternateContent>
@@ -13761,7 +13744,7 @@
                 <a16:creationId xmlns:a16="http://schemas.microsoft.com/office/drawing/2014/main" id="{90A61547-2555-4DE2-A37F-A53E54917441}"/>
               </a:ext>
               <a:ext uri="{C183D7F6-B498-43B3-948B-1728B52AA6E4}">
-                <adec:decorative xmlns:adec="http://schemas.microsoft.com/office/drawing/2017/decorative" xmlns="" val="1"/>
+                <adec:decorative xmlns="" xmlns:adec="http://schemas.microsoft.com/office/drawing/2017/decorative" val="1"/>
               </a:ext>
             </a:extLst>
           </p:cNvPr>
@@ -13792,7 +13775,7 @@
                   <a16:creationId xmlns:a16="http://schemas.microsoft.com/office/drawing/2014/main" id="{5C2447E0-8F0D-479C-94E4-82BC8EB68C0C}"/>
                 </a:ext>
                 <a:ext uri="{C183D7F6-B498-43B3-948B-1728B52AA6E4}">
-                  <adec:decorative xmlns:adec="http://schemas.microsoft.com/office/drawing/2017/decorative" xmlns="" val="1"/>
+                  <adec:decorative xmlns="" xmlns:adec="http://schemas.microsoft.com/office/drawing/2017/decorative" val="1"/>
                 </a:ext>
               </a:extLst>
             </p:cNvPr>
@@ -13844,7 +13827,7 @@
                   <a16:creationId xmlns:a16="http://schemas.microsoft.com/office/drawing/2014/main" id="{1F943397-DCDD-44CB-BBA9-9510B7698DD2}"/>
                 </a:ext>
                 <a:ext uri="{C183D7F6-B498-43B3-948B-1728B52AA6E4}">
-                  <adec:decorative xmlns:adec="http://schemas.microsoft.com/office/drawing/2017/decorative" xmlns="" val="1"/>
+                  <adec:decorative xmlns="" xmlns:adec="http://schemas.microsoft.com/office/drawing/2017/decorative" val="1"/>
                 </a:ext>
               </a:extLst>
             </p:cNvPr>
@@ -13896,7 +13879,7 @@
                   <a16:creationId xmlns:a16="http://schemas.microsoft.com/office/drawing/2014/main" id="{E2630ADC-31DB-4C48-AC4A-DAAE5A7B8EA6}"/>
                 </a:ext>
                 <a:ext uri="{C183D7F6-B498-43B3-948B-1728B52AA6E4}">
-                  <adec:decorative xmlns:adec="http://schemas.microsoft.com/office/drawing/2017/decorative" xmlns="" val="1"/>
+                  <adec:decorative xmlns="" xmlns:adec="http://schemas.microsoft.com/office/drawing/2017/decorative" val="1"/>
                 </a:ext>
               </a:extLst>
             </p:cNvPr>
@@ -13974,7 +13957,7 @@
                   <a16:creationId xmlns:a16="http://schemas.microsoft.com/office/drawing/2014/main" id="{2CA5C44E-F54E-47E0-8989-4D8686B33C80}"/>
                 </a:ext>
                 <a:ext uri="{C183D7F6-B498-43B3-948B-1728B52AA6E4}">
-                  <adec:decorative xmlns:adec="http://schemas.microsoft.com/office/drawing/2017/decorative" xmlns="" val="1"/>
+                  <adec:decorative xmlns="" xmlns:adec="http://schemas.microsoft.com/office/drawing/2017/decorative" val="1"/>
                 </a:ext>
               </a:extLst>
             </p:cNvPr>
@@ -14052,7 +14035,7 @@
                   <a16:creationId xmlns:a16="http://schemas.microsoft.com/office/drawing/2014/main" id="{FF54E15E-830B-4375-A239-4C51954DEAEC}"/>
                 </a:ext>
                 <a:ext uri="{C183D7F6-B498-43B3-948B-1728B52AA6E4}">
-                  <adec:decorative xmlns:adec="http://schemas.microsoft.com/office/drawing/2017/decorative" xmlns="" val="1"/>
+                  <adec:decorative xmlns="" xmlns:adec="http://schemas.microsoft.com/office/drawing/2017/decorative" val="1"/>
                 </a:ext>
               </a:extLst>
             </p:cNvPr>
@@ -14108,7 +14091,7 @@
                   <a16:creationId xmlns:a16="http://schemas.microsoft.com/office/drawing/2014/main" id="{CB37E322-FF7E-4872-BD6B-50A48CBEA5CE}"/>
                 </a:ext>
                 <a:ext uri="{C183D7F6-B498-43B3-948B-1728B52AA6E4}">
-                  <adec:decorative xmlns:adec="http://schemas.microsoft.com/office/drawing/2017/decorative" xmlns="" val="1"/>
+                  <adec:decorative xmlns="" xmlns:adec="http://schemas.microsoft.com/office/drawing/2017/decorative" val="1"/>
                 </a:ext>
               </a:extLst>
             </p:cNvPr>
@@ -14187,7 +14170,7 @@
                   <a16:creationId xmlns:a16="http://schemas.microsoft.com/office/drawing/2014/main" id="{710D0C1E-D2F8-45B2-AE14-1AC8E976F7A2}"/>
                 </a:ext>
                 <a:ext uri="{C183D7F6-B498-43B3-948B-1728B52AA6E4}">
-                  <adec:decorative xmlns:adec="http://schemas.microsoft.com/office/drawing/2017/decorative" xmlns="" val="1"/>
+                  <adec:decorative xmlns="" xmlns:adec="http://schemas.microsoft.com/office/drawing/2017/decorative" val="1"/>
                 </a:ext>
               </a:extLst>
             </p:cNvPr>
@@ -14267,7 +14250,7 @@
                   <a16:creationId xmlns:a16="http://schemas.microsoft.com/office/drawing/2014/main" id="{3216331B-17D0-4167-ABD2-B2198058C2D2}"/>
                 </a:ext>
                 <a:ext uri="{C183D7F6-B498-43B3-948B-1728B52AA6E4}">
-                  <adec:decorative xmlns:adec="http://schemas.microsoft.com/office/drawing/2017/decorative" xmlns="" val="1"/>
+                  <adec:decorative xmlns="" xmlns:adec="http://schemas.microsoft.com/office/drawing/2017/decorative" val="1"/>
                 </a:ext>
               </a:extLst>
             </p:cNvPr>
@@ -14345,7 +14328,7 @@
                   <a16:creationId xmlns:a16="http://schemas.microsoft.com/office/drawing/2014/main" id="{A53A7A96-3806-4BB3-91DE-6EED48AC787E}"/>
                 </a:ext>
                 <a:ext uri="{C183D7F6-B498-43B3-948B-1728B52AA6E4}">
-                  <adec:decorative xmlns:adec="http://schemas.microsoft.com/office/drawing/2017/decorative" xmlns="" val="1"/>
+                  <adec:decorative xmlns="" xmlns:adec="http://schemas.microsoft.com/office/drawing/2017/decorative" val="1"/>
                 </a:ext>
               </a:extLst>
             </p:cNvPr>
@@ -14401,7 +14384,7 @@
                   <a16:creationId xmlns:a16="http://schemas.microsoft.com/office/drawing/2014/main" id="{F8C2B86C-EE71-466E-8991-503F9C9C1B22}"/>
                 </a:ext>
                 <a:ext uri="{C183D7F6-B498-43B3-948B-1728B52AA6E4}">
-                  <adec:decorative xmlns:adec="http://schemas.microsoft.com/office/drawing/2017/decorative" xmlns="" val="1"/>
+                  <adec:decorative xmlns="" xmlns:adec="http://schemas.microsoft.com/office/drawing/2017/decorative" val="1"/>
                 </a:ext>
               </a:extLst>
             </p:cNvPr>
@@ -14990,265 +14973,6 @@
           </a:p>
         </p:txBody>
       </p:sp>
-      <p:sp>
-        <p:nvSpPr>
-          <p:cNvPr id="5" name="Inhaltsplatzhalter 2"/>
-          <p:cNvSpPr txBox="1">
-            <a:spLocks/>
-          </p:cNvSpPr>
-          <p:nvPr/>
-        </p:nvSpPr>
-        <p:spPr>
-          <a:xfrm>
-            <a:off x="458849" y="1743738"/>
-            <a:ext cx="8596668" cy="3880773"/>
-          </a:xfrm>
-          <a:prstGeom prst="rect">
-            <a:avLst/>
-          </a:prstGeom>
-        </p:spPr>
-        <p:txBody>
-          <a:bodyPr vert="horz" lIns="91440" tIns="45720" rIns="91440" bIns="45720" rtlCol="0">
-            <a:normAutofit/>
-          </a:bodyPr>
-          <a:lstStyle>
-            <a:lvl1pPr marL="342900" indent="-342900" algn="l" defTabSz="457200" rtl="0" eaLnBrk="1" latinLnBrk="0" hangingPunct="1">
-              <a:spcBef>
-                <a:spcPts val="1000"/>
-              </a:spcBef>
-              <a:spcAft>
-                <a:spcPts val="0"/>
-              </a:spcAft>
-              <a:buClr>
-                <a:schemeClr val="accent1"/>
-              </a:buClr>
-              <a:buSzPct val="80000"/>
-              <a:buFont typeface="Wingdings 3" charset="2"/>
-              <a:buChar char=""/>
-              <a:defRPr sz="1800" kern="1200">
-                <a:solidFill>
-                  <a:schemeClr val="tx1">
-                    <a:lumMod val="75000"/>
-                    <a:lumOff val="25000"/>
-                  </a:schemeClr>
-                </a:solidFill>
-                <a:latin typeface="+mn-lt"/>
-                <a:ea typeface="+mn-ea"/>
-                <a:cs typeface="+mn-cs"/>
-              </a:defRPr>
-            </a:lvl1pPr>
-            <a:lvl2pPr marL="742950" indent="-285750" algn="l" defTabSz="457200" rtl="0" eaLnBrk="1" latinLnBrk="0" hangingPunct="1">
-              <a:spcBef>
-                <a:spcPts val="1000"/>
-              </a:spcBef>
-              <a:spcAft>
-                <a:spcPts val="0"/>
-              </a:spcAft>
-              <a:buClr>
-                <a:schemeClr val="accent1"/>
-              </a:buClr>
-              <a:buSzPct val="80000"/>
-              <a:buFont typeface="Wingdings 3" charset="2"/>
-              <a:buChar char=""/>
-              <a:defRPr sz="1600" kern="1200">
-                <a:solidFill>
-                  <a:schemeClr val="tx1">
-                    <a:lumMod val="75000"/>
-                    <a:lumOff val="25000"/>
-                  </a:schemeClr>
-                </a:solidFill>
-                <a:latin typeface="+mn-lt"/>
-                <a:ea typeface="+mn-ea"/>
-                <a:cs typeface="+mn-cs"/>
-              </a:defRPr>
-            </a:lvl2pPr>
-            <a:lvl3pPr marL="1143000" indent="-228600" algn="l" defTabSz="457200" rtl="0" eaLnBrk="1" latinLnBrk="0" hangingPunct="1">
-              <a:spcBef>
-                <a:spcPts val="1000"/>
-              </a:spcBef>
-              <a:spcAft>
-                <a:spcPts val="0"/>
-              </a:spcAft>
-              <a:buClr>
-                <a:schemeClr val="accent1"/>
-              </a:buClr>
-              <a:buSzPct val="80000"/>
-              <a:buFont typeface="Wingdings 3" charset="2"/>
-              <a:buChar char=""/>
-              <a:defRPr sz="1400" kern="1200">
-                <a:solidFill>
-                  <a:schemeClr val="tx1">
-                    <a:lumMod val="75000"/>
-                    <a:lumOff val="25000"/>
-                  </a:schemeClr>
-                </a:solidFill>
-                <a:latin typeface="+mn-lt"/>
-                <a:ea typeface="+mn-ea"/>
-                <a:cs typeface="+mn-cs"/>
-              </a:defRPr>
-            </a:lvl3pPr>
-            <a:lvl4pPr marL="1600200" indent="-228600" algn="l" defTabSz="457200" rtl="0" eaLnBrk="1" latinLnBrk="0" hangingPunct="1">
-              <a:spcBef>
-                <a:spcPts val="1000"/>
-              </a:spcBef>
-              <a:spcAft>
-                <a:spcPts val="0"/>
-              </a:spcAft>
-              <a:buClr>
-                <a:schemeClr val="accent1"/>
-              </a:buClr>
-              <a:buSzPct val="80000"/>
-              <a:buFont typeface="Wingdings 3" charset="2"/>
-              <a:buChar char=""/>
-              <a:defRPr sz="1200" kern="1200">
-                <a:solidFill>
-                  <a:schemeClr val="tx1">
-                    <a:lumMod val="75000"/>
-                    <a:lumOff val="25000"/>
-                  </a:schemeClr>
-                </a:solidFill>
-                <a:latin typeface="+mn-lt"/>
-                <a:ea typeface="+mn-ea"/>
-                <a:cs typeface="+mn-cs"/>
-              </a:defRPr>
-            </a:lvl4pPr>
-            <a:lvl5pPr marL="2057400" indent="-228600" algn="l" defTabSz="457200" rtl="0" eaLnBrk="1" latinLnBrk="0" hangingPunct="1">
-              <a:spcBef>
-                <a:spcPts val="1000"/>
-              </a:spcBef>
-              <a:spcAft>
-                <a:spcPts val="0"/>
-              </a:spcAft>
-              <a:buClr>
-                <a:schemeClr val="accent1"/>
-              </a:buClr>
-              <a:buSzPct val="80000"/>
-              <a:buFont typeface="Wingdings 3" charset="2"/>
-              <a:buChar char=""/>
-              <a:defRPr sz="1200" kern="1200">
-                <a:solidFill>
-                  <a:schemeClr val="tx1">
-                    <a:lumMod val="75000"/>
-                    <a:lumOff val="25000"/>
-                  </a:schemeClr>
-                </a:solidFill>
-                <a:latin typeface="+mn-lt"/>
-                <a:ea typeface="+mn-ea"/>
-                <a:cs typeface="+mn-cs"/>
-              </a:defRPr>
-            </a:lvl5pPr>
-            <a:lvl6pPr marL="2514600" indent="-228600" algn="l" defTabSz="457200" rtl="0" eaLnBrk="1" latinLnBrk="0" hangingPunct="1">
-              <a:spcBef>
-                <a:spcPts val="1000"/>
-              </a:spcBef>
-              <a:spcAft>
-                <a:spcPts val="0"/>
-              </a:spcAft>
-              <a:buClr>
-                <a:schemeClr val="accent1"/>
-              </a:buClr>
-              <a:buSzPct val="80000"/>
-              <a:buFont typeface="Wingdings 3" charset="2"/>
-              <a:buChar char=""/>
-              <a:defRPr sz="1200" kern="1200">
-                <a:solidFill>
-                  <a:schemeClr val="tx1">
-                    <a:lumMod val="75000"/>
-                    <a:lumOff val="25000"/>
-                  </a:schemeClr>
-                </a:solidFill>
-                <a:latin typeface="+mn-lt"/>
-                <a:ea typeface="+mn-ea"/>
-                <a:cs typeface="+mn-cs"/>
-              </a:defRPr>
-            </a:lvl6pPr>
-            <a:lvl7pPr marL="2971800" indent="-228600" algn="l" defTabSz="457200" rtl="0" eaLnBrk="1" latinLnBrk="0" hangingPunct="1">
-              <a:spcBef>
-                <a:spcPts val="1000"/>
-              </a:spcBef>
-              <a:spcAft>
-                <a:spcPts val="0"/>
-              </a:spcAft>
-              <a:buClr>
-                <a:schemeClr val="accent1"/>
-              </a:buClr>
-              <a:buSzPct val="80000"/>
-              <a:buFont typeface="Wingdings 3" charset="2"/>
-              <a:buChar char=""/>
-              <a:defRPr sz="1200" kern="1200">
-                <a:solidFill>
-                  <a:schemeClr val="tx1">
-                    <a:lumMod val="75000"/>
-                    <a:lumOff val="25000"/>
-                  </a:schemeClr>
-                </a:solidFill>
-                <a:latin typeface="+mn-lt"/>
-                <a:ea typeface="+mn-ea"/>
-                <a:cs typeface="+mn-cs"/>
-              </a:defRPr>
-            </a:lvl7pPr>
-            <a:lvl8pPr marL="3429000" indent="-228600" algn="l" defTabSz="457200" rtl="0" eaLnBrk="1" latinLnBrk="0" hangingPunct="1">
-              <a:spcBef>
-                <a:spcPts val="1000"/>
-              </a:spcBef>
-              <a:spcAft>
-                <a:spcPts val="0"/>
-              </a:spcAft>
-              <a:buClr>
-                <a:schemeClr val="accent1"/>
-              </a:buClr>
-              <a:buSzPct val="80000"/>
-              <a:buFont typeface="Wingdings 3" charset="2"/>
-              <a:buChar char=""/>
-              <a:defRPr sz="1200" kern="1200">
-                <a:solidFill>
-                  <a:schemeClr val="tx1">
-                    <a:lumMod val="75000"/>
-                    <a:lumOff val="25000"/>
-                  </a:schemeClr>
-                </a:solidFill>
-                <a:latin typeface="+mn-lt"/>
-                <a:ea typeface="+mn-ea"/>
-                <a:cs typeface="+mn-cs"/>
-              </a:defRPr>
-            </a:lvl8pPr>
-            <a:lvl9pPr marL="3886200" indent="-228600" algn="l" defTabSz="457200" rtl="0" eaLnBrk="1" latinLnBrk="0" hangingPunct="1">
-              <a:spcBef>
-                <a:spcPts val="1000"/>
-              </a:spcBef>
-              <a:spcAft>
-                <a:spcPts val="0"/>
-              </a:spcAft>
-              <a:buClr>
-                <a:schemeClr val="accent1"/>
-              </a:buClr>
-              <a:buSzPct val="80000"/>
-              <a:buFont typeface="Wingdings 3" charset="2"/>
-              <a:buChar char=""/>
-              <a:defRPr sz="1200" kern="1200">
-                <a:solidFill>
-                  <a:schemeClr val="tx1">
-                    <a:lumMod val="75000"/>
-                    <a:lumOff val="25000"/>
-                  </a:schemeClr>
-                </a:solidFill>
-                <a:latin typeface="+mn-lt"/>
-                <a:ea typeface="+mn-ea"/>
-                <a:cs typeface="+mn-cs"/>
-              </a:defRPr>
-            </a:lvl9pPr>
-          </a:lstStyle>
-          <a:p>
-            <a:r>
-              <a:rPr lang="de-DE" dirty="0" smtClean="0">
-                <a:hlinkClick r:id="rId2"/>
-              </a:rPr>
-              <a:t>https://github.com/baetjer/HSP_Gruppe_F.git</a:t>
-            </a:r>
-            <a:endParaRPr lang="de-DE" dirty="0" smtClean="0"/>
-          </a:p>
-        </p:txBody>
-      </p:sp>
       <p:pic>
         <p:nvPicPr>
           <p:cNvPr id="6" name="Grafik 5"/>
@@ -15258,7 +14982,7 @@
           <p:nvPr/>
         </p:nvPicPr>
         <p:blipFill>
-          <a:blip r:embed="rId3">
+          <a:blip r:embed="rId2">
             <a:extLst>
               <a:ext uri="{28A0092B-C50C-407E-A947-70E740481C1C}">
                 <a14:useLocalDpi xmlns:a14="http://schemas.microsoft.com/office/drawing/2010/main" val="0"/>
